--- a/20277 Database systems/Presentation.pptx
+++ b/20277 Database systems/Presentation.pptx
@@ -504,7 +504,7 @@
           <a:p>
             <a:fld id="{FDB15017-C9AD-4905-8B61-6B0066E9A51C}" type="datetimeFigureOut">
               <a:rPr lang="en-US" smtClean="0"/>
-              <a:t>5/2/2016</a:t>
+              <a:t>5/13/2016</a:t>
             </a:fld>
             <a:endParaRPr lang="en-US"/>
           </a:p>
@@ -674,7 +674,7 @@
           <a:p>
             <a:fld id="{FDB15017-C9AD-4905-8B61-6B0066E9A51C}" type="datetimeFigureOut">
               <a:rPr lang="en-US" smtClean="0"/>
-              <a:t>5/2/2016</a:t>
+              <a:t>5/13/2016</a:t>
             </a:fld>
             <a:endParaRPr lang="en-US"/>
           </a:p>
@@ -854,7 +854,7 @@
           <a:p>
             <a:fld id="{FDB15017-C9AD-4905-8B61-6B0066E9A51C}" type="datetimeFigureOut">
               <a:rPr lang="en-US" smtClean="0"/>
-              <a:t>5/2/2016</a:t>
+              <a:t>5/13/2016</a:t>
             </a:fld>
             <a:endParaRPr lang="en-US"/>
           </a:p>
@@ -1024,7 +1024,7 @@
           <a:p>
             <a:fld id="{FDB15017-C9AD-4905-8B61-6B0066E9A51C}" type="datetimeFigureOut">
               <a:rPr lang="en-US" smtClean="0"/>
-              <a:t>5/2/2016</a:t>
+              <a:t>5/13/2016</a:t>
             </a:fld>
             <a:endParaRPr lang="en-US"/>
           </a:p>
@@ -1270,7 +1270,7 @@
           <a:p>
             <a:fld id="{FDB15017-C9AD-4905-8B61-6B0066E9A51C}" type="datetimeFigureOut">
               <a:rPr lang="en-US" smtClean="0"/>
-              <a:t>5/2/2016</a:t>
+              <a:t>5/13/2016</a:t>
             </a:fld>
             <a:endParaRPr lang="en-US"/>
           </a:p>
@@ -1558,7 +1558,7 @@
           <a:p>
             <a:fld id="{FDB15017-C9AD-4905-8B61-6B0066E9A51C}" type="datetimeFigureOut">
               <a:rPr lang="en-US" smtClean="0"/>
-              <a:t>5/2/2016</a:t>
+              <a:t>5/13/2016</a:t>
             </a:fld>
             <a:endParaRPr lang="en-US"/>
           </a:p>
@@ -1980,7 +1980,7 @@
           <a:p>
             <a:fld id="{FDB15017-C9AD-4905-8B61-6B0066E9A51C}" type="datetimeFigureOut">
               <a:rPr lang="en-US" smtClean="0"/>
-              <a:t>5/2/2016</a:t>
+              <a:t>5/13/2016</a:t>
             </a:fld>
             <a:endParaRPr lang="en-US"/>
           </a:p>
@@ -2098,7 +2098,7 @@
           <a:p>
             <a:fld id="{FDB15017-C9AD-4905-8B61-6B0066E9A51C}" type="datetimeFigureOut">
               <a:rPr lang="en-US" smtClean="0"/>
-              <a:t>5/2/2016</a:t>
+              <a:t>5/13/2016</a:t>
             </a:fld>
             <a:endParaRPr lang="en-US"/>
           </a:p>
@@ -2193,7 +2193,7 @@
           <a:p>
             <a:fld id="{FDB15017-C9AD-4905-8B61-6B0066E9A51C}" type="datetimeFigureOut">
               <a:rPr lang="en-US" smtClean="0"/>
-              <a:t>5/2/2016</a:t>
+              <a:t>5/13/2016</a:t>
             </a:fld>
             <a:endParaRPr lang="en-US"/>
           </a:p>
@@ -2470,7 +2470,7 @@
           <a:p>
             <a:fld id="{FDB15017-C9AD-4905-8B61-6B0066E9A51C}" type="datetimeFigureOut">
               <a:rPr lang="en-US" smtClean="0"/>
-              <a:t>5/2/2016</a:t>
+              <a:t>5/13/2016</a:t>
             </a:fld>
             <a:endParaRPr lang="en-US"/>
           </a:p>
@@ -2723,7 +2723,7 @@
           <a:p>
             <a:fld id="{FDB15017-C9AD-4905-8B61-6B0066E9A51C}" type="datetimeFigureOut">
               <a:rPr lang="en-US" smtClean="0"/>
-              <a:t>5/2/2016</a:t>
+              <a:t>5/13/2016</a:t>
             </a:fld>
             <a:endParaRPr lang="en-US"/>
           </a:p>
@@ -2936,7 +2936,7 @@
           <a:p>
             <a:fld id="{FDB15017-C9AD-4905-8B61-6B0066E9A51C}" type="datetimeFigureOut">
               <a:rPr lang="en-US" smtClean="0"/>
-              <a:t>5/2/2016</a:t>
+              <a:t>5/13/2016</a:t>
             </a:fld>
             <a:endParaRPr lang="en-US"/>
           </a:p>
@@ -17612,11 +17612,7 @@
             </a:r>
             <a:r>
               <a:rPr lang="he-IL" sz="1400" dirty="0" smtClean="0"/>
-              <a:t>  אזי היינו מקבלים רק את 40000 מכיוון שלפחות אחת מתוך השנייים קיימות</a:t>
-            </a:r>
-            <a:r>
-              <a:rPr lang="he-IL" sz="1400" dirty="0" smtClean="0"/>
-              <a:t>.</a:t>
+              <a:t>  אזי היינו מקבלים רק את 40000 מכיוון שלפחות אחת מתוך השנייים קיימות.</a:t>
             </a:r>
             <a:endParaRPr lang="en-US" sz="1400" dirty="0" smtClean="0"/>
           </a:p>
@@ -20027,11 +20023,7 @@
             </a:r>
             <a:r>
               <a:rPr lang="en-US" sz="1600" dirty="0" smtClean="0"/>
-              <a:t>Chapter </a:t>
-            </a:r>
-            <a:r>
-              <a:rPr lang="en-US" sz="1600" dirty="0" smtClean="0"/>
-              <a:t>7</a:t>
+              <a:t>Chapter 7</a:t>
             </a:r>
           </a:p>
           <a:p>
@@ -20737,20 +20729,12 @@
               <a:rPr lang="en-US" sz="1800" dirty="0"/>
               <a:t>SELECT ID FROM A</a:t>
             </a:r>
-            <a:r>
-              <a:rPr lang="en-US" sz="1800" dirty="0"/>
-              <a:t/>
-            </a:r>
             <a:br>
               <a:rPr lang="en-US" sz="1800" dirty="0"/>
             </a:br>
             <a:r>
               <a:rPr lang="en-US" sz="1800" dirty="0"/>
               <a:t>EXCEPT</a:t>
-            </a:r>
-            <a:r>
-              <a:rPr lang="en-US" sz="1800" dirty="0"/>
-              <a:t/>
             </a:r>
             <a:br>
               <a:rPr lang="en-US" sz="1800" dirty="0"/>
@@ -22128,15 +22112,7 @@
             </a:pPr>
             <a:r>
               <a:rPr lang="he-IL" sz="1200" dirty="0" smtClean="0"/>
-              <a:t>מצא את המחלקה </a:t>
-            </a:r>
-            <a:r>
-              <a:rPr lang="he-IL" sz="1200" dirty="0" smtClean="0"/>
-              <a:t> שבה </a:t>
-            </a:r>
-            <a:r>
-              <a:rPr lang="he-IL" sz="1200" dirty="0" smtClean="0"/>
-              <a:t>סכום המשכורות הוא הגבוה ביותר</a:t>
+              <a:t>מצא את המחלקה  שבה סכום המשכורות הוא הגבוה ביותר</a:t>
             </a:r>
           </a:p>
           <a:p>
@@ -25162,19 +25138,11 @@
             </a:r>
             <a:r>
               <a:rPr lang="en-US" sz="1800" dirty="0" smtClean="0"/>
-              <a:t>self </a:t>
-            </a:r>
-            <a:r>
-              <a:rPr lang="en-US" sz="1800" dirty="0" smtClean="0"/>
-              <a:t>explanatory </a:t>
+              <a:t>self explanatory </a:t>
             </a:r>
             <a:r>
               <a:rPr lang="he-IL" sz="1800" dirty="0" smtClean="0"/>
-              <a:t> </a:t>
-            </a:r>
-            <a:r>
-              <a:rPr lang="he-IL" sz="1800" dirty="0" smtClean="0"/>
-              <a:t>כאן:</a:t>
+              <a:t> כאן:</a:t>
             </a:r>
           </a:p>
           <a:p>

--- a/20277 Database systems/Presentation.pptx
+++ b/20277 Database systems/Presentation.pptx
@@ -49,50 +49,51 @@
     <p:sldId id="290" r:id="rId43"/>
     <p:sldId id="292" r:id="rId44"/>
     <p:sldId id="293" r:id="rId45"/>
-    <p:sldId id="294" r:id="rId46"/>
-    <p:sldId id="295" r:id="rId47"/>
-    <p:sldId id="296" r:id="rId48"/>
-    <p:sldId id="291" r:id="rId49"/>
-    <p:sldId id="297" r:id="rId50"/>
-    <p:sldId id="298" r:id="rId51"/>
-    <p:sldId id="299" r:id="rId52"/>
-    <p:sldId id="300" r:id="rId53"/>
-    <p:sldId id="303" r:id="rId54"/>
-    <p:sldId id="336" r:id="rId55"/>
-    <p:sldId id="337" r:id="rId56"/>
-    <p:sldId id="338" r:id="rId57"/>
-    <p:sldId id="339" r:id="rId58"/>
-    <p:sldId id="304" r:id="rId59"/>
-    <p:sldId id="334" r:id="rId60"/>
-    <p:sldId id="335" r:id="rId61"/>
-    <p:sldId id="333" r:id="rId62"/>
-    <p:sldId id="305" r:id="rId63"/>
-    <p:sldId id="306" r:id="rId64"/>
-    <p:sldId id="307" r:id="rId65"/>
-    <p:sldId id="308" r:id="rId66"/>
-    <p:sldId id="309" r:id="rId67"/>
-    <p:sldId id="310" r:id="rId68"/>
-    <p:sldId id="311" r:id="rId69"/>
-    <p:sldId id="312" r:id="rId70"/>
-    <p:sldId id="313" r:id="rId71"/>
-    <p:sldId id="314" r:id="rId72"/>
-    <p:sldId id="315" r:id="rId73"/>
-    <p:sldId id="316" r:id="rId74"/>
-    <p:sldId id="317" r:id="rId75"/>
-    <p:sldId id="318" r:id="rId76"/>
-    <p:sldId id="319" r:id="rId77"/>
-    <p:sldId id="320" r:id="rId78"/>
-    <p:sldId id="321" r:id="rId79"/>
-    <p:sldId id="322" r:id="rId80"/>
-    <p:sldId id="323" r:id="rId81"/>
-    <p:sldId id="324" r:id="rId82"/>
-    <p:sldId id="325" r:id="rId83"/>
-    <p:sldId id="326" r:id="rId84"/>
-    <p:sldId id="327" r:id="rId85"/>
-    <p:sldId id="328" r:id="rId86"/>
-    <p:sldId id="329" r:id="rId87"/>
-    <p:sldId id="330" r:id="rId88"/>
-    <p:sldId id="331" r:id="rId89"/>
+    <p:sldId id="344" r:id="rId46"/>
+    <p:sldId id="294" r:id="rId47"/>
+    <p:sldId id="295" r:id="rId48"/>
+    <p:sldId id="296" r:id="rId49"/>
+    <p:sldId id="291" r:id="rId50"/>
+    <p:sldId id="297" r:id="rId51"/>
+    <p:sldId id="298" r:id="rId52"/>
+    <p:sldId id="299" r:id="rId53"/>
+    <p:sldId id="300" r:id="rId54"/>
+    <p:sldId id="303" r:id="rId55"/>
+    <p:sldId id="336" r:id="rId56"/>
+    <p:sldId id="337" r:id="rId57"/>
+    <p:sldId id="338" r:id="rId58"/>
+    <p:sldId id="339" r:id="rId59"/>
+    <p:sldId id="304" r:id="rId60"/>
+    <p:sldId id="334" r:id="rId61"/>
+    <p:sldId id="335" r:id="rId62"/>
+    <p:sldId id="333" r:id="rId63"/>
+    <p:sldId id="305" r:id="rId64"/>
+    <p:sldId id="306" r:id="rId65"/>
+    <p:sldId id="307" r:id="rId66"/>
+    <p:sldId id="308" r:id="rId67"/>
+    <p:sldId id="309" r:id="rId68"/>
+    <p:sldId id="310" r:id="rId69"/>
+    <p:sldId id="311" r:id="rId70"/>
+    <p:sldId id="312" r:id="rId71"/>
+    <p:sldId id="313" r:id="rId72"/>
+    <p:sldId id="314" r:id="rId73"/>
+    <p:sldId id="315" r:id="rId74"/>
+    <p:sldId id="316" r:id="rId75"/>
+    <p:sldId id="317" r:id="rId76"/>
+    <p:sldId id="318" r:id="rId77"/>
+    <p:sldId id="319" r:id="rId78"/>
+    <p:sldId id="320" r:id="rId79"/>
+    <p:sldId id="321" r:id="rId80"/>
+    <p:sldId id="322" r:id="rId81"/>
+    <p:sldId id="323" r:id="rId82"/>
+    <p:sldId id="324" r:id="rId83"/>
+    <p:sldId id="325" r:id="rId84"/>
+    <p:sldId id="326" r:id="rId85"/>
+    <p:sldId id="327" r:id="rId86"/>
+    <p:sldId id="328" r:id="rId87"/>
+    <p:sldId id="329" r:id="rId88"/>
+    <p:sldId id="330" r:id="rId89"/>
+    <p:sldId id="331" r:id="rId90"/>
   </p:sldIdLst>
   <p:sldSz cx="9144000" cy="6858000" type="screen4x3"/>
   <p:notesSz cx="6858000" cy="9144000"/>
@@ -240,6 +241,7 @@
             <p14:sldId id="290"/>
             <p14:sldId id="292"/>
             <p14:sldId id="293"/>
+            <p14:sldId id="344"/>
             <p14:sldId id="294"/>
             <p14:sldId id="295"/>
             <p14:sldId id="296"/>
@@ -504,7 +506,7 @@
           <a:p>
             <a:fld id="{FDB15017-C9AD-4905-8B61-6B0066E9A51C}" type="datetimeFigureOut">
               <a:rPr lang="en-US" smtClean="0"/>
-              <a:t>5/13/2016</a:t>
+              <a:t>5/17/2016</a:t>
             </a:fld>
             <a:endParaRPr lang="en-US"/>
           </a:p>
@@ -674,7 +676,7 @@
           <a:p>
             <a:fld id="{FDB15017-C9AD-4905-8B61-6B0066E9A51C}" type="datetimeFigureOut">
               <a:rPr lang="en-US" smtClean="0"/>
-              <a:t>5/13/2016</a:t>
+              <a:t>5/17/2016</a:t>
             </a:fld>
             <a:endParaRPr lang="en-US"/>
           </a:p>
@@ -854,7 +856,7 @@
           <a:p>
             <a:fld id="{FDB15017-C9AD-4905-8B61-6B0066E9A51C}" type="datetimeFigureOut">
               <a:rPr lang="en-US" smtClean="0"/>
-              <a:t>5/13/2016</a:t>
+              <a:t>5/17/2016</a:t>
             </a:fld>
             <a:endParaRPr lang="en-US"/>
           </a:p>
@@ -1024,7 +1026,7 @@
           <a:p>
             <a:fld id="{FDB15017-C9AD-4905-8B61-6B0066E9A51C}" type="datetimeFigureOut">
               <a:rPr lang="en-US" smtClean="0"/>
-              <a:t>5/13/2016</a:t>
+              <a:t>5/17/2016</a:t>
             </a:fld>
             <a:endParaRPr lang="en-US"/>
           </a:p>
@@ -1270,7 +1272,7 @@
           <a:p>
             <a:fld id="{FDB15017-C9AD-4905-8B61-6B0066E9A51C}" type="datetimeFigureOut">
               <a:rPr lang="en-US" smtClean="0"/>
-              <a:t>5/13/2016</a:t>
+              <a:t>5/17/2016</a:t>
             </a:fld>
             <a:endParaRPr lang="en-US"/>
           </a:p>
@@ -1558,7 +1560,7 @@
           <a:p>
             <a:fld id="{FDB15017-C9AD-4905-8B61-6B0066E9A51C}" type="datetimeFigureOut">
               <a:rPr lang="en-US" smtClean="0"/>
-              <a:t>5/13/2016</a:t>
+              <a:t>5/17/2016</a:t>
             </a:fld>
             <a:endParaRPr lang="en-US"/>
           </a:p>
@@ -1980,7 +1982,7 @@
           <a:p>
             <a:fld id="{FDB15017-C9AD-4905-8B61-6B0066E9A51C}" type="datetimeFigureOut">
               <a:rPr lang="en-US" smtClean="0"/>
-              <a:t>5/13/2016</a:t>
+              <a:t>5/17/2016</a:t>
             </a:fld>
             <a:endParaRPr lang="en-US"/>
           </a:p>
@@ -2098,7 +2100,7 @@
           <a:p>
             <a:fld id="{FDB15017-C9AD-4905-8B61-6B0066E9A51C}" type="datetimeFigureOut">
               <a:rPr lang="en-US" smtClean="0"/>
-              <a:t>5/13/2016</a:t>
+              <a:t>5/17/2016</a:t>
             </a:fld>
             <a:endParaRPr lang="en-US"/>
           </a:p>
@@ -2193,7 +2195,7 @@
           <a:p>
             <a:fld id="{FDB15017-C9AD-4905-8B61-6B0066E9A51C}" type="datetimeFigureOut">
               <a:rPr lang="en-US" smtClean="0"/>
-              <a:t>5/13/2016</a:t>
+              <a:t>5/17/2016</a:t>
             </a:fld>
             <a:endParaRPr lang="en-US"/>
           </a:p>
@@ -2470,7 +2472,7 @@
           <a:p>
             <a:fld id="{FDB15017-C9AD-4905-8B61-6B0066E9A51C}" type="datetimeFigureOut">
               <a:rPr lang="en-US" smtClean="0"/>
-              <a:t>5/13/2016</a:t>
+              <a:t>5/17/2016</a:t>
             </a:fld>
             <a:endParaRPr lang="en-US"/>
           </a:p>
@@ -2723,7 +2725,7 @@
           <a:p>
             <a:fld id="{FDB15017-C9AD-4905-8B61-6B0066E9A51C}" type="datetimeFigureOut">
               <a:rPr lang="en-US" smtClean="0"/>
-              <a:t>5/13/2016</a:t>
+              <a:t>5/17/2016</a:t>
             </a:fld>
             <a:endParaRPr lang="en-US"/>
           </a:p>
@@ -2936,7 +2938,7 @@
           <a:p>
             <a:fld id="{FDB15017-C9AD-4905-8B61-6B0066E9A51C}" type="datetimeFigureOut">
               <a:rPr lang="en-US" smtClean="0"/>
-              <a:t>5/13/2016</a:t>
+              <a:t>5/17/2016</a:t>
             </a:fld>
             <a:endParaRPr lang="en-US"/>
           </a:p>
@@ -15119,6 +15121,196 @@
         </p:nvSpPr>
         <p:spPr/>
         <p:txBody>
+          <a:bodyPr/>
+          <a:lstStyle/>
+          <a:p>
+            <a:r>
+              <a:rPr lang="en-US" dirty="0" smtClean="0"/>
+              <a:t>More CTE	</a:t>
+            </a:r>
+            <a:endParaRPr lang="en-US" dirty="0"/>
+          </a:p>
+        </p:txBody>
+      </p:sp>
+      <p:sp>
+        <p:nvSpPr>
+          <p:cNvPr id="3" name="Content Placeholder 2"/>
+          <p:cNvSpPr>
+            <a:spLocks noGrp="1"/>
+          </p:cNvSpPr>
+          <p:nvPr>
+            <p:ph idx="1"/>
+          </p:nvPr>
+        </p:nvSpPr>
+        <p:spPr/>
+        <p:txBody>
+          <a:bodyPr>
+            <a:normAutofit/>
+          </a:bodyPr>
+          <a:lstStyle/>
+          <a:p>
+            <a:pPr marL="0" indent="0">
+              <a:buNone/>
+            </a:pPr>
+            <a:r>
+              <a:rPr lang="en-US" sz="1200" dirty="0"/>
+              <a:t>with result as</a:t>
+            </a:r>
+          </a:p>
+          <a:p>
+            <a:pPr marL="0" indent="0">
+              <a:buNone/>
+            </a:pPr>
+            <a:r>
+              <a:rPr lang="en-US" sz="1200" dirty="0"/>
+              <a:t>(</a:t>
+            </a:r>
+          </a:p>
+          <a:p>
+            <a:pPr marL="0" indent="0">
+              <a:buNone/>
+            </a:pPr>
+            <a:r>
+              <a:rPr lang="en-US" sz="1200" dirty="0"/>
+              <a:t>  select * </a:t>
+            </a:r>
+          </a:p>
+          <a:p>
+            <a:pPr marL="0" indent="0">
+              <a:buNone/>
+            </a:pPr>
+            <a:r>
+              <a:rPr lang="en-US" sz="1200" dirty="0"/>
+              <a:t>  from instructor</a:t>
+            </a:r>
+          </a:p>
+          <a:p>
+            <a:pPr marL="0" indent="0">
+              <a:buNone/>
+            </a:pPr>
+            <a:r>
+              <a:rPr lang="en-US" sz="1200" dirty="0"/>
+              <a:t>  where salary = 95000</a:t>
+            </a:r>
+          </a:p>
+          <a:p>
+            <a:pPr marL="0" indent="0">
+              <a:buNone/>
+            </a:pPr>
+            <a:r>
+              <a:rPr lang="en-US" sz="1200" dirty="0"/>
+              <a:t>)</a:t>
+            </a:r>
+          </a:p>
+          <a:p>
+            <a:pPr marL="0" indent="0">
+              <a:buNone/>
+            </a:pPr>
+            <a:r>
+              <a:rPr lang="en-US" sz="1200" dirty="0"/>
+              <a:t>select  * from result </a:t>
+            </a:r>
+          </a:p>
+          <a:p>
+            <a:pPr marL="0" indent="0">
+              <a:buNone/>
+            </a:pPr>
+            <a:r>
+              <a:rPr lang="en-US" sz="1200" dirty="0"/>
+              <a:t>inner join department</a:t>
+            </a:r>
+          </a:p>
+          <a:p>
+            <a:pPr marL="0" indent="0">
+              <a:buNone/>
+            </a:pPr>
+            <a:r>
+              <a:rPr lang="en-US" sz="1200" dirty="0"/>
+              <a:t>on result.dept_id = department.dept_id</a:t>
+            </a:r>
+          </a:p>
+          <a:p>
+            <a:pPr marL="0" indent="0">
+              <a:buNone/>
+            </a:pPr>
+            <a:r>
+              <a:rPr lang="en-US" sz="1200" dirty="0"/>
+              <a:t> </a:t>
+            </a:r>
+          </a:p>
+          <a:p>
+            <a:pPr marL="0" indent="0">
+              <a:buNone/>
+            </a:pPr>
+            <a:r>
+              <a:rPr lang="en-US" sz="1200" dirty="0" smtClean="0"/>
+              <a:t>We can use the result of the CTE  as input to inner join for example.</a:t>
+            </a:r>
+          </a:p>
+          <a:p>
+            <a:pPr marL="0" indent="0">
+              <a:buNone/>
+            </a:pPr>
+            <a:endParaRPr lang="en-US" sz="1200" dirty="0"/>
+          </a:p>
+          <a:p>
+            <a:pPr marL="0" indent="0">
+              <a:buNone/>
+            </a:pPr>
+            <a:r>
+              <a:rPr lang="en-US" sz="1200" dirty="0" smtClean="0"/>
+              <a:t>CTE helps with difficult queries where question are including more then </a:t>
+            </a:r>
+            <a:r>
+              <a:rPr lang="en-US" sz="1200" smtClean="0"/>
+              <a:t>two relations</a:t>
+            </a:r>
+            <a:endParaRPr lang="en-US" sz="1200" dirty="0"/>
+          </a:p>
+        </p:txBody>
+      </p:sp>
+    </p:spTree>
+    <p:extLst>
+      <p:ext uri="{BB962C8B-B14F-4D97-AF65-F5344CB8AC3E}">
+        <p14:creationId xmlns:p14="http://schemas.microsoft.com/office/powerpoint/2010/main" val="180275267"/>
+      </p:ext>
+    </p:extLst>
+  </p:cSld>
+  <p:clrMapOvr>
+    <a:masterClrMapping/>
+  </p:clrMapOvr>
+</p:sld>
+</file>
+
+<file path=ppt/slides/slide46.xml><?xml version="1.0" encoding="utf-8"?>
+<p:sld xmlns:a="http://schemas.openxmlformats.org/drawingml/2006/main" xmlns:r="http://schemas.openxmlformats.org/officeDocument/2006/relationships" xmlns:p="http://schemas.openxmlformats.org/presentationml/2006/main">
+  <p:cSld>
+    <p:spTree>
+      <p:nvGrpSpPr>
+        <p:cNvPr id="1" name=""/>
+        <p:cNvGrpSpPr/>
+        <p:nvPr/>
+      </p:nvGrpSpPr>
+      <p:grpSpPr>
+        <a:xfrm>
+          <a:off x="0" y="0"/>
+          <a:ext cx="0" cy="0"/>
+          <a:chOff x="0" y="0"/>
+          <a:chExt cx="0" cy="0"/>
+        </a:xfrm>
+      </p:grpSpPr>
+      <p:sp>
+        <p:nvSpPr>
+          <p:cNvPr id="2" name="Title 1"/>
+          <p:cNvSpPr>
+            <a:spLocks noGrp="1"/>
+          </p:cNvSpPr>
+          <p:nvPr>
+            <p:ph type="title"/>
+          </p:nvPr>
+        </p:nvSpPr>
+        <p:spPr/>
+        <p:txBody>
           <a:bodyPr>
             <a:normAutofit fontScale="90000"/>
           </a:bodyPr>
@@ -15346,148 +15538,6 @@
     <p:extLst>
       <p:ext uri="{BB962C8B-B14F-4D97-AF65-F5344CB8AC3E}">
         <p14:creationId xmlns:p14="http://schemas.microsoft.com/office/powerpoint/2010/main" val="3713118529"/>
-      </p:ext>
-    </p:extLst>
-  </p:cSld>
-  <p:clrMapOvr>
-    <a:masterClrMapping/>
-  </p:clrMapOvr>
-  <p:timing>
-    <p:tnLst>
-      <p:par>
-        <p:cTn id="1" dur="indefinite" restart="never" nodeType="tmRoot"/>
-      </p:par>
-    </p:tnLst>
-  </p:timing>
-</p:sld>
-</file>
-
-<file path=ppt/slides/slide46.xml><?xml version="1.0" encoding="utf-8"?>
-<p:sld xmlns:a="http://schemas.openxmlformats.org/drawingml/2006/main" xmlns:r="http://schemas.openxmlformats.org/officeDocument/2006/relationships" xmlns:p="http://schemas.openxmlformats.org/presentationml/2006/main">
-  <p:cSld>
-    <p:spTree>
-      <p:nvGrpSpPr>
-        <p:cNvPr id="1" name=""/>
-        <p:cNvGrpSpPr/>
-        <p:nvPr/>
-      </p:nvGrpSpPr>
-      <p:grpSpPr>
-        <a:xfrm>
-          <a:off x="0" y="0"/>
-          <a:ext cx="0" cy="0"/>
-          <a:chOff x="0" y="0"/>
-          <a:chExt cx="0" cy="0"/>
-        </a:xfrm>
-      </p:grpSpPr>
-      <p:sp>
-        <p:nvSpPr>
-          <p:cNvPr id="2" name="Title 1"/>
-          <p:cNvSpPr>
-            <a:spLocks noGrp="1"/>
-          </p:cNvSpPr>
-          <p:nvPr>
-            <p:ph type="title"/>
-          </p:nvPr>
-        </p:nvSpPr>
-        <p:spPr/>
-        <p:txBody>
-          <a:bodyPr/>
-          <a:lstStyle/>
-          <a:p>
-            <a:r>
-              <a:rPr lang="en-US" dirty="0"/>
-              <a:t>3.4.5 Where Clause Predicates</a:t>
-            </a:r>
-          </a:p>
-        </p:txBody>
-      </p:sp>
-      <p:sp>
-        <p:nvSpPr>
-          <p:cNvPr id="3" name="Content Placeholder 2"/>
-          <p:cNvSpPr>
-            <a:spLocks noGrp="1"/>
-          </p:cNvSpPr>
-          <p:nvPr>
-            <p:ph idx="1"/>
-          </p:nvPr>
-        </p:nvSpPr>
-        <p:spPr/>
-        <p:txBody>
-          <a:bodyPr/>
-          <a:lstStyle/>
-          <a:p>
-            <a:pPr algn="r" rtl="1"/>
-            <a:r>
-              <a:rPr lang="he-IL" sz="2400" dirty="0" smtClean="0"/>
-              <a:t>במקום להשתמש ב &gt; = &lt;  במשפט </a:t>
-            </a:r>
-            <a:r>
-              <a:rPr lang="en-US" sz="2400" dirty="0" smtClean="0"/>
-              <a:t>where</a:t>
-            </a:r>
-          </a:p>
-          <a:p>
-            <a:pPr algn="r" rtl="1"/>
-            <a:r>
-              <a:rPr lang="he-IL" sz="2400" dirty="0" smtClean="0"/>
-              <a:t>נוכל להתשמש ב </a:t>
-            </a:r>
-            <a:r>
-              <a:rPr lang="en-US" sz="2400" dirty="0" smtClean="0"/>
-              <a:t>between  and</a:t>
-            </a:r>
-          </a:p>
-          <a:p>
-            <a:pPr marL="0" indent="0" algn="l">
-              <a:buNone/>
-            </a:pPr>
-            <a:r>
-              <a:rPr lang="en-US" sz="1200" dirty="0"/>
-              <a:t>select name</a:t>
-            </a:r>
-          </a:p>
-          <a:p>
-            <a:pPr marL="0" indent="0" algn="l">
-              <a:buNone/>
-            </a:pPr>
-            <a:r>
-              <a:rPr lang="en-US" sz="1200" dirty="0" smtClean="0"/>
-              <a:t>from </a:t>
-            </a:r>
-            <a:r>
-              <a:rPr lang="en-US" sz="1200" dirty="0"/>
-              <a:t>instructor</a:t>
-            </a:r>
-          </a:p>
-          <a:p>
-            <a:pPr marL="0" indent="0" algn="l">
-              <a:buNone/>
-            </a:pPr>
-            <a:r>
-              <a:rPr lang="en-US" sz="1200" dirty="0" smtClean="0"/>
-              <a:t>where </a:t>
-            </a:r>
-            <a:r>
-              <a:rPr lang="en-US" sz="1200" dirty="0"/>
-              <a:t>salary between 90000 and </a:t>
-            </a:r>
-            <a:r>
-              <a:rPr lang="en-US" sz="1200" dirty="0" smtClean="0"/>
-              <a:t>100000</a:t>
-            </a:r>
-          </a:p>
-          <a:p>
-            <a:pPr marL="0" indent="0" algn="r" rtl="1">
-              <a:buNone/>
-            </a:pPr>
-            <a:endParaRPr lang="en-US" sz="1200" dirty="0"/>
-          </a:p>
-        </p:txBody>
-      </p:sp>
-    </p:spTree>
-    <p:extLst>
-      <p:ext uri="{BB962C8B-B14F-4D97-AF65-F5344CB8AC3E}">
-        <p14:creationId xmlns:p14="http://schemas.microsoft.com/office/powerpoint/2010/main" val="870400091"/>
       </p:ext>
     </p:extLst>
   </p:cSld>
@@ -15538,7 +15588,7 @@
           <a:p>
             <a:r>
               <a:rPr lang="en-US" dirty="0"/>
-              <a:t>3.5.1 The Union Operation</a:t>
+              <a:t>3.4.5 Where Clause Predicates</a:t>
             </a:r>
           </a:p>
         </p:txBody>
@@ -15555,194 +15605,81 @@
         </p:nvSpPr>
         <p:spPr/>
         <p:txBody>
-          <a:bodyPr>
-            <a:normAutofit/>
-          </a:bodyPr>
+          <a:bodyPr/>
           <a:lstStyle/>
           <a:p>
-            <a:pPr marL="0" indent="0">
-              <a:buNone/>
-            </a:pPr>
-            <a:r>
-              <a:rPr lang="en-US" sz="1400" dirty="0"/>
-              <a:t>(select </a:t>
-            </a:r>
-            <a:r>
-              <a:rPr lang="en-US" sz="1400" dirty="0" err="1"/>
-              <a:t>course_id</a:t>
-            </a:r>
-            <a:endParaRPr lang="en-US" sz="1400" dirty="0"/>
-          </a:p>
-          <a:p>
-            <a:pPr marL="0" indent="0">
-              <a:buNone/>
-            </a:pPr>
-            <a:r>
-              <a:rPr lang="en-US" sz="1400" dirty="0"/>
-              <a:t>from section</a:t>
-            </a:r>
-          </a:p>
-          <a:p>
-            <a:pPr marL="0" indent="0">
-              <a:buNone/>
-            </a:pPr>
-            <a:r>
-              <a:rPr lang="en-US" sz="1400" dirty="0"/>
-              <a:t>where semester = 'Fall' and year= 2009)</a:t>
-            </a:r>
-          </a:p>
-          <a:p>
-            <a:pPr marL="0" indent="0">
-              <a:buNone/>
-            </a:pPr>
-            <a:r>
-              <a:rPr lang="en-US" sz="1400" dirty="0"/>
-              <a:t>union</a:t>
-            </a:r>
-          </a:p>
-          <a:p>
-            <a:pPr marL="0" indent="0">
-              <a:buNone/>
-            </a:pPr>
-            <a:r>
-              <a:rPr lang="en-US" sz="1400" dirty="0"/>
-              <a:t>(select </a:t>
-            </a:r>
-            <a:r>
-              <a:rPr lang="en-US" sz="1400" dirty="0" err="1"/>
-              <a:t>course_id</a:t>
-            </a:r>
-            <a:endParaRPr lang="en-US" sz="1400" dirty="0"/>
-          </a:p>
-          <a:p>
-            <a:pPr marL="0" indent="0">
-              <a:buNone/>
-            </a:pPr>
-            <a:r>
-              <a:rPr lang="en-US" sz="1400" dirty="0"/>
-              <a:t>from section</a:t>
-            </a:r>
-          </a:p>
-          <a:p>
-            <a:pPr marL="0" indent="0">
-              <a:buNone/>
-            </a:pPr>
-            <a:r>
-              <a:rPr lang="en-US" sz="1400" dirty="0"/>
+            <a:pPr algn="r" rtl="1"/>
+            <a:r>
+              <a:rPr lang="he-IL" sz="2400" dirty="0" smtClean="0"/>
+              <a:t>במקום להשתמש ב &gt; = &lt;  במשפט </a:t>
+            </a:r>
+            <a:r>
+              <a:rPr lang="en-US" sz="2400" dirty="0" smtClean="0"/>
+              <a:t>where</a:t>
+            </a:r>
+          </a:p>
+          <a:p>
+            <a:pPr algn="r" rtl="1"/>
+            <a:r>
+              <a:rPr lang="he-IL" sz="2400" dirty="0" smtClean="0"/>
+              <a:t>נוכל להתשמש ב </a:t>
+            </a:r>
+            <a:r>
+              <a:rPr lang="en-US" sz="2400" dirty="0" smtClean="0"/>
+              <a:t>between  and</a:t>
+            </a:r>
+          </a:p>
+          <a:p>
+            <a:pPr marL="0" indent="0" algn="l">
+              <a:buNone/>
+            </a:pPr>
+            <a:r>
+              <a:rPr lang="en-US" sz="1200" dirty="0"/>
+              <a:t>select name</a:t>
+            </a:r>
+          </a:p>
+          <a:p>
+            <a:pPr marL="0" indent="0" algn="l">
+              <a:buNone/>
+            </a:pPr>
+            <a:r>
+              <a:rPr lang="en-US" sz="1200" dirty="0" smtClean="0"/>
+              <a:t>from </a:t>
+            </a:r>
+            <a:r>
+              <a:rPr lang="en-US" sz="1200" dirty="0"/>
+              <a:t>instructor</a:t>
+            </a:r>
+          </a:p>
+          <a:p>
+            <a:pPr marL="0" indent="0" algn="l">
+              <a:buNone/>
+            </a:pPr>
+            <a:r>
+              <a:rPr lang="en-US" sz="1200" dirty="0" smtClean="0"/>
               <a:t>where </a:t>
             </a:r>
             <a:r>
-              <a:rPr lang="en-US" sz="1400" dirty="0" smtClean="0"/>
-              <a:t>semester </a:t>
-            </a:r>
-            <a:r>
-              <a:rPr lang="en-US" sz="1400" dirty="0"/>
-              <a:t>= 'Spring' and year= 2010</a:t>
-            </a:r>
-            <a:r>
-              <a:rPr lang="en-US" sz="1400" dirty="0" smtClean="0"/>
-              <a:t>)</a:t>
-            </a:r>
-          </a:p>
-          <a:p>
-            <a:pPr marL="0" indent="0">
-              <a:buNone/>
-            </a:pPr>
-            <a:endParaRPr lang="en-US" sz="1400" dirty="0"/>
-          </a:p>
-          <a:p>
-            <a:pPr marL="0" indent="0">
-              <a:buNone/>
-            </a:pPr>
-            <a:r>
-              <a:rPr lang="en-US" sz="1400" dirty="0"/>
-              <a:t>The union operation automatically </a:t>
-            </a:r>
-            <a:r>
-              <a:rPr lang="en-US" sz="1400" u="sng" dirty="0"/>
-              <a:t>eliminates </a:t>
-            </a:r>
-            <a:r>
-              <a:rPr lang="en-US" sz="1400" u="sng" dirty="0" smtClean="0"/>
-              <a:t>duplicates</a:t>
-            </a:r>
-          </a:p>
-          <a:p>
-            <a:pPr marL="0" indent="0">
-              <a:buNone/>
-            </a:pPr>
-            <a:endParaRPr lang="en-US" sz="1400" dirty="0"/>
+              <a:rPr lang="en-US" sz="1200" dirty="0"/>
+              <a:t>salary between 90000 and </a:t>
+            </a:r>
+            <a:r>
+              <a:rPr lang="en-US" sz="1200" dirty="0" smtClean="0"/>
+              <a:t>100000</a:t>
+            </a:r>
+          </a:p>
+          <a:p>
+            <a:pPr marL="0" indent="0" algn="r" rtl="1">
+              <a:buNone/>
+            </a:pPr>
+            <a:endParaRPr lang="en-US" sz="1200" dirty="0"/>
           </a:p>
         </p:txBody>
       </p:sp>
-      <p:pic>
-        <p:nvPicPr>
-          <p:cNvPr id="17410" name="Picture 2"/>
-          <p:cNvPicPr>
-            <a:picLocks noChangeAspect="1" noChangeArrowheads="1"/>
-          </p:cNvPicPr>
-          <p:nvPr/>
-        </p:nvPicPr>
-        <p:blipFill>
-          <a:blip r:embed="rId2">
-            <a:extLst>
-              <a:ext uri="{28A0092B-C50C-407E-A947-70E740481C1C}">
-                <a14:useLocalDpi xmlns:a14="http://schemas.microsoft.com/office/drawing/2010/main" val="0"/>
-              </a:ext>
-            </a:extLst>
-          </a:blip>
-          <a:srcRect/>
-          <a:stretch>
-            <a:fillRect/>
-          </a:stretch>
-        </p:blipFill>
-        <p:spPr bwMode="auto">
-          <a:xfrm>
-            <a:off x="304800" y="3962400"/>
-            <a:ext cx="5886450" cy="1847850"/>
-          </a:xfrm>
-          <a:prstGeom prst="rect">
-            <a:avLst/>
-          </a:prstGeom>
-          <a:noFill/>
-          <a:ln>
-            <a:noFill/>
-          </a:ln>
-          <a:effectLst/>
-          <a:extLst>
-            <a:ext uri="{909E8E84-426E-40DD-AFC4-6F175D3DCCD1}">
-              <a14:hiddenFill xmlns:a14="http://schemas.microsoft.com/office/drawing/2010/main">
-                <a:solidFill>
-                  <a:schemeClr val="accent1"/>
-                </a:solidFill>
-              </a14:hiddenFill>
-            </a:ext>
-            <a:ext uri="{91240B29-F687-4F45-9708-019B960494DF}">
-              <a14:hiddenLine xmlns:a14="http://schemas.microsoft.com/office/drawing/2010/main" w="9525">
-                <a:solidFill>
-                  <a:schemeClr val="tx1"/>
-                </a:solidFill>
-                <a:miter lim="800000"/>
-                <a:headEnd/>
-                <a:tailEnd/>
-              </a14:hiddenLine>
-            </a:ext>
-            <a:ext uri="{AF507438-7753-43E0-B8FC-AC1667EBCBE1}">
-              <a14:hiddenEffects xmlns:a14="http://schemas.microsoft.com/office/drawing/2010/main">
-                <a:effectLst>
-                  <a:outerShdw dist="35921" dir="2700000" algn="ctr" rotWithShape="0">
-                    <a:schemeClr val="bg2"/>
-                  </a:outerShdw>
-                </a:effectLst>
-              </a14:hiddenEffects>
-            </a:ext>
-          </a:extLst>
-        </p:spPr>
-      </p:pic>
     </p:spTree>
     <p:extLst>
       <p:ext uri="{BB962C8B-B14F-4D97-AF65-F5344CB8AC3E}">
-        <p14:creationId xmlns:p14="http://schemas.microsoft.com/office/powerpoint/2010/main" val="779816245"/>
+        <p14:creationId xmlns:p14="http://schemas.microsoft.com/office/powerpoint/2010/main" val="870400091"/>
       </p:ext>
     </p:extLst>
   </p:cSld>
@@ -15788,21 +15725,12 @@
         </p:nvSpPr>
         <p:spPr/>
         <p:txBody>
-          <a:bodyPr>
-            <a:normAutofit/>
-          </a:bodyPr>
+          <a:bodyPr/>
           <a:lstStyle/>
           <a:p>
             <a:r>
               <a:rPr lang="en-US" dirty="0"/>
-              <a:t>Aggregate functions</a:t>
-            </a:r>
-            <a:br>
-              <a:rPr lang="en-US" dirty="0"/>
-            </a:br>
-            <a:r>
-              <a:rPr lang="en-US" sz="1600" dirty="0"/>
-              <a:t>3.7.1 Basic Aggregation</a:t>
+              <a:t>3.5.1 The Union Operation</a:t>
             </a:r>
           </a:p>
         </p:txBody>
@@ -15817,274 +15745,196 @@
             <p:ph idx="1"/>
           </p:nvPr>
         </p:nvSpPr>
-        <p:spPr>
-          <a:xfrm>
-            <a:off x="457200" y="1371600"/>
-            <a:ext cx="8229600" cy="4906963"/>
-          </a:xfrm>
-        </p:spPr>
+        <p:spPr/>
         <p:txBody>
-          <a:bodyPr/>
+          <a:bodyPr>
+            <a:normAutofit/>
+          </a:bodyPr>
           <a:lstStyle/>
           <a:p>
-            <a:r>
-              <a:rPr lang="en-US" dirty="0" smtClean="0"/>
-              <a:t>Count, min, max , </a:t>
-            </a:r>
-            <a:r>
-              <a:rPr lang="en-US" dirty="0" err="1" smtClean="0"/>
-              <a:t>avg</a:t>
-            </a:r>
-            <a:r>
-              <a:rPr lang="en-US" dirty="0" smtClean="0"/>
-              <a:t>, sum</a:t>
-            </a:r>
-          </a:p>
-          <a:p>
-            <a:pPr algn="r" rtl="1"/>
-            <a:r>
-              <a:rPr lang="he-IL" sz="2000" dirty="0" smtClean="0"/>
-              <a:t>פעולות אלו יכולות להתבצע ברמת הטבלה , ברמת </a:t>
-            </a:r>
-            <a:r>
-              <a:rPr lang="en-US" sz="2000" dirty="0" smtClean="0"/>
-              <a:t>grouping </a:t>
-            </a:r>
-            <a:r>
-              <a:rPr lang="he-IL" sz="2000" dirty="0" smtClean="0"/>
-              <a:t> ו משפט ש </a:t>
-            </a:r>
-            <a:r>
-              <a:rPr lang="en-US" sz="2000" dirty="0" smtClean="0"/>
-              <a:t>having </a:t>
-            </a:r>
-            <a:r>
-              <a:rPr lang="he-IL" sz="2000" dirty="0" smtClean="0"/>
-              <a:t>יכול להכיל גם אותם להבדיל ממשפט ה </a:t>
-            </a:r>
-            <a:r>
-              <a:rPr lang="en-US" sz="2000" dirty="0" smtClean="0"/>
-              <a:t>where</a:t>
-            </a:r>
-            <a:endParaRPr lang="he-IL" sz="2000" dirty="0" smtClean="0"/>
-          </a:p>
-          <a:p>
-            <a:r>
-              <a:rPr lang="en-US" sz="1600" dirty="0" smtClean="0">
-                <a:solidFill>
-                  <a:schemeClr val="accent6">
-                    <a:lumMod val="75000"/>
-                  </a:schemeClr>
-                </a:solidFill>
-              </a:rPr>
-              <a:t>select </a:t>
-            </a:r>
-            <a:r>
-              <a:rPr lang="en-US" sz="1600" dirty="0">
-                <a:solidFill>
-                  <a:schemeClr val="accent6">
-                    <a:lumMod val="75000"/>
-                  </a:schemeClr>
-                </a:solidFill>
-              </a:rPr>
-              <a:t>min(salary) from </a:t>
-            </a:r>
-            <a:r>
-              <a:rPr lang="en-US" sz="1600" dirty="0" smtClean="0">
-                <a:solidFill>
-                  <a:schemeClr val="accent6">
-                    <a:lumMod val="75000"/>
-                  </a:schemeClr>
-                </a:solidFill>
-              </a:rPr>
-              <a:t>instructor      // will return 40000 </a:t>
-            </a:r>
-          </a:p>
-          <a:p>
-            <a:r>
-              <a:rPr lang="en-US" sz="1600" dirty="0">
-                <a:solidFill>
-                  <a:schemeClr val="accent6">
-                    <a:lumMod val="75000"/>
-                  </a:schemeClr>
-                </a:solidFill>
-              </a:rPr>
-              <a:t>select </a:t>
-            </a:r>
-            <a:r>
-              <a:rPr lang="en-US" sz="1600" dirty="0" smtClean="0">
-                <a:solidFill>
-                  <a:schemeClr val="accent6">
-                    <a:lumMod val="75000"/>
-                  </a:schemeClr>
-                </a:solidFill>
-              </a:rPr>
-              <a:t>count(name) </a:t>
-            </a:r>
-            <a:r>
-              <a:rPr lang="en-US" sz="1600" dirty="0">
-                <a:solidFill>
-                  <a:schemeClr val="accent6">
-                    <a:lumMod val="75000"/>
-                  </a:schemeClr>
-                </a:solidFill>
-              </a:rPr>
-              <a:t>from </a:t>
-            </a:r>
-            <a:r>
-              <a:rPr lang="en-US" sz="1600" dirty="0" smtClean="0">
-                <a:solidFill>
-                  <a:schemeClr val="accent6">
-                    <a:lumMod val="75000"/>
-                  </a:schemeClr>
-                </a:solidFill>
-              </a:rPr>
-              <a:t>instructor   // will return 12 in our case</a:t>
-            </a:r>
-          </a:p>
-          <a:p>
-            <a:r>
-              <a:rPr lang="en-US" sz="1600" dirty="0">
-                <a:solidFill>
-                  <a:schemeClr val="accent6">
-                    <a:lumMod val="75000"/>
-                  </a:schemeClr>
-                </a:solidFill>
-              </a:rPr>
-              <a:t>select max(salary) from </a:t>
-            </a:r>
-            <a:r>
-              <a:rPr lang="en-US" sz="1600" dirty="0" smtClean="0">
-                <a:solidFill>
-                  <a:schemeClr val="accent6">
-                    <a:lumMod val="75000"/>
-                  </a:schemeClr>
-                </a:solidFill>
-              </a:rPr>
-              <a:t>instructor  // will return 95000</a:t>
-            </a:r>
-          </a:p>
-          <a:p>
-            <a:r>
-              <a:rPr lang="en-US" sz="1600" dirty="0">
-                <a:solidFill>
-                  <a:schemeClr val="accent6">
-                    <a:lumMod val="75000"/>
-                  </a:schemeClr>
-                </a:solidFill>
-              </a:rPr>
-              <a:t>select sum(salary) from </a:t>
-            </a:r>
-            <a:r>
-              <a:rPr lang="en-US" sz="1600" dirty="0" smtClean="0">
-                <a:solidFill>
-                  <a:schemeClr val="accent6">
-                    <a:lumMod val="75000"/>
-                  </a:schemeClr>
-                </a:solidFill>
-              </a:rPr>
-              <a:t>instructor  // will return the total payroll of </a:t>
-            </a:r>
-            <a:r>
-              <a:rPr lang="en-US" sz="1600" dirty="0">
-                <a:solidFill>
-                  <a:schemeClr val="accent6">
-                    <a:lumMod val="75000"/>
-                  </a:schemeClr>
-                </a:solidFill>
-              </a:rPr>
-              <a:t>all instructors 898000.00</a:t>
-            </a:r>
-          </a:p>
-          <a:p>
-            <a:r>
-              <a:rPr lang="en-US" sz="1600" dirty="0">
-                <a:solidFill>
-                  <a:schemeClr val="accent6">
-                    <a:lumMod val="75000"/>
-                  </a:schemeClr>
-                </a:solidFill>
-              </a:rPr>
-              <a:t>select </a:t>
-            </a:r>
-            <a:r>
-              <a:rPr lang="en-US" sz="1600" dirty="0" err="1" smtClean="0">
-                <a:solidFill>
-                  <a:schemeClr val="accent6">
-                    <a:lumMod val="75000"/>
-                  </a:schemeClr>
-                </a:solidFill>
-              </a:rPr>
-              <a:t>avg</a:t>
-            </a:r>
-            <a:r>
-              <a:rPr lang="en-US" sz="1600" dirty="0" smtClean="0">
-                <a:solidFill>
-                  <a:schemeClr val="accent6">
-                    <a:lumMod val="75000"/>
-                  </a:schemeClr>
-                </a:solidFill>
-              </a:rPr>
-              <a:t>(salary</a:t>
-            </a:r>
-            <a:r>
-              <a:rPr lang="en-US" sz="1600" dirty="0">
-                <a:solidFill>
-                  <a:schemeClr val="accent6">
-                    <a:lumMod val="75000"/>
-                  </a:schemeClr>
-                </a:solidFill>
-              </a:rPr>
-              <a:t>) from </a:t>
-            </a:r>
-            <a:r>
-              <a:rPr lang="en-US" sz="1600" dirty="0" smtClean="0">
-                <a:solidFill>
-                  <a:schemeClr val="accent6">
-                    <a:lumMod val="75000"/>
-                  </a:schemeClr>
-                </a:solidFill>
-              </a:rPr>
-              <a:t>instructor  // </a:t>
-            </a:r>
-            <a:r>
-              <a:rPr lang="en-US" sz="1600" dirty="0">
-                <a:solidFill>
-                  <a:schemeClr val="accent6">
-                    <a:lumMod val="75000"/>
-                  </a:schemeClr>
-                </a:solidFill>
-              </a:rPr>
-              <a:t>will return </a:t>
-            </a:r>
-            <a:r>
-              <a:rPr lang="en-US" sz="1600" dirty="0" smtClean="0">
-                <a:solidFill>
-                  <a:schemeClr val="accent6">
-                    <a:lumMod val="75000"/>
-                  </a:schemeClr>
-                </a:solidFill>
-              </a:rPr>
-              <a:t>74833.333333333333</a:t>
-            </a:r>
-          </a:p>
-          <a:p>
-            <a:endParaRPr lang="he-IL" sz="1600" dirty="0" smtClean="0"/>
-          </a:p>
-          <a:p>
-            <a:pPr algn="r" rtl="1"/>
-            <a:r>
-              <a:rPr lang="he-IL" sz="1600" dirty="0" smtClean="0"/>
-              <a:t>בהמשך נראה דוגמאות מורכבות</a:t>
-            </a:r>
-            <a:endParaRPr lang="en-US" sz="1600" dirty="0"/>
+            <a:pPr marL="0" indent="0">
+              <a:buNone/>
+            </a:pPr>
+            <a:r>
+              <a:rPr lang="en-US" sz="1400" dirty="0"/>
+              <a:t>(select </a:t>
+            </a:r>
+            <a:r>
+              <a:rPr lang="en-US" sz="1400" dirty="0" err="1"/>
+              <a:t>course_id</a:t>
+            </a:r>
+            <a:endParaRPr lang="en-US" sz="1400" dirty="0"/>
+          </a:p>
+          <a:p>
+            <a:pPr marL="0" indent="0">
+              <a:buNone/>
+            </a:pPr>
+            <a:r>
+              <a:rPr lang="en-US" sz="1400" dirty="0"/>
+              <a:t>from section</a:t>
+            </a:r>
+          </a:p>
+          <a:p>
+            <a:pPr marL="0" indent="0">
+              <a:buNone/>
+            </a:pPr>
+            <a:r>
+              <a:rPr lang="en-US" sz="1400" dirty="0"/>
+              <a:t>where semester = 'Fall' and year= 2009)</a:t>
+            </a:r>
+          </a:p>
+          <a:p>
+            <a:pPr marL="0" indent="0">
+              <a:buNone/>
+            </a:pPr>
+            <a:r>
+              <a:rPr lang="en-US" sz="1400" dirty="0"/>
+              <a:t>union</a:t>
+            </a:r>
+          </a:p>
+          <a:p>
+            <a:pPr marL="0" indent="0">
+              <a:buNone/>
+            </a:pPr>
+            <a:r>
+              <a:rPr lang="en-US" sz="1400" dirty="0"/>
+              <a:t>(select </a:t>
+            </a:r>
+            <a:r>
+              <a:rPr lang="en-US" sz="1400" dirty="0" err="1"/>
+              <a:t>course_id</a:t>
+            </a:r>
+            <a:endParaRPr lang="en-US" sz="1400" dirty="0"/>
+          </a:p>
+          <a:p>
+            <a:pPr marL="0" indent="0">
+              <a:buNone/>
+            </a:pPr>
+            <a:r>
+              <a:rPr lang="en-US" sz="1400" dirty="0"/>
+              <a:t>from section</a:t>
+            </a:r>
+          </a:p>
+          <a:p>
+            <a:pPr marL="0" indent="0">
+              <a:buNone/>
+            </a:pPr>
+            <a:r>
+              <a:rPr lang="en-US" sz="1400" dirty="0"/>
+              <a:t>where </a:t>
+            </a:r>
+            <a:r>
+              <a:rPr lang="en-US" sz="1400" dirty="0" smtClean="0"/>
+              <a:t>semester </a:t>
+            </a:r>
+            <a:r>
+              <a:rPr lang="en-US" sz="1400" dirty="0"/>
+              <a:t>= 'Spring' and year= 2010</a:t>
+            </a:r>
+            <a:r>
+              <a:rPr lang="en-US" sz="1400" dirty="0" smtClean="0"/>
+              <a:t>)</a:t>
+            </a:r>
+          </a:p>
+          <a:p>
+            <a:pPr marL="0" indent="0">
+              <a:buNone/>
+            </a:pPr>
+            <a:endParaRPr lang="en-US" sz="1400" dirty="0"/>
+          </a:p>
+          <a:p>
+            <a:pPr marL="0" indent="0">
+              <a:buNone/>
+            </a:pPr>
+            <a:r>
+              <a:rPr lang="en-US" sz="1400" dirty="0"/>
+              <a:t>The union operation automatically </a:t>
+            </a:r>
+            <a:r>
+              <a:rPr lang="en-US" sz="1400" u="sng" dirty="0"/>
+              <a:t>eliminates </a:t>
+            </a:r>
+            <a:r>
+              <a:rPr lang="en-US" sz="1400" u="sng" dirty="0" smtClean="0"/>
+              <a:t>duplicates</a:t>
+            </a:r>
+          </a:p>
+          <a:p>
+            <a:pPr marL="0" indent="0">
+              <a:buNone/>
+            </a:pPr>
+            <a:endParaRPr lang="en-US" sz="1400" dirty="0"/>
           </a:p>
         </p:txBody>
       </p:sp>
+      <p:pic>
+        <p:nvPicPr>
+          <p:cNvPr id="17410" name="Picture 2"/>
+          <p:cNvPicPr>
+            <a:picLocks noChangeAspect="1" noChangeArrowheads="1"/>
+          </p:cNvPicPr>
+          <p:nvPr/>
+        </p:nvPicPr>
+        <p:blipFill>
+          <a:blip r:embed="rId2">
+            <a:extLst>
+              <a:ext uri="{28A0092B-C50C-407E-A947-70E740481C1C}">
+                <a14:useLocalDpi xmlns:a14="http://schemas.microsoft.com/office/drawing/2010/main" val="0"/>
+              </a:ext>
+            </a:extLst>
+          </a:blip>
+          <a:srcRect/>
+          <a:stretch>
+            <a:fillRect/>
+          </a:stretch>
+        </p:blipFill>
+        <p:spPr bwMode="auto">
+          <a:xfrm>
+            <a:off x="304800" y="3962400"/>
+            <a:ext cx="5886450" cy="1847850"/>
+          </a:xfrm>
+          <a:prstGeom prst="rect">
+            <a:avLst/>
+          </a:prstGeom>
+          <a:noFill/>
+          <a:ln>
+            <a:noFill/>
+          </a:ln>
+          <a:effectLst/>
+          <a:extLst>
+            <a:ext uri="{909E8E84-426E-40DD-AFC4-6F175D3DCCD1}">
+              <a14:hiddenFill xmlns:a14="http://schemas.microsoft.com/office/drawing/2010/main">
+                <a:solidFill>
+                  <a:schemeClr val="accent1"/>
+                </a:solidFill>
+              </a14:hiddenFill>
+            </a:ext>
+            <a:ext uri="{91240B29-F687-4F45-9708-019B960494DF}">
+              <a14:hiddenLine xmlns:a14="http://schemas.microsoft.com/office/drawing/2010/main" w="9525">
+                <a:solidFill>
+                  <a:schemeClr val="tx1"/>
+                </a:solidFill>
+                <a:miter lim="800000"/>
+                <a:headEnd/>
+                <a:tailEnd/>
+              </a14:hiddenLine>
+            </a:ext>
+            <a:ext uri="{AF507438-7753-43E0-B8FC-AC1667EBCBE1}">
+              <a14:hiddenEffects xmlns:a14="http://schemas.microsoft.com/office/drawing/2010/main">
+                <a:effectLst>
+                  <a:outerShdw dist="35921" dir="2700000" algn="ctr" rotWithShape="0">
+                    <a:schemeClr val="bg2"/>
+                  </a:outerShdw>
+                </a:effectLst>
+              </a14:hiddenEffects>
+            </a:ext>
+          </a:extLst>
+        </p:spPr>
+      </p:pic>
     </p:spTree>
     <p:extLst>
       <p:ext uri="{BB962C8B-B14F-4D97-AF65-F5344CB8AC3E}">
-        <p14:creationId xmlns:p14="http://schemas.microsoft.com/office/powerpoint/2010/main" val="4142405798"/>
+        <p14:creationId xmlns:p14="http://schemas.microsoft.com/office/powerpoint/2010/main" val="779816245"/>
       </p:ext>
     </p:extLst>
   </p:cSld>
@@ -16131,40 +15981,21 @@
         <p:spPr/>
         <p:txBody>
           <a:bodyPr>
-            <a:normAutofit fontScale="90000"/>
+            <a:normAutofit/>
           </a:bodyPr>
           <a:lstStyle/>
           <a:p>
             <a:r>
-              <a:rPr lang="en-US" dirty="0" smtClean="0"/>
-              <a:t>Aggregate function</a:t>
-            </a:r>
-            <a:r>
-              <a:rPr lang="he-IL" dirty="0" smtClean="0"/>
-              <a:t> </a:t>
+              <a:rPr lang="en-US" dirty="0"/>
+              <a:t>Aggregate functions</a:t>
             </a:r>
             <a:br>
-              <a:rPr lang="he-IL" dirty="0" smtClean="0"/>
+              <a:rPr lang="en-US" dirty="0"/>
             </a:br>
             <a:r>
-              <a:rPr lang="en-US" dirty="0" smtClean="0"/>
-              <a:t>using </a:t>
-            </a:r>
-            <a:r>
-              <a:rPr lang="en-US" dirty="0" smtClean="0">
-                <a:solidFill>
-                  <a:schemeClr val="accent6">
-                    <a:lumMod val="75000"/>
-                  </a:schemeClr>
-                </a:solidFill>
-              </a:rPr>
-              <a:t>distinct</a:t>
-            </a:r>
-            <a:r>
-              <a:rPr lang="en-US" dirty="0" smtClean="0"/>
-              <a:t> to eliminate duplication</a:t>
-            </a:r>
-            <a:endParaRPr lang="en-US" dirty="0"/>
+              <a:rPr lang="en-US" sz="1600" dirty="0"/>
+              <a:t>3.7.1 Basic Aggregation</a:t>
+            </a:r>
           </a:p>
         </p:txBody>
       </p:sp>
@@ -16178,147 +16009,274 @@
             <p:ph idx="1"/>
           </p:nvPr>
         </p:nvSpPr>
-        <p:spPr/>
+        <p:spPr>
+          <a:xfrm>
+            <a:off x="457200" y="1371600"/>
+            <a:ext cx="8229600" cy="4906963"/>
+          </a:xfrm>
+        </p:spPr>
         <p:txBody>
-          <a:bodyPr>
-            <a:normAutofit/>
-          </a:bodyPr>
+          <a:bodyPr/>
           <a:lstStyle/>
           <a:p>
+            <a:r>
+              <a:rPr lang="en-US" dirty="0" smtClean="0"/>
+              <a:t>Count, min, max , </a:t>
+            </a:r>
+            <a:r>
+              <a:rPr lang="en-US" dirty="0" err="1" smtClean="0"/>
+              <a:t>avg</a:t>
+            </a:r>
+            <a:r>
+              <a:rPr lang="en-US" dirty="0" smtClean="0"/>
+              <a:t>, sum</a:t>
+            </a:r>
+          </a:p>
+          <a:p>
             <a:pPr algn="r" rtl="1"/>
             <a:r>
+              <a:rPr lang="he-IL" sz="2000" dirty="0" smtClean="0"/>
+              <a:t>פעולות אלו יכולות להתבצע ברמת הטבלה , ברמת </a:t>
+            </a:r>
+            <a:r>
+              <a:rPr lang="en-US" sz="2000" dirty="0" smtClean="0"/>
+              <a:t>grouping </a:t>
+            </a:r>
+            <a:r>
+              <a:rPr lang="he-IL" sz="2000" dirty="0" smtClean="0"/>
+              <a:t> ו משפט ש </a:t>
+            </a:r>
+            <a:r>
+              <a:rPr lang="en-US" sz="2000" dirty="0" smtClean="0"/>
+              <a:t>having </a:t>
+            </a:r>
+            <a:r>
+              <a:rPr lang="he-IL" sz="2000" dirty="0" smtClean="0"/>
+              <a:t>יכול להכיל גם אותם להבדיל ממשפט ה </a:t>
+            </a:r>
+            <a:r>
+              <a:rPr lang="en-US" sz="2000" dirty="0" smtClean="0"/>
+              <a:t>where</a:t>
+            </a:r>
+            <a:endParaRPr lang="he-IL" sz="2000" dirty="0" smtClean="0"/>
+          </a:p>
+          <a:p>
+            <a:r>
+              <a:rPr lang="en-US" sz="1600" dirty="0" smtClean="0">
+                <a:solidFill>
+                  <a:schemeClr val="accent6">
+                    <a:lumMod val="75000"/>
+                  </a:schemeClr>
+                </a:solidFill>
+              </a:rPr>
+              <a:t>select </a:t>
+            </a:r>
+            <a:r>
+              <a:rPr lang="en-US" sz="1600" dirty="0">
+                <a:solidFill>
+                  <a:schemeClr val="accent6">
+                    <a:lumMod val="75000"/>
+                  </a:schemeClr>
+                </a:solidFill>
+              </a:rPr>
+              <a:t>min(salary) from </a:t>
+            </a:r>
+            <a:r>
+              <a:rPr lang="en-US" sz="1600" dirty="0" smtClean="0">
+                <a:solidFill>
+                  <a:schemeClr val="accent6">
+                    <a:lumMod val="75000"/>
+                  </a:schemeClr>
+                </a:solidFill>
+              </a:rPr>
+              <a:t>instructor      // will return 40000 </a:t>
+            </a:r>
+          </a:p>
+          <a:p>
+            <a:r>
+              <a:rPr lang="en-US" sz="1600" dirty="0">
+                <a:solidFill>
+                  <a:schemeClr val="accent6">
+                    <a:lumMod val="75000"/>
+                  </a:schemeClr>
+                </a:solidFill>
+              </a:rPr>
+              <a:t>select </a:t>
+            </a:r>
+            <a:r>
+              <a:rPr lang="en-US" sz="1600" dirty="0" smtClean="0">
+                <a:solidFill>
+                  <a:schemeClr val="accent6">
+                    <a:lumMod val="75000"/>
+                  </a:schemeClr>
+                </a:solidFill>
+              </a:rPr>
+              <a:t>count(name) </a:t>
+            </a:r>
+            <a:r>
+              <a:rPr lang="en-US" sz="1600" dirty="0">
+                <a:solidFill>
+                  <a:schemeClr val="accent6">
+                    <a:lumMod val="75000"/>
+                  </a:schemeClr>
+                </a:solidFill>
+              </a:rPr>
+              <a:t>from </a:t>
+            </a:r>
+            <a:r>
+              <a:rPr lang="en-US" sz="1600" dirty="0" smtClean="0">
+                <a:solidFill>
+                  <a:schemeClr val="accent6">
+                    <a:lumMod val="75000"/>
+                  </a:schemeClr>
+                </a:solidFill>
+              </a:rPr>
+              <a:t>instructor   // will return 12 in our case</a:t>
+            </a:r>
+          </a:p>
+          <a:p>
+            <a:r>
+              <a:rPr lang="en-US" sz="1600" dirty="0">
+                <a:solidFill>
+                  <a:schemeClr val="accent6">
+                    <a:lumMod val="75000"/>
+                  </a:schemeClr>
+                </a:solidFill>
+              </a:rPr>
+              <a:t>select max(salary) from </a:t>
+            </a:r>
+            <a:r>
+              <a:rPr lang="en-US" sz="1600" dirty="0" smtClean="0">
+                <a:solidFill>
+                  <a:schemeClr val="accent6">
+                    <a:lumMod val="75000"/>
+                  </a:schemeClr>
+                </a:solidFill>
+              </a:rPr>
+              <a:t>instructor  // will return 95000</a:t>
+            </a:r>
+          </a:p>
+          <a:p>
+            <a:r>
+              <a:rPr lang="en-US" sz="1600" dirty="0">
+                <a:solidFill>
+                  <a:schemeClr val="accent6">
+                    <a:lumMod val="75000"/>
+                  </a:schemeClr>
+                </a:solidFill>
+              </a:rPr>
+              <a:t>select sum(salary) from </a:t>
+            </a:r>
+            <a:r>
+              <a:rPr lang="en-US" sz="1600" dirty="0" smtClean="0">
+                <a:solidFill>
+                  <a:schemeClr val="accent6">
+                    <a:lumMod val="75000"/>
+                  </a:schemeClr>
+                </a:solidFill>
+              </a:rPr>
+              <a:t>instructor  // will return the total payroll of </a:t>
+            </a:r>
+            <a:r>
+              <a:rPr lang="en-US" sz="1600" dirty="0">
+                <a:solidFill>
+                  <a:schemeClr val="accent6">
+                    <a:lumMod val="75000"/>
+                  </a:schemeClr>
+                </a:solidFill>
+              </a:rPr>
+              <a:t>all instructors 898000.00</a:t>
+            </a:r>
+          </a:p>
+          <a:p>
+            <a:r>
+              <a:rPr lang="en-US" sz="1600" dirty="0">
+                <a:solidFill>
+                  <a:schemeClr val="accent6">
+                    <a:lumMod val="75000"/>
+                  </a:schemeClr>
+                </a:solidFill>
+              </a:rPr>
+              <a:t>select </a:t>
+            </a:r>
+            <a:r>
+              <a:rPr lang="en-US" sz="1600" dirty="0" err="1" smtClean="0">
+                <a:solidFill>
+                  <a:schemeClr val="accent6">
+                    <a:lumMod val="75000"/>
+                  </a:schemeClr>
+                </a:solidFill>
+              </a:rPr>
+              <a:t>avg</a:t>
+            </a:r>
+            <a:r>
+              <a:rPr lang="en-US" sz="1600" dirty="0" smtClean="0">
+                <a:solidFill>
+                  <a:schemeClr val="accent6">
+                    <a:lumMod val="75000"/>
+                  </a:schemeClr>
+                </a:solidFill>
+              </a:rPr>
+              <a:t>(salary</a:t>
+            </a:r>
+            <a:r>
+              <a:rPr lang="en-US" sz="1600" dirty="0">
+                <a:solidFill>
+                  <a:schemeClr val="accent6">
+                    <a:lumMod val="75000"/>
+                  </a:schemeClr>
+                </a:solidFill>
+              </a:rPr>
+              <a:t>) from </a:t>
+            </a:r>
+            <a:r>
+              <a:rPr lang="en-US" sz="1600" dirty="0" smtClean="0">
+                <a:solidFill>
+                  <a:schemeClr val="accent6">
+                    <a:lumMod val="75000"/>
+                  </a:schemeClr>
+                </a:solidFill>
+              </a:rPr>
+              <a:t>instructor  // </a:t>
+            </a:r>
+            <a:r>
+              <a:rPr lang="en-US" sz="1600" dirty="0">
+                <a:solidFill>
+                  <a:schemeClr val="accent6">
+                    <a:lumMod val="75000"/>
+                  </a:schemeClr>
+                </a:solidFill>
+              </a:rPr>
+              <a:t>will return </a:t>
+            </a:r>
+            <a:r>
+              <a:rPr lang="en-US" sz="1600" dirty="0" smtClean="0">
+                <a:solidFill>
+                  <a:schemeClr val="accent6">
+                    <a:lumMod val="75000"/>
+                  </a:schemeClr>
+                </a:solidFill>
+              </a:rPr>
+              <a:t>74833.333333333333</a:t>
+            </a:r>
+          </a:p>
+          <a:p>
+            <a:endParaRPr lang="he-IL" sz="1600" dirty="0" smtClean="0"/>
+          </a:p>
+          <a:p>
+            <a:pPr algn="r" rtl="1"/>
+            <a:r>
               <a:rPr lang="he-IL" sz="1600" dirty="0" smtClean="0"/>
-              <a:t>אותם כבר ראינו קודם, נראה משהו חדש הפעם:  </a:t>
-            </a:r>
-            <a:r>
-              <a:rPr lang="en-US" sz="1600" dirty="0" smtClean="0"/>
-              <a:t>distinct</a:t>
-            </a:r>
-          </a:p>
-          <a:p>
-            <a:pPr algn="r" rtl="1"/>
-            <a:r>
-              <a:rPr lang="he-IL" sz="1600" dirty="0" smtClean="0"/>
-              <a:t>נניח שאנחנו רוצים לדעת כמה מורים מלמדים באביב מסויים:</a:t>
-            </a:r>
-          </a:p>
-          <a:p>
-            <a:pPr algn="r" rtl="1"/>
-            <a:endParaRPr lang="he-IL" sz="1600" dirty="0"/>
-          </a:p>
-          <a:p>
-            <a:pPr algn="r" rtl="1"/>
+              <a:t>בהמשך נראה דוגמאות מורכבות</a:t>
+            </a:r>
             <a:endParaRPr lang="en-US" sz="1600" dirty="0"/>
-          </a:p>
-          <a:p>
-            <a:pPr marL="0" indent="0" algn="l">
-              <a:buNone/>
-            </a:pPr>
-            <a:r>
-              <a:rPr lang="en-US" sz="1600" dirty="0"/>
-              <a:t>select count </a:t>
-            </a:r>
-            <a:r>
-              <a:rPr lang="en-US" sz="1600" dirty="0" smtClean="0"/>
-              <a:t>(ID</a:t>
-            </a:r>
-            <a:r>
-              <a:rPr lang="en-US" sz="1600" dirty="0"/>
-              <a:t>)</a:t>
-            </a:r>
-          </a:p>
-          <a:p>
-            <a:pPr marL="0" indent="0" algn="l">
-              <a:buNone/>
-            </a:pPr>
-            <a:r>
-              <a:rPr lang="en-US" sz="1600" dirty="0"/>
-              <a:t>from teaches</a:t>
-            </a:r>
-          </a:p>
-          <a:p>
-            <a:pPr marL="0" indent="0" algn="l">
-              <a:buNone/>
-            </a:pPr>
-            <a:r>
-              <a:rPr lang="en-US" sz="1600" dirty="0"/>
-              <a:t>where semester = 'Spring' and year = </a:t>
-            </a:r>
-            <a:r>
-              <a:rPr lang="en-US" sz="1600" dirty="0" smtClean="0"/>
-              <a:t>2010</a:t>
-            </a:r>
-            <a:endParaRPr lang="he-IL" sz="1600" dirty="0" smtClean="0"/>
-          </a:p>
-          <a:p>
-            <a:pPr marL="0" indent="0" algn="r" rtl="1">
-              <a:buNone/>
-            </a:pPr>
-            <a:r>
-              <a:rPr lang="he-IL" sz="1600" dirty="0" smtClean="0"/>
-              <a:t>בנתונים שיש בידינו בטבלה נקבל 7 – מכיוון שיש מורה שמלמד שני קורסים באביב 2010 והוא נספר פעמיים.</a:t>
-            </a:r>
-          </a:p>
-          <a:p>
-            <a:pPr marL="0" indent="0">
-              <a:buNone/>
-            </a:pPr>
-            <a:r>
-              <a:rPr lang="en-US" sz="1600" dirty="0"/>
-              <a:t>select count </a:t>
-            </a:r>
-            <a:r>
-              <a:rPr lang="en-US" sz="1600" dirty="0" smtClean="0"/>
-              <a:t>(distinct ID</a:t>
-            </a:r>
-            <a:r>
-              <a:rPr lang="en-US" sz="1600" dirty="0"/>
-              <a:t>)</a:t>
-            </a:r>
-          </a:p>
-          <a:p>
-            <a:pPr marL="0" indent="0">
-              <a:buNone/>
-            </a:pPr>
-            <a:r>
-              <a:rPr lang="en-US" sz="1600" dirty="0"/>
-              <a:t>from teaches</a:t>
-            </a:r>
-          </a:p>
-          <a:p>
-            <a:pPr marL="0" indent="0">
-              <a:buNone/>
-            </a:pPr>
-            <a:r>
-              <a:rPr lang="en-US" sz="1600" dirty="0"/>
-              <a:t>where semester = 'Spring' and year = 2010</a:t>
-            </a:r>
-            <a:endParaRPr lang="he-IL" sz="1600" dirty="0"/>
-          </a:p>
-          <a:p>
-            <a:pPr marL="0" indent="0" algn="r" rtl="1">
-              <a:buNone/>
-            </a:pPr>
-            <a:r>
-              <a:rPr lang="he-IL" sz="1600" dirty="0" smtClean="0"/>
-              <a:t>על ידי הוספת </a:t>
-            </a:r>
-            <a:r>
-              <a:rPr lang="en-US" sz="1600" dirty="0" smtClean="0"/>
-              <a:t>distinct </a:t>
-            </a:r>
-            <a:r>
-              <a:rPr lang="he-IL" sz="1600" dirty="0" smtClean="0"/>
-              <a:t> אנחנו מורידים כפילויות ולכן הפעם נקבל 6.</a:t>
-            </a:r>
-            <a:endParaRPr lang="he-IL" sz="1600" dirty="0"/>
           </a:p>
         </p:txBody>
       </p:sp>
     </p:spTree>
     <p:extLst>
       <p:ext uri="{BB962C8B-B14F-4D97-AF65-F5344CB8AC3E}">
-        <p14:creationId xmlns:p14="http://schemas.microsoft.com/office/powerpoint/2010/main" val="928445794"/>
+        <p14:creationId xmlns:p14="http://schemas.microsoft.com/office/powerpoint/2010/main" val="4142405798"/>
       </p:ext>
     </p:extLst>
   </p:cSld>
@@ -16842,13 +16800,41 @@
         </p:nvSpPr>
         <p:spPr/>
         <p:txBody>
-          <a:bodyPr/>
+          <a:bodyPr>
+            <a:normAutofit fontScale="90000"/>
+          </a:bodyPr>
           <a:lstStyle/>
           <a:p>
             <a:r>
-              <a:rPr lang="en-US" dirty="0"/>
-              <a:t>3.7.2 Aggregation with Grouping</a:t>
-            </a:r>
+              <a:rPr lang="en-US" dirty="0" smtClean="0"/>
+              <a:t>Aggregate function</a:t>
+            </a:r>
+            <a:r>
+              <a:rPr lang="he-IL" dirty="0" smtClean="0"/>
+              <a:t> </a:t>
+            </a:r>
+            <a:br>
+              <a:rPr lang="he-IL" dirty="0" smtClean="0"/>
+            </a:br>
+            <a:r>
+              <a:rPr lang="en-US" dirty="0" smtClean="0"/>
+              <a:t>using </a:t>
+            </a:r>
+            <a:r>
+              <a:rPr lang="en-US" dirty="0" smtClean="0">
+                <a:solidFill>
+                  <a:schemeClr val="accent6">
+                    <a:lumMod val="75000"/>
+                  </a:schemeClr>
+                </a:solidFill>
+              </a:rPr>
+              <a:t>distinct</a:t>
+            </a:r>
+            <a:r>
+              <a:rPr lang="en-US" dirty="0" smtClean="0"/>
+              <a:t> to eliminate duplication</a:t>
+            </a:r>
+            <a:endParaRPr lang="en-US" dirty="0"/>
           </a:p>
         </p:txBody>
       </p:sp>
@@ -16864,44 +16850,51 @@
         </p:nvSpPr>
         <p:spPr/>
         <p:txBody>
-          <a:bodyPr/>
+          <a:bodyPr>
+            <a:normAutofit/>
+          </a:bodyPr>
           <a:lstStyle/>
           <a:p>
             <a:pPr algn="r" rtl="1"/>
             <a:r>
-              <a:rPr lang="he-IL" sz="1400" dirty="0" smtClean="0"/>
-              <a:t>מצא את המשכורת הגבוהה ביותר בכל מחלקה בניפרד והצג את השם.</a:t>
+              <a:rPr lang="he-IL" sz="1600" dirty="0" smtClean="0"/>
+              <a:t>אותם כבר ראינו קודם, נראה משהו חדש הפעם:  </a:t>
+            </a:r>
+            <a:r>
+              <a:rPr lang="en-US" sz="1600" dirty="0" smtClean="0"/>
+              <a:t>distinct</a:t>
             </a:r>
           </a:p>
           <a:p>
             <a:pPr algn="r" rtl="1"/>
             <a:r>
-              <a:rPr lang="he-IL" sz="1400" dirty="0" smtClean="0"/>
-              <a:t>אז כזכור הפרדנו בין שם המחלקה לטבלה ניפרדת </a:t>
+              <a:rPr lang="he-IL" sz="1600" dirty="0" smtClean="0"/>
+              <a:t>נניח שאנחנו רוצים לדעת כמה מורים מלמדים באביב מסויים:</a:t>
             </a:r>
           </a:p>
           <a:p>
             <a:pPr algn="r" rtl="1"/>
-            <a:r>
-              <a:rPr lang="he-IL" sz="1400" dirty="0" smtClean="0"/>
-              <a:t>ולכן נשתמש ב </a:t>
-            </a:r>
-            <a:r>
-              <a:rPr lang="en-US" sz="1400" dirty="0" smtClean="0"/>
-              <a:t>join </a:t>
-            </a:r>
-            <a:r>
-              <a:rPr lang="he-IL" sz="1400" dirty="0" smtClean="0"/>
-              <a:t> ונרשום</a:t>
-            </a:r>
+            <a:endParaRPr lang="he-IL" sz="1600" dirty="0"/>
+          </a:p>
+          <a:p>
+            <a:pPr algn="r" rtl="1"/>
+            <a:endParaRPr lang="en-US" sz="1600" dirty="0"/>
           </a:p>
           <a:p>
             <a:pPr marL="0" indent="0" algn="l">
               <a:buNone/>
             </a:pPr>
             <a:r>
-              <a:rPr lang="en-US" sz="1400" dirty="0"/>
-              <a:t>select D.dept_name,max(salary)  from instructor as I</a:t>
+              <a:rPr lang="en-US" sz="1600" dirty="0"/>
+              <a:t>select count </a:t>
+            </a:r>
+            <a:r>
+              <a:rPr lang="en-US" sz="1600" dirty="0" smtClean="0"/>
+              <a:t>(ID</a:t>
+            </a:r>
+            <a:r>
+              <a:rPr lang="en-US" sz="1600" dirty="0"/>
+              <a:t>)</a:t>
             </a:r>
           </a:p>
           <a:p>
@@ -16909,8 +16902,8 @@
               <a:buNone/>
             </a:pPr>
             <a:r>
-              <a:rPr lang="en-US" sz="1400" dirty="0"/>
-              <a:t>join department  AS D</a:t>
+              <a:rPr lang="en-US" sz="1600" dirty="0"/>
+              <a:t>from teaches</a:t>
             </a:r>
           </a:p>
           <a:p>
@@ -16918,25 +16911,84 @@
               <a:buNone/>
             </a:pPr>
             <a:r>
-              <a:rPr lang="en-US" sz="1400" dirty="0"/>
-              <a:t>on I.dept_id = d.dept_id</a:t>
-            </a:r>
-          </a:p>
-          <a:p>
-            <a:pPr marL="0" indent="0" algn="l">
-              <a:buNone/>
-            </a:pPr>
-            <a:r>
-              <a:rPr lang="en-US" sz="1400" dirty="0"/>
-              <a:t>group by d.dept_name</a:t>
-            </a:r>
+              <a:rPr lang="en-US" sz="1600" dirty="0"/>
+              <a:t>where semester = 'Spring' and year = </a:t>
+            </a:r>
+            <a:r>
+              <a:rPr lang="en-US" sz="1600" dirty="0" smtClean="0"/>
+              <a:t>2010</a:t>
+            </a:r>
+            <a:endParaRPr lang="he-IL" sz="1600" dirty="0" smtClean="0"/>
+          </a:p>
+          <a:p>
+            <a:pPr marL="0" indent="0" algn="r" rtl="1">
+              <a:buNone/>
+            </a:pPr>
+            <a:r>
+              <a:rPr lang="he-IL" sz="1600" dirty="0" smtClean="0"/>
+              <a:t>בנתונים שיש בידינו בטבלה נקבל 7 – מכיוון שיש מורה שמלמד שני קורסים באביב 2010 והוא נספר פעמיים.</a:t>
+            </a:r>
+          </a:p>
+          <a:p>
+            <a:pPr marL="0" indent="0">
+              <a:buNone/>
+            </a:pPr>
+            <a:r>
+              <a:rPr lang="en-US" sz="1600" dirty="0"/>
+              <a:t>select count </a:t>
+            </a:r>
+            <a:r>
+              <a:rPr lang="en-US" sz="1600" dirty="0" smtClean="0"/>
+              <a:t>(distinct ID</a:t>
+            </a:r>
+            <a:r>
+              <a:rPr lang="en-US" sz="1600" dirty="0"/>
+              <a:t>)</a:t>
+            </a:r>
+          </a:p>
+          <a:p>
+            <a:pPr marL="0" indent="0">
+              <a:buNone/>
+            </a:pPr>
+            <a:r>
+              <a:rPr lang="en-US" sz="1600" dirty="0"/>
+              <a:t>from teaches</a:t>
+            </a:r>
+          </a:p>
+          <a:p>
+            <a:pPr marL="0" indent="0">
+              <a:buNone/>
+            </a:pPr>
+            <a:r>
+              <a:rPr lang="en-US" sz="1600" dirty="0"/>
+              <a:t>where semester = 'Spring' and year = 2010</a:t>
+            </a:r>
+            <a:endParaRPr lang="he-IL" sz="1600" dirty="0"/>
+          </a:p>
+          <a:p>
+            <a:pPr marL="0" indent="0" algn="r" rtl="1">
+              <a:buNone/>
+            </a:pPr>
+            <a:r>
+              <a:rPr lang="he-IL" sz="1600" dirty="0" smtClean="0"/>
+              <a:t>על ידי הוספת </a:t>
+            </a:r>
+            <a:r>
+              <a:rPr lang="en-US" sz="1600" dirty="0" smtClean="0"/>
+              <a:t>distinct </a:t>
+            </a:r>
+            <a:r>
+              <a:rPr lang="he-IL" sz="1600" dirty="0" smtClean="0"/>
+              <a:t> אנחנו מורידים כפילויות ולכן הפעם נקבל 6.</a:t>
+            </a:r>
+            <a:endParaRPr lang="he-IL" sz="1600" dirty="0"/>
           </a:p>
         </p:txBody>
       </p:sp>
     </p:spTree>
     <p:extLst>
       <p:ext uri="{BB962C8B-B14F-4D97-AF65-F5344CB8AC3E}">
-        <p14:creationId xmlns:p14="http://schemas.microsoft.com/office/powerpoint/2010/main" val="3686583451"/>
+        <p14:creationId xmlns:p14="http://schemas.microsoft.com/office/powerpoint/2010/main" val="928445794"/>
       </p:ext>
     </p:extLst>
   </p:cSld>
@@ -16980,266 +17032,103 @@
             <p:ph type="title"/>
           </p:nvPr>
         </p:nvSpPr>
-        <p:spPr>
-          <a:xfrm>
-            <a:off x="457200" y="274638"/>
-            <a:ext cx="8229600" cy="1143000"/>
-          </a:xfrm>
-        </p:spPr>
+        <p:spPr/>
         <p:txBody>
-          <a:bodyPr>
-            <a:normAutofit fontScale="90000"/>
-          </a:bodyPr>
+          <a:bodyPr/>
           <a:lstStyle/>
           <a:p>
             <a:r>
-              <a:rPr lang="en-US" sz="2000" dirty="0" smtClean="0"/>
-              <a:t>In and </a:t>
-            </a:r>
-            <a:r>
-              <a:rPr lang="en-US" sz="2000" dirty="0"/>
-              <a:t>Not in</a:t>
-            </a:r>
-            <a:br>
-              <a:rPr lang="en-US" sz="2000" dirty="0"/>
-            </a:br>
-            <a:r>
-              <a:rPr lang="en-US" sz="2000" dirty="0"/>
-              <a:t>Nested </a:t>
-            </a:r>
-            <a:r>
-              <a:rPr lang="en-US" sz="2000" dirty="0" smtClean="0"/>
-              <a:t>Sub queries</a:t>
-            </a:r>
-            <a:r>
-              <a:rPr lang="en-US" sz="2000" dirty="0"/>
-              <a:t/>
-            </a:r>
-            <a:br>
-              <a:rPr lang="en-US" sz="2000" dirty="0"/>
-            </a:br>
-            <a:r>
-              <a:rPr lang="en-US" sz="2000" dirty="0"/>
-              <a:t>3.8.1 Set </a:t>
-            </a:r>
-            <a:r>
-              <a:rPr lang="en-US" sz="2000" dirty="0" smtClean="0"/>
-              <a:t>Membership</a:t>
-            </a:r>
-            <a:r>
-              <a:rPr lang="en-US" dirty="0" smtClean="0"/>
-              <a:t/>
-            </a:r>
-            <a:br>
-              <a:rPr lang="en-US" dirty="0" smtClean="0"/>
-            </a:br>
-            <a:endParaRPr lang="en-US" dirty="0"/>
+              <a:rPr lang="en-US" dirty="0"/>
+              <a:t>3.7.2 Aggregation with Grouping</a:t>
+            </a:r>
           </a:p>
         </p:txBody>
       </p:sp>
-      <p:graphicFrame>
-        <p:nvGraphicFramePr>
-          <p:cNvPr id="4" name="Content Placeholder 3"/>
-          <p:cNvGraphicFramePr>
-            <a:graphicFrameLocks noGrp="1"/>
-          </p:cNvGraphicFramePr>
+      <p:sp>
+        <p:nvSpPr>
+          <p:cNvPr id="3" name="Content Placeholder 2"/>
+          <p:cNvSpPr>
+            <a:spLocks noGrp="1"/>
+          </p:cNvSpPr>
           <p:nvPr>
             <p:ph idx="1"/>
-            <p:extLst>
-              <p:ext uri="{D42A27DB-BD31-4B8C-83A1-F6EECF244321}">
-                <p14:modId xmlns:p14="http://schemas.microsoft.com/office/powerpoint/2010/main" val="86672759"/>
-              </p:ext>
-            </p:extLst>
           </p:nvPr>
-        </p:nvGraphicFramePr>
-        <p:xfrm>
-          <a:off x="457200" y="1600200"/>
-          <a:ext cx="8229600" cy="4953000"/>
-        </p:xfrm>
-        <a:graphic>
-          <a:graphicData uri="http://schemas.openxmlformats.org/drawingml/2006/table">
-            <a:tbl>
-              <a:tblPr firstRow="1" bandRow="1">
-                <a:tableStyleId>{2D5ABB26-0587-4C30-8999-92F81FD0307C}</a:tableStyleId>
-              </a:tblPr>
-              <a:tblGrid>
-                <a:gridCol w="3810000"/>
-                <a:gridCol w="4419600"/>
-              </a:tblGrid>
-              <a:tr h="4953000">
-                <a:tc>
-                  <a:txBody>
-                    <a:bodyPr/>
-                    <a:lstStyle/>
-                    <a:p>
-                      <a:pPr marL="0" indent="0">
-                        <a:buNone/>
-                      </a:pPr>
-                      <a:r>
-                        <a:rPr lang="en-US" sz="1800" dirty="0" smtClean="0"/>
-                        <a:t>select distinct course id</a:t>
-                      </a:r>
-                    </a:p>
-                    <a:p>
-                      <a:pPr marL="0" indent="0">
-                        <a:buNone/>
-                      </a:pPr>
-                      <a:r>
-                        <a:rPr lang="en-US" sz="1800" dirty="0" smtClean="0"/>
-                        <a:t>from section</a:t>
-                      </a:r>
-                    </a:p>
-                    <a:p>
-                      <a:pPr marL="0" indent="0">
-                        <a:buNone/>
-                      </a:pPr>
-                      <a:r>
-                        <a:rPr lang="en-US" sz="1800" dirty="0" smtClean="0"/>
-                        <a:t>where semester = ’Fall’ and year= 2009 and</a:t>
-                      </a:r>
-                    </a:p>
-                    <a:p>
-                      <a:pPr marL="0" indent="0">
-                        <a:buNone/>
-                      </a:pPr>
-                      <a:r>
-                        <a:rPr lang="en-US" sz="1800" dirty="0" smtClean="0"/>
-                        <a:t>course id in (select course id</a:t>
-                      </a:r>
-                    </a:p>
-                    <a:p>
-                      <a:pPr marL="0" indent="0">
-                        <a:buNone/>
-                      </a:pPr>
-                      <a:r>
-                        <a:rPr lang="en-US" sz="1800" dirty="0" smtClean="0"/>
-                        <a:t>from section</a:t>
-                      </a:r>
-                    </a:p>
-                    <a:p>
-                      <a:pPr marL="0" indent="0">
-                        <a:buNone/>
-                      </a:pPr>
-                      <a:r>
-                        <a:rPr lang="en-US" sz="1800" dirty="0" smtClean="0"/>
-                        <a:t>where semester = ’Spring’ and year= 2010);</a:t>
-                      </a:r>
-                    </a:p>
-                    <a:p>
-                      <a:endParaRPr lang="en-US" dirty="0"/>
-                    </a:p>
-                  </a:txBody>
-                  <a:tcPr/>
-                </a:tc>
-                <a:tc>
-                  <a:txBody>
-                    <a:bodyPr/>
-                    <a:lstStyle/>
-                    <a:p>
-                      <a:pPr algn="r" rtl="1"/>
-                      <a:r>
-                        <a:rPr lang="he-IL" dirty="0" smtClean="0"/>
-                        <a:t>נרצה</a:t>
-                      </a:r>
-                      <a:r>
-                        <a:rPr lang="he-IL" baseline="0" dirty="0" smtClean="0"/>
-                        <a:t> לדעת איזה קורסים היו גם ב סתיו 2009</a:t>
-                      </a:r>
-                    </a:p>
-                    <a:p>
-                      <a:pPr algn="r" rtl="1"/>
-                      <a:r>
-                        <a:rPr lang="he-IL" dirty="0" smtClean="0"/>
-                        <a:t>וגם איזה קורסים היו באביב</a:t>
-                      </a:r>
-                      <a:r>
-                        <a:rPr lang="he-IL" baseline="0" dirty="0" smtClean="0"/>
-                        <a:t> 2010.</a:t>
-                      </a:r>
-                    </a:p>
-                    <a:p>
-                      <a:pPr algn="r" rtl="1"/>
-                      <a:r>
-                        <a:rPr lang="he-IL" baseline="0" dirty="0" smtClean="0"/>
-                        <a:t>המילה הבולטת היא וגם.</a:t>
-                      </a:r>
-                    </a:p>
-                    <a:p>
-                      <a:pPr algn="r" rtl="1"/>
-                      <a:r>
-                        <a:rPr lang="he-IL" baseline="0" dirty="0" smtClean="0"/>
-                        <a:t>אפשר לרשום איזה כ </a:t>
-                      </a:r>
-                      <a:r>
-                        <a:rPr lang="en-US" baseline="0" dirty="0" smtClean="0"/>
-                        <a:t>where  clause </a:t>
-                      </a:r>
-                      <a:r>
-                        <a:rPr lang="he-IL" baseline="0" dirty="0" smtClean="0"/>
-                        <a:t> ארוך</a:t>
-                      </a:r>
-                    </a:p>
-                    <a:p>
-                      <a:pPr algn="r" rtl="1"/>
-                      <a:r>
-                        <a:rPr lang="he-IL" baseline="0" dirty="0" smtClean="0"/>
-                        <a:t>ואפשר לבצע חיתוך באמצעות </a:t>
-                      </a:r>
-                      <a:r>
-                        <a:rPr lang="en-US" baseline="0" dirty="0" smtClean="0"/>
-                        <a:t>in</a:t>
-                      </a:r>
-                    </a:p>
-                    <a:p>
-                      <a:pPr algn="r" rtl="1"/>
-                      <a:r>
-                        <a:rPr lang="he-IL" baseline="0" dirty="0" smtClean="0"/>
-                        <a:t>אנחנו מריצים כאן שתי שאילתות ובאמצעות </a:t>
-                      </a:r>
-                      <a:r>
-                        <a:rPr lang="en-US" baseline="0" dirty="0" smtClean="0"/>
-                        <a:t>in</a:t>
-                      </a:r>
-                    </a:p>
-                    <a:p>
-                      <a:pPr algn="r" rtl="1"/>
-                      <a:r>
-                        <a:rPr lang="he-IL" baseline="0" dirty="0" smtClean="0"/>
-                        <a:t>מחזרים אלו שקיימים בשנייה.</a:t>
-                      </a:r>
-                    </a:p>
-                    <a:p>
-                      <a:pPr algn="r" rtl="1"/>
-                      <a:endParaRPr lang="he-IL" baseline="0" dirty="0" smtClean="0"/>
-                    </a:p>
-                    <a:p>
-                      <a:pPr algn="r" rtl="1"/>
-                      <a:endParaRPr lang="he-IL" baseline="0" dirty="0" smtClean="0"/>
-                    </a:p>
-                    <a:p>
-                      <a:pPr algn="r" rtl="1"/>
-                      <a:r>
-                        <a:rPr lang="he-IL" baseline="0" dirty="0" smtClean="0"/>
-                        <a:t>אם נרצה את אלו שקיימים בראשונה אך לא בשנייה נשתמש ב </a:t>
-                      </a:r>
-                      <a:r>
-                        <a:rPr lang="en-US" baseline="0" dirty="0" smtClean="0"/>
-                        <a:t>not in</a:t>
-                      </a:r>
-                      <a:endParaRPr lang="he-IL" baseline="0" dirty="0" smtClean="0"/>
-                    </a:p>
-                  </a:txBody>
-                  <a:tcPr/>
-                </a:tc>
-              </a:tr>
-            </a:tbl>
-          </a:graphicData>
-        </a:graphic>
-      </p:graphicFrame>
+        </p:nvSpPr>
+        <p:spPr/>
+        <p:txBody>
+          <a:bodyPr/>
+          <a:lstStyle/>
+          <a:p>
+            <a:pPr algn="r" rtl="1"/>
+            <a:r>
+              <a:rPr lang="he-IL" sz="1400" dirty="0" smtClean="0"/>
+              <a:t>מצא את המשכורת הגבוהה ביותר בכל מחלקה בניפרד והצג את השם.</a:t>
+            </a:r>
+          </a:p>
+          <a:p>
+            <a:pPr algn="r" rtl="1"/>
+            <a:r>
+              <a:rPr lang="he-IL" sz="1400" dirty="0" smtClean="0"/>
+              <a:t>אז כזכור הפרדנו בין שם המחלקה לטבלה ניפרדת </a:t>
+            </a:r>
+          </a:p>
+          <a:p>
+            <a:pPr algn="r" rtl="1"/>
+            <a:r>
+              <a:rPr lang="he-IL" sz="1400" dirty="0" smtClean="0"/>
+              <a:t>ולכן נשתמש ב </a:t>
+            </a:r>
+            <a:r>
+              <a:rPr lang="en-US" sz="1400" dirty="0" smtClean="0"/>
+              <a:t>join </a:t>
+            </a:r>
+            <a:r>
+              <a:rPr lang="he-IL" sz="1400" dirty="0" smtClean="0"/>
+              <a:t> ונרשום</a:t>
+            </a:r>
+          </a:p>
+          <a:p>
+            <a:pPr marL="0" indent="0" algn="l">
+              <a:buNone/>
+            </a:pPr>
+            <a:r>
+              <a:rPr lang="en-US" sz="1400" dirty="0"/>
+              <a:t>select D.dept_name,max(salary)  from instructor as I</a:t>
+            </a:r>
+          </a:p>
+          <a:p>
+            <a:pPr marL="0" indent="0" algn="l">
+              <a:buNone/>
+            </a:pPr>
+            <a:r>
+              <a:rPr lang="en-US" sz="1400" dirty="0"/>
+              <a:t>join department  AS D</a:t>
+            </a:r>
+          </a:p>
+          <a:p>
+            <a:pPr marL="0" indent="0" algn="l">
+              <a:buNone/>
+            </a:pPr>
+            <a:r>
+              <a:rPr lang="en-US" sz="1400" dirty="0"/>
+              <a:t>on I.dept_id = d.dept_id</a:t>
+            </a:r>
+          </a:p>
+          <a:p>
+            <a:pPr marL="0" indent="0" algn="l">
+              <a:buNone/>
+            </a:pPr>
+            <a:r>
+              <a:rPr lang="en-US" sz="1400" dirty="0"/>
+              <a:t>group by d.dept_name</a:t>
+            </a:r>
+          </a:p>
+        </p:txBody>
+      </p:sp>
     </p:spTree>
     <p:extLst>
       <p:ext uri="{BB962C8B-B14F-4D97-AF65-F5344CB8AC3E}">
-        <p14:creationId xmlns:p14="http://schemas.microsoft.com/office/powerpoint/2010/main" val="4018501308"/>
+        <p14:creationId xmlns:p14="http://schemas.microsoft.com/office/powerpoint/2010/main" val="3686583451"/>
       </p:ext>
     </p:extLst>
   </p:cSld>
@@ -17283,94 +17172,266 @@
             <p:ph type="title"/>
           </p:nvPr>
         </p:nvSpPr>
-        <p:spPr/>
+        <p:spPr>
+          <a:xfrm>
+            <a:off x="457200" y="274638"/>
+            <a:ext cx="8229600" cy="1143000"/>
+          </a:xfrm>
+        </p:spPr>
         <p:txBody>
           <a:bodyPr>
-            <a:normAutofit/>
+            <a:normAutofit fontScale="90000"/>
           </a:bodyPr>
           <a:lstStyle/>
           <a:p>
             <a:r>
-              <a:rPr lang="en-US" sz="3600" dirty="0" smtClean="0"/>
-              <a:t>Using where with in and Not in as enum</a:t>
-            </a:r>
-            <a:endParaRPr lang="en-US" sz="3600" dirty="0"/>
+              <a:rPr lang="en-US" sz="2000" dirty="0" smtClean="0"/>
+              <a:t>In and </a:t>
+            </a:r>
+            <a:r>
+              <a:rPr lang="en-US" sz="2000" dirty="0"/>
+              <a:t>Not in</a:t>
+            </a:r>
+            <a:br>
+              <a:rPr lang="en-US" sz="2000" dirty="0"/>
+            </a:br>
+            <a:r>
+              <a:rPr lang="en-US" sz="2000" dirty="0"/>
+              <a:t>Nested </a:t>
+            </a:r>
+            <a:r>
+              <a:rPr lang="en-US" sz="2000" dirty="0" smtClean="0"/>
+              <a:t>Sub queries</a:t>
+            </a:r>
+            <a:r>
+              <a:rPr lang="en-US" sz="2000" dirty="0"/>
+              <a:t/>
+            </a:r>
+            <a:br>
+              <a:rPr lang="en-US" sz="2000" dirty="0"/>
+            </a:br>
+            <a:r>
+              <a:rPr lang="en-US" sz="2000" dirty="0"/>
+              <a:t>3.8.1 Set </a:t>
+            </a:r>
+            <a:r>
+              <a:rPr lang="en-US" sz="2000" dirty="0" smtClean="0"/>
+              <a:t>Membership</a:t>
+            </a:r>
+            <a:r>
+              <a:rPr lang="en-US" dirty="0" smtClean="0"/>
+              <a:t/>
+            </a:r>
+            <a:br>
+              <a:rPr lang="en-US" dirty="0" smtClean="0"/>
+            </a:br>
+            <a:endParaRPr lang="en-US" dirty="0"/>
           </a:p>
         </p:txBody>
       </p:sp>
-      <p:sp>
-        <p:nvSpPr>
-          <p:cNvPr id="3" name="Content Placeholder 2"/>
-          <p:cNvSpPr>
-            <a:spLocks noGrp="1"/>
-          </p:cNvSpPr>
+      <p:graphicFrame>
+        <p:nvGraphicFramePr>
+          <p:cNvPr id="4" name="Content Placeholder 3"/>
+          <p:cNvGraphicFramePr>
+            <a:graphicFrameLocks noGrp="1"/>
+          </p:cNvGraphicFramePr>
           <p:nvPr>
             <p:ph idx="1"/>
+            <p:extLst>
+              <p:ext uri="{D42A27DB-BD31-4B8C-83A1-F6EECF244321}">
+                <p14:modId xmlns:p14="http://schemas.microsoft.com/office/powerpoint/2010/main" val="86672759"/>
+              </p:ext>
+            </p:extLst>
           </p:nvPr>
-        </p:nvSpPr>
-        <p:spPr/>
-        <p:txBody>
-          <a:bodyPr>
-            <a:normAutofit/>
-          </a:bodyPr>
-          <a:lstStyle/>
-          <a:p>
-            <a:pPr marL="0" indent="0">
-              <a:buNone/>
-            </a:pPr>
-            <a:r>
-              <a:rPr lang="en-US" sz="1600" dirty="0"/>
-              <a:t>select distinct name</a:t>
-            </a:r>
-          </a:p>
-          <a:p>
-            <a:pPr marL="0" indent="0">
-              <a:buNone/>
-            </a:pPr>
-            <a:r>
-              <a:rPr lang="en-US" sz="1600" dirty="0" smtClean="0"/>
-              <a:t>from </a:t>
-            </a:r>
-            <a:r>
-              <a:rPr lang="en-US" sz="1600" dirty="0"/>
-              <a:t>instructor</a:t>
-            </a:r>
-          </a:p>
-          <a:p>
-            <a:pPr marL="0" indent="0">
-              <a:buNone/>
-            </a:pPr>
-            <a:r>
-              <a:rPr lang="en-US" sz="1600" dirty="0" smtClean="0"/>
-              <a:t>where </a:t>
-            </a:r>
-            <a:r>
-              <a:rPr lang="en-US" sz="1600" dirty="0"/>
-              <a:t>name not in (’Mozart’, ’Einstein</a:t>
-            </a:r>
-            <a:r>
-              <a:rPr lang="en-US" sz="1600" dirty="0" smtClean="0"/>
-              <a:t>’);</a:t>
-            </a:r>
-          </a:p>
-          <a:p>
-            <a:pPr marL="0" indent="0">
-              <a:buNone/>
-            </a:pPr>
-            <a:endParaRPr lang="en-US" sz="1600" dirty="0"/>
-          </a:p>
-          <a:p>
-            <a:pPr marL="0" indent="0">
-              <a:buNone/>
-            </a:pPr>
-            <a:endParaRPr lang="en-US" sz="1600" dirty="0"/>
-          </a:p>
-        </p:txBody>
-      </p:sp>
+        </p:nvGraphicFramePr>
+        <p:xfrm>
+          <a:off x="457200" y="1600200"/>
+          <a:ext cx="8229600" cy="4953000"/>
+        </p:xfrm>
+        <a:graphic>
+          <a:graphicData uri="http://schemas.openxmlformats.org/drawingml/2006/table">
+            <a:tbl>
+              <a:tblPr firstRow="1" bandRow="1">
+                <a:tableStyleId>{2D5ABB26-0587-4C30-8999-92F81FD0307C}</a:tableStyleId>
+              </a:tblPr>
+              <a:tblGrid>
+                <a:gridCol w="3810000"/>
+                <a:gridCol w="4419600"/>
+              </a:tblGrid>
+              <a:tr h="4953000">
+                <a:tc>
+                  <a:txBody>
+                    <a:bodyPr/>
+                    <a:lstStyle/>
+                    <a:p>
+                      <a:pPr marL="0" indent="0">
+                        <a:buNone/>
+                      </a:pPr>
+                      <a:r>
+                        <a:rPr lang="en-US" sz="1800" dirty="0" smtClean="0"/>
+                        <a:t>select distinct course id</a:t>
+                      </a:r>
+                    </a:p>
+                    <a:p>
+                      <a:pPr marL="0" indent="0">
+                        <a:buNone/>
+                      </a:pPr>
+                      <a:r>
+                        <a:rPr lang="en-US" sz="1800" dirty="0" smtClean="0"/>
+                        <a:t>from section</a:t>
+                      </a:r>
+                    </a:p>
+                    <a:p>
+                      <a:pPr marL="0" indent="0">
+                        <a:buNone/>
+                      </a:pPr>
+                      <a:r>
+                        <a:rPr lang="en-US" sz="1800" dirty="0" smtClean="0"/>
+                        <a:t>where semester = ’Fall’ and year= 2009 and</a:t>
+                      </a:r>
+                    </a:p>
+                    <a:p>
+                      <a:pPr marL="0" indent="0">
+                        <a:buNone/>
+                      </a:pPr>
+                      <a:r>
+                        <a:rPr lang="en-US" sz="1800" dirty="0" smtClean="0"/>
+                        <a:t>course id in (select course id</a:t>
+                      </a:r>
+                    </a:p>
+                    <a:p>
+                      <a:pPr marL="0" indent="0">
+                        <a:buNone/>
+                      </a:pPr>
+                      <a:r>
+                        <a:rPr lang="en-US" sz="1800" dirty="0" smtClean="0"/>
+                        <a:t>from section</a:t>
+                      </a:r>
+                    </a:p>
+                    <a:p>
+                      <a:pPr marL="0" indent="0">
+                        <a:buNone/>
+                      </a:pPr>
+                      <a:r>
+                        <a:rPr lang="en-US" sz="1800" dirty="0" smtClean="0"/>
+                        <a:t>where semester = ’Spring’ and year= 2010);</a:t>
+                      </a:r>
+                    </a:p>
+                    <a:p>
+                      <a:endParaRPr lang="en-US" dirty="0"/>
+                    </a:p>
+                  </a:txBody>
+                  <a:tcPr/>
+                </a:tc>
+                <a:tc>
+                  <a:txBody>
+                    <a:bodyPr/>
+                    <a:lstStyle/>
+                    <a:p>
+                      <a:pPr algn="r" rtl="1"/>
+                      <a:r>
+                        <a:rPr lang="he-IL" dirty="0" smtClean="0"/>
+                        <a:t>נרצה</a:t>
+                      </a:r>
+                      <a:r>
+                        <a:rPr lang="he-IL" baseline="0" dirty="0" smtClean="0"/>
+                        <a:t> לדעת איזה קורסים היו גם ב סתיו 2009</a:t>
+                      </a:r>
+                    </a:p>
+                    <a:p>
+                      <a:pPr algn="r" rtl="1"/>
+                      <a:r>
+                        <a:rPr lang="he-IL" dirty="0" smtClean="0"/>
+                        <a:t>וגם איזה קורסים היו באביב</a:t>
+                      </a:r>
+                      <a:r>
+                        <a:rPr lang="he-IL" baseline="0" dirty="0" smtClean="0"/>
+                        <a:t> 2010.</a:t>
+                      </a:r>
+                    </a:p>
+                    <a:p>
+                      <a:pPr algn="r" rtl="1"/>
+                      <a:r>
+                        <a:rPr lang="he-IL" baseline="0" dirty="0" smtClean="0"/>
+                        <a:t>המילה הבולטת היא וגם.</a:t>
+                      </a:r>
+                    </a:p>
+                    <a:p>
+                      <a:pPr algn="r" rtl="1"/>
+                      <a:r>
+                        <a:rPr lang="he-IL" baseline="0" dirty="0" smtClean="0"/>
+                        <a:t>אפשר לרשום איזה כ </a:t>
+                      </a:r>
+                      <a:r>
+                        <a:rPr lang="en-US" baseline="0" dirty="0" smtClean="0"/>
+                        <a:t>where  clause </a:t>
+                      </a:r>
+                      <a:r>
+                        <a:rPr lang="he-IL" baseline="0" dirty="0" smtClean="0"/>
+                        <a:t> ארוך</a:t>
+                      </a:r>
+                    </a:p>
+                    <a:p>
+                      <a:pPr algn="r" rtl="1"/>
+                      <a:r>
+                        <a:rPr lang="he-IL" baseline="0" dirty="0" smtClean="0"/>
+                        <a:t>ואפשר לבצע חיתוך באמצעות </a:t>
+                      </a:r>
+                      <a:r>
+                        <a:rPr lang="en-US" baseline="0" dirty="0" smtClean="0"/>
+                        <a:t>in</a:t>
+                      </a:r>
+                    </a:p>
+                    <a:p>
+                      <a:pPr algn="r" rtl="1"/>
+                      <a:r>
+                        <a:rPr lang="he-IL" baseline="0" dirty="0" smtClean="0"/>
+                        <a:t>אנחנו מריצים כאן שתי שאילתות ובאמצעות </a:t>
+                      </a:r>
+                      <a:r>
+                        <a:rPr lang="en-US" baseline="0" dirty="0" smtClean="0"/>
+                        <a:t>in</a:t>
+                      </a:r>
+                    </a:p>
+                    <a:p>
+                      <a:pPr algn="r" rtl="1"/>
+                      <a:r>
+                        <a:rPr lang="he-IL" baseline="0" dirty="0" smtClean="0"/>
+                        <a:t>מחזרים אלו שקיימים בשנייה.</a:t>
+                      </a:r>
+                    </a:p>
+                    <a:p>
+                      <a:pPr algn="r" rtl="1"/>
+                      <a:endParaRPr lang="he-IL" baseline="0" dirty="0" smtClean="0"/>
+                    </a:p>
+                    <a:p>
+                      <a:pPr algn="r" rtl="1"/>
+                      <a:endParaRPr lang="he-IL" baseline="0" dirty="0" smtClean="0"/>
+                    </a:p>
+                    <a:p>
+                      <a:pPr algn="r" rtl="1"/>
+                      <a:r>
+                        <a:rPr lang="he-IL" baseline="0" dirty="0" smtClean="0"/>
+                        <a:t>אם נרצה את אלו שקיימים בראשונה אך לא בשנייה נשתמש ב </a:t>
+                      </a:r>
+                      <a:r>
+                        <a:rPr lang="en-US" baseline="0" dirty="0" smtClean="0"/>
+                        <a:t>not in</a:t>
+                      </a:r>
+                      <a:endParaRPr lang="he-IL" baseline="0" dirty="0" smtClean="0"/>
+                    </a:p>
+                  </a:txBody>
+                  <a:tcPr/>
+                </a:tc>
+              </a:tr>
+            </a:tbl>
+          </a:graphicData>
+        </a:graphic>
+      </p:graphicFrame>
     </p:spTree>
     <p:extLst>
       <p:ext uri="{BB962C8B-B14F-4D97-AF65-F5344CB8AC3E}">
-        <p14:creationId xmlns:p14="http://schemas.microsoft.com/office/powerpoint/2010/main" val="1733002099"/>
+        <p14:creationId xmlns:p14="http://schemas.microsoft.com/office/powerpoint/2010/main" val="4018501308"/>
       </p:ext>
     </p:extLst>
   </p:cSld>
@@ -17414,6 +17475,137 @@
             <p:ph type="title"/>
           </p:nvPr>
         </p:nvSpPr>
+        <p:spPr/>
+        <p:txBody>
+          <a:bodyPr>
+            <a:normAutofit/>
+          </a:bodyPr>
+          <a:lstStyle/>
+          <a:p>
+            <a:r>
+              <a:rPr lang="en-US" sz="3600" dirty="0" smtClean="0"/>
+              <a:t>Using where with in and Not in as enum</a:t>
+            </a:r>
+            <a:endParaRPr lang="en-US" sz="3600" dirty="0"/>
+          </a:p>
+        </p:txBody>
+      </p:sp>
+      <p:sp>
+        <p:nvSpPr>
+          <p:cNvPr id="3" name="Content Placeholder 2"/>
+          <p:cNvSpPr>
+            <a:spLocks noGrp="1"/>
+          </p:cNvSpPr>
+          <p:nvPr>
+            <p:ph idx="1"/>
+          </p:nvPr>
+        </p:nvSpPr>
+        <p:spPr/>
+        <p:txBody>
+          <a:bodyPr>
+            <a:normAutofit/>
+          </a:bodyPr>
+          <a:lstStyle/>
+          <a:p>
+            <a:pPr marL="0" indent="0">
+              <a:buNone/>
+            </a:pPr>
+            <a:r>
+              <a:rPr lang="en-US" sz="1600" dirty="0"/>
+              <a:t>select distinct name</a:t>
+            </a:r>
+          </a:p>
+          <a:p>
+            <a:pPr marL="0" indent="0">
+              <a:buNone/>
+            </a:pPr>
+            <a:r>
+              <a:rPr lang="en-US" sz="1600" dirty="0" smtClean="0"/>
+              <a:t>from </a:t>
+            </a:r>
+            <a:r>
+              <a:rPr lang="en-US" sz="1600" dirty="0"/>
+              <a:t>instructor</a:t>
+            </a:r>
+          </a:p>
+          <a:p>
+            <a:pPr marL="0" indent="0">
+              <a:buNone/>
+            </a:pPr>
+            <a:r>
+              <a:rPr lang="en-US" sz="1600" dirty="0" smtClean="0"/>
+              <a:t>where </a:t>
+            </a:r>
+            <a:r>
+              <a:rPr lang="en-US" sz="1600" dirty="0"/>
+              <a:t>name not in (’Mozart’, ’Einstein</a:t>
+            </a:r>
+            <a:r>
+              <a:rPr lang="en-US" sz="1600" dirty="0" smtClean="0"/>
+              <a:t>’);</a:t>
+            </a:r>
+          </a:p>
+          <a:p>
+            <a:pPr marL="0" indent="0">
+              <a:buNone/>
+            </a:pPr>
+            <a:endParaRPr lang="en-US" sz="1600" dirty="0"/>
+          </a:p>
+          <a:p>
+            <a:pPr marL="0" indent="0">
+              <a:buNone/>
+            </a:pPr>
+            <a:endParaRPr lang="en-US" sz="1600" dirty="0"/>
+          </a:p>
+        </p:txBody>
+      </p:sp>
+    </p:spTree>
+    <p:extLst>
+      <p:ext uri="{BB962C8B-B14F-4D97-AF65-F5344CB8AC3E}">
+        <p14:creationId xmlns:p14="http://schemas.microsoft.com/office/powerpoint/2010/main" val="1733002099"/>
+      </p:ext>
+    </p:extLst>
+  </p:cSld>
+  <p:clrMapOvr>
+    <a:masterClrMapping/>
+  </p:clrMapOvr>
+  <p:timing>
+    <p:tnLst>
+      <p:par>
+        <p:cTn id="1" dur="indefinite" restart="never" nodeType="tmRoot"/>
+      </p:par>
+    </p:tnLst>
+  </p:timing>
+</p:sld>
+</file>
+
+<file path=ppt/slides/slide54.xml><?xml version="1.0" encoding="utf-8"?>
+<p:sld xmlns:a="http://schemas.openxmlformats.org/drawingml/2006/main" xmlns:r="http://schemas.openxmlformats.org/officeDocument/2006/relationships" xmlns:p="http://schemas.openxmlformats.org/presentationml/2006/main">
+  <p:cSld>
+    <p:spTree>
+      <p:nvGrpSpPr>
+        <p:cNvPr id="1" name=""/>
+        <p:cNvGrpSpPr/>
+        <p:nvPr/>
+      </p:nvGrpSpPr>
+      <p:grpSpPr>
+        <a:xfrm>
+          <a:off x="0" y="0"/>
+          <a:ext cx="0" cy="0"/>
+          <a:chOff x="0" y="0"/>
+          <a:chExt cx="0" cy="0"/>
+        </a:xfrm>
+      </p:grpSpPr>
+      <p:sp>
+        <p:nvSpPr>
+          <p:cNvPr id="2" name="Title 1"/>
+          <p:cNvSpPr>
+            <a:spLocks noGrp="1"/>
+          </p:cNvSpPr>
+          <p:nvPr>
+            <p:ph type="title"/>
+          </p:nvPr>
+        </p:nvSpPr>
         <p:spPr>
           <a:xfrm>
             <a:off x="457200" y="274638"/>
@@ -17722,7 +17914,7 @@
 </p:sld>
 </file>
 
-<file path=ppt/slides/slide54.xml><?xml version="1.0" encoding="utf-8"?>
+<file path=ppt/slides/slide55.xml><?xml version="1.0" encoding="utf-8"?>
 <p:sld xmlns:a="http://schemas.openxmlformats.org/drawingml/2006/main" xmlns:r="http://schemas.openxmlformats.org/officeDocument/2006/relationships" xmlns:p="http://schemas.openxmlformats.org/presentationml/2006/main">
   <p:cSld>
     <p:spTree>
@@ -18090,7 +18282,7 @@
 </p:sld>
 </file>
 
-<file path=ppt/slides/slide55.xml><?xml version="1.0" encoding="utf-8"?>
+<file path=ppt/slides/slide56.xml><?xml version="1.0" encoding="utf-8"?>
 <p:sld xmlns:a="http://schemas.openxmlformats.org/drawingml/2006/main" xmlns:r="http://schemas.openxmlformats.org/officeDocument/2006/relationships" xmlns:p="http://schemas.openxmlformats.org/presentationml/2006/main">
   <p:cSld>
     <p:spTree>
@@ -18457,7 +18649,7 @@
 </p:sld>
 </file>
 
-<file path=ppt/slides/slide56.xml><?xml version="1.0" encoding="utf-8"?>
+<file path=ppt/slides/slide57.xml><?xml version="1.0" encoding="utf-8"?>
 <p:sld xmlns:a="http://schemas.openxmlformats.org/drawingml/2006/main" xmlns:r="http://schemas.openxmlformats.org/officeDocument/2006/relationships" xmlns:p="http://schemas.openxmlformats.org/presentationml/2006/main">
   <p:cSld>
     <p:spTree>
@@ -18728,7 +18920,7 @@
 </p:sld>
 </file>
 
-<file path=ppt/slides/slide57.xml><?xml version="1.0" encoding="utf-8"?>
+<file path=ppt/slides/slide58.xml><?xml version="1.0" encoding="utf-8"?>
 <p:sld xmlns:a="http://schemas.openxmlformats.org/drawingml/2006/main" xmlns:r="http://schemas.openxmlformats.org/officeDocument/2006/relationships" xmlns:p="http://schemas.openxmlformats.org/presentationml/2006/main">
   <p:cSld>
     <p:spTree>
@@ -19004,7 +19196,7 @@
 </p:sld>
 </file>
 
-<file path=ppt/slides/slide58.xml><?xml version="1.0" encoding="utf-8"?>
+<file path=ppt/slides/slide59.xml><?xml version="1.0" encoding="utf-8"?>
 <p:sld xmlns:a="http://schemas.openxmlformats.org/drawingml/2006/main" xmlns:r="http://schemas.openxmlformats.org/officeDocument/2006/relationships" xmlns:p="http://schemas.openxmlformats.org/presentationml/2006/main">
   <p:cSld>
     <p:spTree>
@@ -19491,421 +19683,6 @@
     <p:extLst>
       <p:ext uri="{BB962C8B-B14F-4D97-AF65-F5344CB8AC3E}">
         <p14:creationId xmlns:p14="http://schemas.microsoft.com/office/powerpoint/2010/main" val="686997355"/>
-      </p:ext>
-    </p:extLst>
-  </p:cSld>
-  <p:clrMapOvr>
-    <a:masterClrMapping/>
-  </p:clrMapOvr>
-  <p:timing>
-    <p:tnLst>
-      <p:par>
-        <p:cTn id="1" dur="indefinite" restart="never" nodeType="tmRoot"/>
-      </p:par>
-    </p:tnLst>
-  </p:timing>
-</p:sld>
-</file>
-
-<file path=ppt/slides/slide59.xml><?xml version="1.0" encoding="utf-8"?>
-<p:sld xmlns:a="http://schemas.openxmlformats.org/drawingml/2006/main" xmlns:r="http://schemas.openxmlformats.org/officeDocument/2006/relationships" xmlns:p="http://schemas.openxmlformats.org/presentationml/2006/main">
-  <p:cSld>
-    <p:spTree>
-      <p:nvGrpSpPr>
-        <p:cNvPr id="1" name=""/>
-        <p:cNvGrpSpPr/>
-        <p:nvPr/>
-      </p:nvGrpSpPr>
-      <p:grpSpPr>
-        <a:xfrm>
-          <a:off x="0" y="0"/>
-          <a:ext cx="0" cy="0"/>
-          <a:chOff x="0" y="0"/>
-          <a:chExt cx="0" cy="0"/>
-        </a:xfrm>
-      </p:grpSpPr>
-      <p:sp>
-        <p:nvSpPr>
-          <p:cNvPr id="2" name="Title 1"/>
-          <p:cNvSpPr>
-            <a:spLocks noGrp="1"/>
-          </p:cNvSpPr>
-          <p:nvPr>
-            <p:ph type="title"/>
-          </p:nvPr>
-        </p:nvSpPr>
-        <p:spPr/>
-        <p:txBody>
-          <a:bodyPr/>
-          <a:lstStyle/>
-          <a:p>
-            <a:r>
-              <a:rPr lang="en-US" dirty="0" smtClean="0"/>
-              <a:t>All – more examples</a:t>
-            </a:r>
-            <a:endParaRPr lang="en-US" dirty="0"/>
-          </a:p>
-        </p:txBody>
-      </p:sp>
-      <p:sp>
-        <p:nvSpPr>
-          <p:cNvPr id="3" name="Content Placeholder 2"/>
-          <p:cNvSpPr>
-            <a:spLocks noGrp="1"/>
-          </p:cNvSpPr>
-          <p:nvPr>
-            <p:ph idx="1"/>
-          </p:nvPr>
-        </p:nvSpPr>
-        <p:spPr>
-          <a:xfrm>
-            <a:off x="457200" y="1219200"/>
-            <a:ext cx="8229600" cy="4906963"/>
-          </a:xfrm>
-        </p:spPr>
-        <p:txBody>
-          <a:bodyPr>
-            <a:normAutofit/>
-          </a:bodyPr>
-          <a:lstStyle/>
-          <a:p>
-            <a:pPr marL="0" indent="0">
-              <a:buNone/>
-            </a:pPr>
-            <a:r>
-              <a:rPr lang="en-US" sz="2000" dirty="0"/>
-              <a:t>select </a:t>
-            </a:r>
-            <a:r>
-              <a:rPr lang="en-US" sz="2000" dirty="0" smtClean="0"/>
-              <a:t>salary  from instructor  where </a:t>
-            </a:r>
-            <a:r>
-              <a:rPr lang="en-US" sz="2000" dirty="0"/>
-              <a:t>dept_id = </a:t>
-            </a:r>
-            <a:r>
-              <a:rPr lang="en-US" sz="2000" dirty="0" smtClean="0"/>
-              <a:t>'2‘  returns: </a:t>
-            </a:r>
-          </a:p>
-          <a:p>
-            <a:pPr marL="0" indent="0">
-              <a:buNone/>
-            </a:pPr>
-            <a:endParaRPr lang="en-US" sz="2000" dirty="0"/>
-          </a:p>
-          <a:p>
-            <a:pPr marL="0" indent="0">
-              <a:buNone/>
-            </a:pPr>
-            <a:r>
-              <a:rPr lang="en-US" sz="2000" dirty="0"/>
-              <a:t>select * from </a:t>
-            </a:r>
-            <a:r>
-              <a:rPr lang="en-US" sz="2000" dirty="0" smtClean="0"/>
-              <a:t>instructor where </a:t>
-            </a:r>
-            <a:r>
-              <a:rPr lang="en-US" sz="2000" dirty="0"/>
-              <a:t>salary &gt; all (select </a:t>
-            </a:r>
-            <a:r>
-              <a:rPr lang="en-US" sz="2000" dirty="0" smtClean="0"/>
-              <a:t>salary from </a:t>
-            </a:r>
-            <a:r>
-              <a:rPr lang="en-US" sz="2000" dirty="0"/>
-              <a:t>instructor</a:t>
-            </a:r>
-          </a:p>
-          <a:p>
-            <a:pPr marL="0" indent="0">
-              <a:buNone/>
-            </a:pPr>
-            <a:r>
-              <a:rPr lang="en-US" sz="2000" dirty="0"/>
-              <a:t>where dept_id = '2</a:t>
-            </a:r>
-            <a:r>
-              <a:rPr lang="en-US" sz="2000" dirty="0" smtClean="0"/>
-              <a:t>');</a:t>
-            </a:r>
-          </a:p>
-          <a:p>
-            <a:pPr marL="0" indent="0">
-              <a:buNone/>
-            </a:pPr>
-            <a:endParaRPr lang="en-US" sz="2000" dirty="0" smtClean="0"/>
-          </a:p>
-          <a:p>
-            <a:pPr marL="0" indent="0" algn="r" rtl="1">
-              <a:buNone/>
-            </a:pPr>
-            <a:r>
-              <a:rPr lang="en-US" sz="2000" dirty="0"/>
-              <a:t/>
-            </a:r>
-            <a:br>
-              <a:rPr lang="en-US" sz="2000" dirty="0"/>
-            </a:br>
-            <a:r>
-              <a:rPr lang="he-IL" sz="2000" dirty="0" smtClean="0"/>
-              <a:t>הסיבה שרק 95000 חוזר הוא ביקשנו רק את אלו שגדולים מכל אחד מהשלושה</a:t>
-            </a:r>
-          </a:p>
-          <a:p>
-            <a:pPr marL="0" indent="0" algn="l">
-              <a:buNone/>
-            </a:pPr>
-            <a:r>
-              <a:rPr lang="en-US" sz="2000" dirty="0" smtClean="0"/>
-              <a:t>&lt; All  </a:t>
-            </a:r>
-            <a:r>
-              <a:rPr lang="he-IL" sz="2000" dirty="0" smtClean="0"/>
-              <a:t> - </a:t>
-            </a:r>
-            <a:r>
-              <a:rPr lang="en-US" sz="2000" dirty="0" smtClean="0"/>
-              <a:t>every tuple that is less that each one will return:</a:t>
-            </a:r>
-            <a:endParaRPr lang="he-IL" sz="2000" dirty="0" smtClean="0"/>
-          </a:p>
-          <a:p>
-            <a:pPr marL="0" indent="0" algn="l">
-              <a:buNone/>
-            </a:pPr>
-            <a:endParaRPr lang="en-US" sz="2000" dirty="0" smtClean="0"/>
-          </a:p>
-          <a:p>
-            <a:pPr algn="l">
-              <a:buFont typeface="Wingdings"/>
-              <a:buChar char="Ø"/>
-            </a:pPr>
-            <a:endParaRPr lang="en-US" sz="2000" dirty="0" smtClean="0"/>
-          </a:p>
-          <a:p>
-            <a:pPr marL="0" indent="0" algn="l">
-              <a:buNone/>
-            </a:pPr>
-            <a:endParaRPr lang="he-IL" sz="2000" dirty="0" smtClean="0"/>
-          </a:p>
-          <a:p>
-            <a:pPr marL="0" indent="0" algn="r" rtl="1">
-              <a:buNone/>
-            </a:pPr>
-            <a:r>
-              <a:rPr lang="he-IL" sz="2000" dirty="0" smtClean="0"/>
-              <a:t>נשים לב שהרשומות שחזרו כולן קטנות מ השלושה למעלה</a:t>
-            </a:r>
-            <a:endParaRPr lang="he-IL" sz="2000" dirty="0"/>
-          </a:p>
-          <a:p>
-            <a:pPr marL="0" indent="0" algn="r" rtl="1">
-              <a:buNone/>
-            </a:pPr>
-            <a:endParaRPr lang="en-US" sz="2000" dirty="0"/>
-          </a:p>
-        </p:txBody>
-      </p:sp>
-      <p:pic>
-        <p:nvPicPr>
-          <p:cNvPr id="2050" name="Picture 2"/>
-          <p:cNvPicPr>
-            <a:picLocks noChangeAspect="1" noChangeArrowheads="1"/>
-          </p:cNvPicPr>
-          <p:nvPr/>
-        </p:nvPicPr>
-        <p:blipFill>
-          <a:blip r:embed="rId2">
-            <a:extLst>
-              <a:ext uri="{28A0092B-C50C-407E-A947-70E740481C1C}">
-                <a14:useLocalDpi xmlns:a14="http://schemas.microsoft.com/office/drawing/2010/main" val="0"/>
-              </a:ext>
-            </a:extLst>
-          </a:blip>
-          <a:srcRect/>
-          <a:stretch>
-            <a:fillRect/>
-          </a:stretch>
-        </p:blipFill>
-        <p:spPr bwMode="auto">
-          <a:xfrm>
-            <a:off x="7315200" y="1219200"/>
-            <a:ext cx="1247775" cy="685800"/>
-          </a:xfrm>
-          <a:prstGeom prst="rect">
-            <a:avLst/>
-          </a:prstGeom>
-          <a:noFill/>
-          <a:ln>
-            <a:noFill/>
-          </a:ln>
-          <a:effectLst/>
-          <a:extLst>
-            <a:ext uri="{909E8E84-426E-40DD-AFC4-6F175D3DCCD1}">
-              <a14:hiddenFill xmlns:a14="http://schemas.microsoft.com/office/drawing/2010/main">
-                <a:solidFill>
-                  <a:schemeClr val="accent1"/>
-                </a:solidFill>
-              </a14:hiddenFill>
-            </a:ext>
-            <a:ext uri="{91240B29-F687-4F45-9708-019B960494DF}">
-              <a14:hiddenLine xmlns:a14="http://schemas.microsoft.com/office/drawing/2010/main" w="9525">
-                <a:solidFill>
-                  <a:schemeClr val="tx1"/>
-                </a:solidFill>
-                <a:miter lim="800000"/>
-                <a:headEnd/>
-                <a:tailEnd/>
-              </a14:hiddenLine>
-            </a:ext>
-            <a:ext uri="{AF507438-7753-43E0-B8FC-AC1667EBCBE1}">
-              <a14:hiddenEffects xmlns:a14="http://schemas.microsoft.com/office/drawing/2010/main">
-                <a:effectLst>
-                  <a:outerShdw dist="35921" dir="2700000" algn="ctr" rotWithShape="0">
-                    <a:schemeClr val="bg2"/>
-                  </a:outerShdw>
-                </a:effectLst>
-              </a14:hiddenEffects>
-            </a:ext>
-          </a:extLst>
-        </p:spPr>
-      </p:pic>
-      <p:pic>
-        <p:nvPicPr>
-          <p:cNvPr id="2051" name="Picture 3"/>
-          <p:cNvPicPr>
-            <a:picLocks noChangeAspect="1" noChangeArrowheads="1"/>
-          </p:cNvPicPr>
-          <p:nvPr/>
-        </p:nvPicPr>
-        <p:blipFill>
-          <a:blip r:embed="rId3">
-            <a:extLst>
-              <a:ext uri="{28A0092B-C50C-407E-A947-70E740481C1C}">
-                <a14:useLocalDpi xmlns:a14="http://schemas.microsoft.com/office/drawing/2010/main" val="0"/>
-              </a:ext>
-            </a:extLst>
-          </a:blip>
-          <a:srcRect/>
-          <a:stretch>
-            <a:fillRect/>
-          </a:stretch>
-        </p:blipFill>
-        <p:spPr bwMode="auto">
-          <a:xfrm>
-            <a:off x="609600" y="2728913"/>
-            <a:ext cx="4886325" cy="466725"/>
-          </a:xfrm>
-          <a:prstGeom prst="rect">
-            <a:avLst/>
-          </a:prstGeom>
-          <a:noFill/>
-          <a:ln>
-            <a:noFill/>
-          </a:ln>
-          <a:effectLst/>
-          <a:extLst>
-            <a:ext uri="{909E8E84-426E-40DD-AFC4-6F175D3DCCD1}">
-              <a14:hiddenFill xmlns:a14="http://schemas.microsoft.com/office/drawing/2010/main">
-                <a:solidFill>
-                  <a:schemeClr val="accent1"/>
-                </a:solidFill>
-              </a14:hiddenFill>
-            </a:ext>
-            <a:ext uri="{91240B29-F687-4F45-9708-019B960494DF}">
-              <a14:hiddenLine xmlns:a14="http://schemas.microsoft.com/office/drawing/2010/main" w="9525">
-                <a:solidFill>
-                  <a:schemeClr val="tx1"/>
-                </a:solidFill>
-                <a:miter lim="800000"/>
-                <a:headEnd/>
-                <a:tailEnd/>
-              </a14:hiddenLine>
-            </a:ext>
-            <a:ext uri="{AF507438-7753-43E0-B8FC-AC1667EBCBE1}">
-              <a14:hiddenEffects xmlns:a14="http://schemas.microsoft.com/office/drawing/2010/main">
-                <a:effectLst>
-                  <a:outerShdw dist="35921" dir="2700000" algn="ctr" rotWithShape="0">
-                    <a:schemeClr val="bg2"/>
-                  </a:outerShdw>
-                </a:effectLst>
-              </a14:hiddenEffects>
-            </a:ext>
-          </a:extLst>
-        </p:spPr>
-      </p:pic>
-      <p:pic>
-        <p:nvPicPr>
-          <p:cNvPr id="2052" name="Picture 4"/>
-          <p:cNvPicPr>
-            <a:picLocks noChangeAspect="1" noChangeArrowheads="1"/>
-          </p:cNvPicPr>
-          <p:nvPr/>
-        </p:nvPicPr>
-        <p:blipFill>
-          <a:blip r:embed="rId4">
-            <a:extLst>
-              <a:ext uri="{28A0092B-C50C-407E-A947-70E740481C1C}">
-                <a14:useLocalDpi xmlns:a14="http://schemas.microsoft.com/office/drawing/2010/main" val="0"/>
-              </a:ext>
-            </a:extLst>
-          </a:blip>
-          <a:srcRect/>
-          <a:stretch>
-            <a:fillRect/>
-          </a:stretch>
-        </p:blipFill>
-        <p:spPr bwMode="auto">
-          <a:xfrm>
-            <a:off x="685800" y="4114800"/>
-            <a:ext cx="4933950" cy="857250"/>
-          </a:xfrm>
-          <a:prstGeom prst="rect">
-            <a:avLst/>
-          </a:prstGeom>
-          <a:noFill/>
-          <a:ln>
-            <a:noFill/>
-          </a:ln>
-          <a:effectLst/>
-          <a:extLst>
-            <a:ext uri="{909E8E84-426E-40DD-AFC4-6F175D3DCCD1}">
-              <a14:hiddenFill xmlns:a14="http://schemas.microsoft.com/office/drawing/2010/main">
-                <a:solidFill>
-                  <a:schemeClr val="accent1"/>
-                </a:solidFill>
-              </a14:hiddenFill>
-            </a:ext>
-            <a:ext uri="{91240B29-F687-4F45-9708-019B960494DF}">
-              <a14:hiddenLine xmlns:a14="http://schemas.microsoft.com/office/drawing/2010/main" w="9525">
-                <a:solidFill>
-                  <a:schemeClr val="tx1"/>
-                </a:solidFill>
-                <a:miter lim="800000"/>
-                <a:headEnd/>
-                <a:tailEnd/>
-              </a14:hiddenLine>
-            </a:ext>
-            <a:ext uri="{AF507438-7753-43E0-B8FC-AC1667EBCBE1}">
-              <a14:hiddenEffects xmlns:a14="http://schemas.microsoft.com/office/drawing/2010/main">
-                <a:effectLst>
-                  <a:outerShdw dist="35921" dir="2700000" algn="ctr" rotWithShape="0">
-                    <a:schemeClr val="bg2"/>
-                  </a:outerShdw>
-                </a:effectLst>
-              </a14:hiddenEffects>
-            </a:ext>
-          </a:extLst>
-        </p:spPr>
-      </p:pic>
-    </p:spTree>
-    <p:extLst>
-      <p:ext uri="{BB962C8B-B14F-4D97-AF65-F5344CB8AC3E}">
-        <p14:creationId xmlns:p14="http://schemas.microsoft.com/office/powerpoint/2010/main" val="3189873929"/>
       </p:ext>
     </p:extLst>
   </p:cSld>
@@ -20277,6 +20054,421 @@
           <a:p>
             <a:r>
               <a:rPr lang="en-US" dirty="0" smtClean="0"/>
+              <a:t>All – more examples</a:t>
+            </a:r>
+            <a:endParaRPr lang="en-US" dirty="0"/>
+          </a:p>
+        </p:txBody>
+      </p:sp>
+      <p:sp>
+        <p:nvSpPr>
+          <p:cNvPr id="3" name="Content Placeholder 2"/>
+          <p:cNvSpPr>
+            <a:spLocks noGrp="1"/>
+          </p:cNvSpPr>
+          <p:nvPr>
+            <p:ph idx="1"/>
+          </p:nvPr>
+        </p:nvSpPr>
+        <p:spPr>
+          <a:xfrm>
+            <a:off x="457200" y="1219200"/>
+            <a:ext cx="8229600" cy="4906963"/>
+          </a:xfrm>
+        </p:spPr>
+        <p:txBody>
+          <a:bodyPr>
+            <a:normAutofit/>
+          </a:bodyPr>
+          <a:lstStyle/>
+          <a:p>
+            <a:pPr marL="0" indent="0">
+              <a:buNone/>
+            </a:pPr>
+            <a:r>
+              <a:rPr lang="en-US" sz="2000" dirty="0"/>
+              <a:t>select </a:t>
+            </a:r>
+            <a:r>
+              <a:rPr lang="en-US" sz="2000" dirty="0" smtClean="0"/>
+              <a:t>salary  from instructor  where </a:t>
+            </a:r>
+            <a:r>
+              <a:rPr lang="en-US" sz="2000" dirty="0"/>
+              <a:t>dept_id = </a:t>
+            </a:r>
+            <a:r>
+              <a:rPr lang="en-US" sz="2000" dirty="0" smtClean="0"/>
+              <a:t>'2‘  returns: </a:t>
+            </a:r>
+          </a:p>
+          <a:p>
+            <a:pPr marL="0" indent="0">
+              <a:buNone/>
+            </a:pPr>
+            <a:endParaRPr lang="en-US" sz="2000" dirty="0"/>
+          </a:p>
+          <a:p>
+            <a:pPr marL="0" indent="0">
+              <a:buNone/>
+            </a:pPr>
+            <a:r>
+              <a:rPr lang="en-US" sz="2000" dirty="0"/>
+              <a:t>select * from </a:t>
+            </a:r>
+            <a:r>
+              <a:rPr lang="en-US" sz="2000" dirty="0" smtClean="0"/>
+              <a:t>instructor where </a:t>
+            </a:r>
+            <a:r>
+              <a:rPr lang="en-US" sz="2000" dirty="0"/>
+              <a:t>salary &gt; all (select </a:t>
+            </a:r>
+            <a:r>
+              <a:rPr lang="en-US" sz="2000" dirty="0" smtClean="0"/>
+              <a:t>salary from </a:t>
+            </a:r>
+            <a:r>
+              <a:rPr lang="en-US" sz="2000" dirty="0"/>
+              <a:t>instructor</a:t>
+            </a:r>
+          </a:p>
+          <a:p>
+            <a:pPr marL="0" indent="0">
+              <a:buNone/>
+            </a:pPr>
+            <a:r>
+              <a:rPr lang="en-US" sz="2000" dirty="0"/>
+              <a:t>where dept_id = '2</a:t>
+            </a:r>
+            <a:r>
+              <a:rPr lang="en-US" sz="2000" dirty="0" smtClean="0"/>
+              <a:t>');</a:t>
+            </a:r>
+          </a:p>
+          <a:p>
+            <a:pPr marL="0" indent="0">
+              <a:buNone/>
+            </a:pPr>
+            <a:endParaRPr lang="en-US" sz="2000" dirty="0" smtClean="0"/>
+          </a:p>
+          <a:p>
+            <a:pPr marL="0" indent="0" algn="r" rtl="1">
+              <a:buNone/>
+            </a:pPr>
+            <a:r>
+              <a:rPr lang="en-US" sz="2000" dirty="0"/>
+              <a:t/>
+            </a:r>
+            <a:br>
+              <a:rPr lang="en-US" sz="2000" dirty="0"/>
+            </a:br>
+            <a:r>
+              <a:rPr lang="he-IL" sz="2000" dirty="0" smtClean="0"/>
+              <a:t>הסיבה שרק 95000 חוזר הוא ביקשנו רק את אלו שגדולים מכל אחד מהשלושה</a:t>
+            </a:r>
+          </a:p>
+          <a:p>
+            <a:pPr marL="0" indent="0" algn="l">
+              <a:buNone/>
+            </a:pPr>
+            <a:r>
+              <a:rPr lang="en-US" sz="2000" dirty="0" smtClean="0"/>
+              <a:t>&lt; All  </a:t>
+            </a:r>
+            <a:r>
+              <a:rPr lang="he-IL" sz="2000" dirty="0" smtClean="0"/>
+              <a:t> - </a:t>
+            </a:r>
+            <a:r>
+              <a:rPr lang="en-US" sz="2000" dirty="0" smtClean="0"/>
+              <a:t>every tuple that is less that each one will return:</a:t>
+            </a:r>
+            <a:endParaRPr lang="he-IL" sz="2000" dirty="0" smtClean="0"/>
+          </a:p>
+          <a:p>
+            <a:pPr marL="0" indent="0" algn="l">
+              <a:buNone/>
+            </a:pPr>
+            <a:endParaRPr lang="en-US" sz="2000" dirty="0" smtClean="0"/>
+          </a:p>
+          <a:p>
+            <a:pPr algn="l">
+              <a:buFont typeface="Wingdings"/>
+              <a:buChar char="Ø"/>
+            </a:pPr>
+            <a:endParaRPr lang="en-US" sz="2000" dirty="0" smtClean="0"/>
+          </a:p>
+          <a:p>
+            <a:pPr marL="0" indent="0" algn="l">
+              <a:buNone/>
+            </a:pPr>
+            <a:endParaRPr lang="he-IL" sz="2000" dirty="0" smtClean="0"/>
+          </a:p>
+          <a:p>
+            <a:pPr marL="0" indent="0" algn="r" rtl="1">
+              <a:buNone/>
+            </a:pPr>
+            <a:r>
+              <a:rPr lang="he-IL" sz="2000" dirty="0" smtClean="0"/>
+              <a:t>נשים לב שהרשומות שחזרו כולן קטנות מ השלושה למעלה</a:t>
+            </a:r>
+            <a:endParaRPr lang="he-IL" sz="2000" dirty="0"/>
+          </a:p>
+          <a:p>
+            <a:pPr marL="0" indent="0" algn="r" rtl="1">
+              <a:buNone/>
+            </a:pPr>
+            <a:endParaRPr lang="en-US" sz="2000" dirty="0"/>
+          </a:p>
+        </p:txBody>
+      </p:sp>
+      <p:pic>
+        <p:nvPicPr>
+          <p:cNvPr id="2050" name="Picture 2"/>
+          <p:cNvPicPr>
+            <a:picLocks noChangeAspect="1" noChangeArrowheads="1"/>
+          </p:cNvPicPr>
+          <p:nvPr/>
+        </p:nvPicPr>
+        <p:blipFill>
+          <a:blip r:embed="rId2">
+            <a:extLst>
+              <a:ext uri="{28A0092B-C50C-407E-A947-70E740481C1C}">
+                <a14:useLocalDpi xmlns:a14="http://schemas.microsoft.com/office/drawing/2010/main" val="0"/>
+              </a:ext>
+            </a:extLst>
+          </a:blip>
+          <a:srcRect/>
+          <a:stretch>
+            <a:fillRect/>
+          </a:stretch>
+        </p:blipFill>
+        <p:spPr bwMode="auto">
+          <a:xfrm>
+            <a:off x="7315200" y="1219200"/>
+            <a:ext cx="1247775" cy="685800"/>
+          </a:xfrm>
+          <a:prstGeom prst="rect">
+            <a:avLst/>
+          </a:prstGeom>
+          <a:noFill/>
+          <a:ln>
+            <a:noFill/>
+          </a:ln>
+          <a:effectLst/>
+          <a:extLst>
+            <a:ext uri="{909E8E84-426E-40DD-AFC4-6F175D3DCCD1}">
+              <a14:hiddenFill xmlns:a14="http://schemas.microsoft.com/office/drawing/2010/main">
+                <a:solidFill>
+                  <a:schemeClr val="accent1"/>
+                </a:solidFill>
+              </a14:hiddenFill>
+            </a:ext>
+            <a:ext uri="{91240B29-F687-4F45-9708-019B960494DF}">
+              <a14:hiddenLine xmlns:a14="http://schemas.microsoft.com/office/drawing/2010/main" w="9525">
+                <a:solidFill>
+                  <a:schemeClr val="tx1"/>
+                </a:solidFill>
+                <a:miter lim="800000"/>
+                <a:headEnd/>
+                <a:tailEnd/>
+              </a14:hiddenLine>
+            </a:ext>
+            <a:ext uri="{AF507438-7753-43E0-B8FC-AC1667EBCBE1}">
+              <a14:hiddenEffects xmlns:a14="http://schemas.microsoft.com/office/drawing/2010/main">
+                <a:effectLst>
+                  <a:outerShdw dist="35921" dir="2700000" algn="ctr" rotWithShape="0">
+                    <a:schemeClr val="bg2"/>
+                  </a:outerShdw>
+                </a:effectLst>
+              </a14:hiddenEffects>
+            </a:ext>
+          </a:extLst>
+        </p:spPr>
+      </p:pic>
+      <p:pic>
+        <p:nvPicPr>
+          <p:cNvPr id="2051" name="Picture 3"/>
+          <p:cNvPicPr>
+            <a:picLocks noChangeAspect="1" noChangeArrowheads="1"/>
+          </p:cNvPicPr>
+          <p:nvPr/>
+        </p:nvPicPr>
+        <p:blipFill>
+          <a:blip r:embed="rId3">
+            <a:extLst>
+              <a:ext uri="{28A0092B-C50C-407E-A947-70E740481C1C}">
+                <a14:useLocalDpi xmlns:a14="http://schemas.microsoft.com/office/drawing/2010/main" val="0"/>
+              </a:ext>
+            </a:extLst>
+          </a:blip>
+          <a:srcRect/>
+          <a:stretch>
+            <a:fillRect/>
+          </a:stretch>
+        </p:blipFill>
+        <p:spPr bwMode="auto">
+          <a:xfrm>
+            <a:off x="609600" y="2728913"/>
+            <a:ext cx="4886325" cy="466725"/>
+          </a:xfrm>
+          <a:prstGeom prst="rect">
+            <a:avLst/>
+          </a:prstGeom>
+          <a:noFill/>
+          <a:ln>
+            <a:noFill/>
+          </a:ln>
+          <a:effectLst/>
+          <a:extLst>
+            <a:ext uri="{909E8E84-426E-40DD-AFC4-6F175D3DCCD1}">
+              <a14:hiddenFill xmlns:a14="http://schemas.microsoft.com/office/drawing/2010/main">
+                <a:solidFill>
+                  <a:schemeClr val="accent1"/>
+                </a:solidFill>
+              </a14:hiddenFill>
+            </a:ext>
+            <a:ext uri="{91240B29-F687-4F45-9708-019B960494DF}">
+              <a14:hiddenLine xmlns:a14="http://schemas.microsoft.com/office/drawing/2010/main" w="9525">
+                <a:solidFill>
+                  <a:schemeClr val="tx1"/>
+                </a:solidFill>
+                <a:miter lim="800000"/>
+                <a:headEnd/>
+                <a:tailEnd/>
+              </a14:hiddenLine>
+            </a:ext>
+            <a:ext uri="{AF507438-7753-43E0-B8FC-AC1667EBCBE1}">
+              <a14:hiddenEffects xmlns:a14="http://schemas.microsoft.com/office/drawing/2010/main">
+                <a:effectLst>
+                  <a:outerShdw dist="35921" dir="2700000" algn="ctr" rotWithShape="0">
+                    <a:schemeClr val="bg2"/>
+                  </a:outerShdw>
+                </a:effectLst>
+              </a14:hiddenEffects>
+            </a:ext>
+          </a:extLst>
+        </p:spPr>
+      </p:pic>
+      <p:pic>
+        <p:nvPicPr>
+          <p:cNvPr id="2052" name="Picture 4"/>
+          <p:cNvPicPr>
+            <a:picLocks noChangeAspect="1" noChangeArrowheads="1"/>
+          </p:cNvPicPr>
+          <p:nvPr/>
+        </p:nvPicPr>
+        <p:blipFill>
+          <a:blip r:embed="rId4">
+            <a:extLst>
+              <a:ext uri="{28A0092B-C50C-407E-A947-70E740481C1C}">
+                <a14:useLocalDpi xmlns:a14="http://schemas.microsoft.com/office/drawing/2010/main" val="0"/>
+              </a:ext>
+            </a:extLst>
+          </a:blip>
+          <a:srcRect/>
+          <a:stretch>
+            <a:fillRect/>
+          </a:stretch>
+        </p:blipFill>
+        <p:spPr bwMode="auto">
+          <a:xfrm>
+            <a:off x="685800" y="4114800"/>
+            <a:ext cx="4933950" cy="857250"/>
+          </a:xfrm>
+          <a:prstGeom prst="rect">
+            <a:avLst/>
+          </a:prstGeom>
+          <a:noFill/>
+          <a:ln>
+            <a:noFill/>
+          </a:ln>
+          <a:effectLst/>
+          <a:extLst>
+            <a:ext uri="{909E8E84-426E-40DD-AFC4-6F175D3DCCD1}">
+              <a14:hiddenFill xmlns:a14="http://schemas.microsoft.com/office/drawing/2010/main">
+                <a:solidFill>
+                  <a:schemeClr val="accent1"/>
+                </a:solidFill>
+              </a14:hiddenFill>
+            </a:ext>
+            <a:ext uri="{91240B29-F687-4F45-9708-019B960494DF}">
+              <a14:hiddenLine xmlns:a14="http://schemas.microsoft.com/office/drawing/2010/main" w="9525">
+                <a:solidFill>
+                  <a:schemeClr val="tx1"/>
+                </a:solidFill>
+                <a:miter lim="800000"/>
+                <a:headEnd/>
+                <a:tailEnd/>
+              </a14:hiddenLine>
+            </a:ext>
+            <a:ext uri="{AF507438-7753-43E0-B8FC-AC1667EBCBE1}">
+              <a14:hiddenEffects xmlns:a14="http://schemas.microsoft.com/office/drawing/2010/main">
+                <a:effectLst>
+                  <a:outerShdw dist="35921" dir="2700000" algn="ctr" rotWithShape="0">
+                    <a:schemeClr val="bg2"/>
+                  </a:outerShdw>
+                </a:effectLst>
+              </a14:hiddenEffects>
+            </a:ext>
+          </a:extLst>
+        </p:spPr>
+      </p:pic>
+    </p:spTree>
+    <p:extLst>
+      <p:ext uri="{BB962C8B-B14F-4D97-AF65-F5344CB8AC3E}">
+        <p14:creationId xmlns:p14="http://schemas.microsoft.com/office/powerpoint/2010/main" val="3189873929"/>
+      </p:ext>
+    </p:extLst>
+  </p:cSld>
+  <p:clrMapOvr>
+    <a:masterClrMapping/>
+  </p:clrMapOvr>
+  <p:timing>
+    <p:tnLst>
+      <p:par>
+        <p:cTn id="1" dur="indefinite" restart="never" nodeType="tmRoot"/>
+      </p:par>
+    </p:tnLst>
+  </p:timing>
+</p:sld>
+</file>
+
+<file path=ppt/slides/slide61.xml><?xml version="1.0" encoding="utf-8"?>
+<p:sld xmlns:a="http://schemas.openxmlformats.org/drawingml/2006/main" xmlns:r="http://schemas.openxmlformats.org/officeDocument/2006/relationships" xmlns:p="http://schemas.openxmlformats.org/presentationml/2006/main">
+  <p:cSld>
+    <p:spTree>
+      <p:nvGrpSpPr>
+        <p:cNvPr id="1" name=""/>
+        <p:cNvGrpSpPr/>
+        <p:nvPr/>
+      </p:nvGrpSpPr>
+      <p:grpSpPr>
+        <a:xfrm>
+          <a:off x="0" y="0"/>
+          <a:ext cx="0" cy="0"/>
+          <a:chOff x="0" y="0"/>
+          <a:chExt cx="0" cy="0"/>
+        </a:xfrm>
+      </p:grpSpPr>
+      <p:sp>
+        <p:nvSpPr>
+          <p:cNvPr id="2" name="Title 1"/>
+          <p:cNvSpPr>
+            <a:spLocks noGrp="1"/>
+          </p:cNvSpPr>
+          <p:nvPr>
+            <p:ph type="title"/>
+          </p:nvPr>
+        </p:nvSpPr>
+        <p:spPr/>
+        <p:txBody>
+          <a:bodyPr/>
+          <a:lstStyle/>
+          <a:p>
+            <a:r>
+              <a:rPr lang="en-US" dirty="0" smtClean="0"/>
               <a:t>All  &lt;=</a:t>
             </a:r>
             <a:endParaRPr lang="en-US" dirty="0"/>
@@ -20651,7 +20843,7 @@
 </p:sld>
 </file>
 
-<file path=ppt/slides/slide61.xml><?xml version="1.0" encoding="utf-8"?>
+<file path=ppt/slides/slide62.xml><?xml version="1.0" encoding="utf-8"?>
 <p:sld xmlns:a="http://schemas.openxmlformats.org/drawingml/2006/main" xmlns:r="http://schemas.openxmlformats.org/officeDocument/2006/relationships" xmlns:p="http://schemas.openxmlformats.org/presentationml/2006/main">
   <p:cSld>
     <p:spTree>
@@ -20872,7 +21064,7 @@
 </p:sld>
 </file>
 
-<file path=ppt/slides/slide62.xml><?xml version="1.0" encoding="utf-8"?>
+<file path=ppt/slides/slide63.xml><?xml version="1.0" encoding="utf-8"?>
 <p:sld xmlns:a="http://schemas.openxmlformats.org/drawingml/2006/main" xmlns:r="http://schemas.openxmlformats.org/officeDocument/2006/relationships" xmlns:p="http://schemas.openxmlformats.org/presentationml/2006/main">
   <p:cSld>
     <p:spTree>
@@ -21208,105 +21400,6 @@
     <p:extLst>
       <p:ext uri="{BB962C8B-B14F-4D97-AF65-F5344CB8AC3E}">
         <p14:creationId xmlns:p14="http://schemas.microsoft.com/office/powerpoint/2010/main" val="4243587845"/>
-      </p:ext>
-    </p:extLst>
-  </p:cSld>
-  <p:clrMapOvr>
-    <a:masterClrMapping/>
-  </p:clrMapOvr>
-  <p:timing>
-    <p:tnLst>
-      <p:par>
-        <p:cTn id="1" dur="indefinite" restart="never" nodeType="tmRoot"/>
-      </p:par>
-    </p:tnLst>
-  </p:timing>
-</p:sld>
-</file>
-
-<file path=ppt/slides/slide63.xml><?xml version="1.0" encoding="utf-8"?>
-<p:sld xmlns:a="http://schemas.openxmlformats.org/drawingml/2006/main" xmlns:r="http://schemas.openxmlformats.org/officeDocument/2006/relationships" xmlns:p="http://schemas.openxmlformats.org/presentationml/2006/main">
-  <p:cSld>
-    <p:spTree>
-      <p:nvGrpSpPr>
-        <p:cNvPr id="1" name=""/>
-        <p:cNvGrpSpPr/>
-        <p:nvPr/>
-      </p:nvGrpSpPr>
-      <p:grpSpPr>
-        <a:xfrm>
-          <a:off x="0" y="0"/>
-          <a:ext cx="0" cy="0"/>
-          <a:chOff x="0" y="0"/>
-          <a:chExt cx="0" cy="0"/>
-        </a:xfrm>
-      </p:grpSpPr>
-      <p:sp>
-        <p:nvSpPr>
-          <p:cNvPr id="2" name="Title 1"/>
-          <p:cNvSpPr>
-            <a:spLocks noGrp="1"/>
-          </p:cNvSpPr>
-          <p:nvPr>
-            <p:ph type="title"/>
-          </p:nvPr>
-        </p:nvSpPr>
-        <p:spPr/>
-        <p:txBody>
-          <a:bodyPr>
-            <a:normAutofit/>
-          </a:bodyPr>
-          <a:lstStyle/>
-          <a:p>
-            <a:r>
-              <a:rPr lang="en-US" sz="2800" dirty="0" smtClean="0"/>
-              <a:t>Correlated sub query.</a:t>
-            </a:r>
-            <a:r>
-              <a:rPr lang="he-IL" sz="2800" dirty="0" smtClean="0"/>
-              <a:t/>
-            </a:r>
-            <a:br>
-              <a:rPr lang="he-IL" sz="2800" dirty="0" smtClean="0"/>
-            </a:br>
-            <a:r>
-              <a:rPr lang="en-US" sz="2800" dirty="0"/>
-              <a:t>3.8.3 Test for Empty Relations</a:t>
-            </a:r>
-          </a:p>
-        </p:txBody>
-      </p:sp>
-      <p:sp>
-        <p:nvSpPr>
-          <p:cNvPr id="3" name="Content Placeholder 2"/>
-          <p:cNvSpPr>
-            <a:spLocks noGrp="1"/>
-          </p:cNvSpPr>
-          <p:nvPr>
-            <p:ph idx="1"/>
-          </p:nvPr>
-        </p:nvSpPr>
-        <p:spPr/>
-        <p:txBody>
-          <a:bodyPr/>
-          <a:lstStyle/>
-          <a:p>
-            <a:r>
-              <a:rPr lang="en-US" dirty="0" err="1" smtClean="0"/>
-              <a:t>Postgres</a:t>
-            </a:r>
-            <a:r>
-              <a:rPr lang="en-US" dirty="0" smtClean="0"/>
-              <a:t> does not have unique implemented yet , moving forward…</a:t>
-            </a:r>
-            <a:endParaRPr lang="en-US" dirty="0"/>
-          </a:p>
-        </p:txBody>
-      </p:sp>
-    </p:spTree>
-    <p:extLst>
-      <p:ext uri="{BB962C8B-B14F-4D97-AF65-F5344CB8AC3E}">
-        <p14:creationId xmlns:p14="http://schemas.microsoft.com/office/powerpoint/2010/main" val="681010070"/>
       </p:ext>
     </p:extLst>
   </p:cSld>
@@ -21353,6 +21446,105 @@
         <p:spPr/>
         <p:txBody>
           <a:bodyPr>
+            <a:normAutofit/>
+          </a:bodyPr>
+          <a:lstStyle/>
+          <a:p>
+            <a:r>
+              <a:rPr lang="en-US" sz="2800" dirty="0" smtClean="0"/>
+              <a:t>Correlated sub query.</a:t>
+            </a:r>
+            <a:r>
+              <a:rPr lang="he-IL" sz="2800" dirty="0" smtClean="0"/>
+              <a:t/>
+            </a:r>
+            <a:br>
+              <a:rPr lang="he-IL" sz="2800" dirty="0" smtClean="0"/>
+            </a:br>
+            <a:r>
+              <a:rPr lang="en-US" sz="2800" dirty="0"/>
+              <a:t>3.8.3 Test for Empty Relations</a:t>
+            </a:r>
+          </a:p>
+        </p:txBody>
+      </p:sp>
+      <p:sp>
+        <p:nvSpPr>
+          <p:cNvPr id="3" name="Content Placeholder 2"/>
+          <p:cNvSpPr>
+            <a:spLocks noGrp="1"/>
+          </p:cNvSpPr>
+          <p:nvPr>
+            <p:ph idx="1"/>
+          </p:nvPr>
+        </p:nvSpPr>
+        <p:spPr/>
+        <p:txBody>
+          <a:bodyPr/>
+          <a:lstStyle/>
+          <a:p>
+            <a:r>
+              <a:rPr lang="en-US" dirty="0" err="1" smtClean="0"/>
+              <a:t>Postgres</a:t>
+            </a:r>
+            <a:r>
+              <a:rPr lang="en-US" dirty="0" smtClean="0"/>
+              <a:t> does not have unique implemented yet , moving forward…</a:t>
+            </a:r>
+            <a:endParaRPr lang="en-US" dirty="0"/>
+          </a:p>
+        </p:txBody>
+      </p:sp>
+    </p:spTree>
+    <p:extLst>
+      <p:ext uri="{BB962C8B-B14F-4D97-AF65-F5344CB8AC3E}">
+        <p14:creationId xmlns:p14="http://schemas.microsoft.com/office/powerpoint/2010/main" val="681010070"/>
+      </p:ext>
+    </p:extLst>
+  </p:cSld>
+  <p:clrMapOvr>
+    <a:masterClrMapping/>
+  </p:clrMapOvr>
+  <p:timing>
+    <p:tnLst>
+      <p:par>
+        <p:cTn id="1" dur="indefinite" restart="never" nodeType="tmRoot"/>
+      </p:par>
+    </p:tnLst>
+  </p:timing>
+</p:sld>
+</file>
+
+<file path=ppt/slides/slide65.xml><?xml version="1.0" encoding="utf-8"?>
+<p:sld xmlns:a="http://schemas.openxmlformats.org/drawingml/2006/main" xmlns:r="http://schemas.openxmlformats.org/officeDocument/2006/relationships" xmlns:p="http://schemas.openxmlformats.org/presentationml/2006/main">
+  <p:cSld>
+    <p:spTree>
+      <p:nvGrpSpPr>
+        <p:cNvPr id="1" name=""/>
+        <p:cNvGrpSpPr/>
+        <p:nvPr/>
+      </p:nvGrpSpPr>
+      <p:grpSpPr>
+        <a:xfrm>
+          <a:off x="0" y="0"/>
+          <a:ext cx="0" cy="0"/>
+          <a:chOff x="0" y="0"/>
+          <a:chExt cx="0" cy="0"/>
+        </a:xfrm>
+      </p:grpSpPr>
+      <p:sp>
+        <p:nvSpPr>
+          <p:cNvPr id="2" name="Title 1"/>
+          <p:cNvSpPr>
+            <a:spLocks noGrp="1"/>
+          </p:cNvSpPr>
+          <p:nvPr>
+            <p:ph type="title"/>
+          </p:nvPr>
+        </p:nvSpPr>
+        <p:spPr/>
+        <p:txBody>
+          <a:bodyPr>
             <a:normAutofit fontScale="90000"/>
           </a:bodyPr>
           <a:lstStyle/>
@@ -22050,7 +22242,7 @@
 </p:sld>
 </file>
 
-<file path=ppt/slides/slide65.xml><?xml version="1.0" encoding="utf-8"?>
+<file path=ppt/slides/slide66.xml><?xml version="1.0" encoding="utf-8"?>
 <p:sld xmlns:a="http://schemas.openxmlformats.org/drawingml/2006/main" xmlns:r="http://schemas.openxmlformats.org/officeDocument/2006/relationships" xmlns:p="http://schemas.openxmlformats.org/presentationml/2006/main">
   <p:cSld>
     <p:spTree>
@@ -22537,7 +22729,7 @@
 </p:sld>
 </file>
 
-<file path=ppt/slides/slide66.xml><?xml version="1.0" encoding="utf-8"?>
+<file path=ppt/slides/slide67.xml><?xml version="1.0" encoding="utf-8"?>
 <p:sld xmlns:a="http://schemas.openxmlformats.org/drawingml/2006/main" xmlns:r="http://schemas.openxmlformats.org/officeDocument/2006/relationships" xmlns:p="http://schemas.openxmlformats.org/presentationml/2006/main">
   <p:cSld>
     <p:spTree>
@@ -22884,7 +23076,7 @@
 </p:sld>
 </file>
 
-<file path=ppt/slides/slide67.xml><?xml version="1.0" encoding="utf-8"?>
+<file path=ppt/slides/slide68.xml><?xml version="1.0" encoding="utf-8"?>
 <p:sld xmlns:a="http://schemas.openxmlformats.org/drawingml/2006/main" xmlns:r="http://schemas.openxmlformats.org/officeDocument/2006/relationships" xmlns:p="http://schemas.openxmlformats.org/presentationml/2006/main">
   <p:cSld>
     <p:spTree>
@@ -23065,7 +23257,7 @@
 </p:sld>
 </file>
 
-<file path=ppt/slides/slide68.xml><?xml version="1.0" encoding="utf-8"?>
+<file path=ppt/slides/slide69.xml><?xml version="1.0" encoding="utf-8"?>
 <p:sld xmlns:a="http://schemas.openxmlformats.org/drawingml/2006/main" xmlns:r="http://schemas.openxmlformats.org/officeDocument/2006/relationships" xmlns:p="http://schemas.openxmlformats.org/presentationml/2006/main">
   <p:cSld>
     <p:spTree>
@@ -23360,188 +23552,6 @@
     <p:extLst>
       <p:ext uri="{BB962C8B-B14F-4D97-AF65-F5344CB8AC3E}">
         <p14:creationId xmlns:p14="http://schemas.microsoft.com/office/powerpoint/2010/main" val="2190000310"/>
-      </p:ext>
-    </p:extLst>
-  </p:cSld>
-  <p:clrMapOvr>
-    <a:masterClrMapping/>
-  </p:clrMapOvr>
-  <p:timing>
-    <p:tnLst>
-      <p:par>
-        <p:cTn id="1" dur="indefinite" restart="never" nodeType="tmRoot"/>
-      </p:par>
-    </p:tnLst>
-  </p:timing>
-</p:sld>
-</file>
-
-<file path=ppt/slides/slide69.xml><?xml version="1.0" encoding="utf-8"?>
-<p:sld xmlns:a="http://schemas.openxmlformats.org/drawingml/2006/main" xmlns:r="http://schemas.openxmlformats.org/officeDocument/2006/relationships" xmlns:p="http://schemas.openxmlformats.org/presentationml/2006/main">
-  <p:cSld>
-    <p:spTree>
-      <p:nvGrpSpPr>
-        <p:cNvPr id="1" name=""/>
-        <p:cNvGrpSpPr/>
-        <p:nvPr/>
-      </p:nvGrpSpPr>
-      <p:grpSpPr>
-        <a:xfrm>
-          <a:off x="0" y="0"/>
-          <a:ext cx="0" cy="0"/>
-          <a:chOff x="0" y="0"/>
-          <a:chExt cx="0" cy="0"/>
-        </a:xfrm>
-      </p:grpSpPr>
-      <p:sp>
-        <p:nvSpPr>
-          <p:cNvPr id="2" name="Title 1"/>
-          <p:cNvSpPr>
-            <a:spLocks noGrp="1"/>
-          </p:cNvSpPr>
-          <p:nvPr>
-            <p:ph type="title"/>
-          </p:nvPr>
-        </p:nvSpPr>
-        <p:spPr/>
-        <p:txBody>
-          <a:bodyPr>
-            <a:normAutofit fontScale="90000"/>
-          </a:bodyPr>
-          <a:lstStyle/>
-          <a:p>
-            <a:r>
-              <a:rPr lang="en-US" dirty="0"/>
-              <a:t>Chapter 4</a:t>
-            </a:r>
-            <a:r>
-              <a:rPr lang="en-US" dirty="0" smtClean="0"/>
-              <a:t/>
-            </a:r>
-            <a:br>
-              <a:rPr lang="en-US" dirty="0" smtClean="0"/>
-            </a:br>
-            <a:r>
-              <a:rPr lang="en-US" dirty="0" smtClean="0"/>
-              <a:t>Intermediate SQL</a:t>
-            </a:r>
-            <a:endParaRPr lang="en-US" dirty="0"/>
-          </a:p>
-        </p:txBody>
-      </p:sp>
-      <p:sp>
-        <p:nvSpPr>
-          <p:cNvPr id="3" name="Content Placeholder 2"/>
-          <p:cNvSpPr>
-            <a:spLocks noGrp="1"/>
-          </p:cNvSpPr>
-          <p:nvPr>
-            <p:ph idx="1"/>
-          </p:nvPr>
-        </p:nvSpPr>
-        <p:spPr/>
-        <p:txBody>
-          <a:bodyPr>
-            <a:normAutofit/>
-          </a:bodyPr>
-          <a:lstStyle/>
-          <a:p>
-            <a:pPr marL="0" indent="0" algn="r" rtl="1">
-              <a:buNone/>
-            </a:pPr>
-            <a:r>
-              <a:rPr lang="he-IL" sz="1800" dirty="0" smtClean="0"/>
-              <a:t>לא אומר שההסבר קשה </a:t>
-            </a:r>
-          </a:p>
-          <a:p>
-            <a:pPr marL="0" indent="0" algn="r" rtl="1">
-              <a:buNone/>
-            </a:pPr>
-            <a:r>
-              <a:rPr lang="he-IL" sz="1800" dirty="0" smtClean="0"/>
-              <a:t>אבל בשביל להבין הכי טוב </a:t>
-            </a:r>
-            <a:r>
-              <a:rPr lang="en-US" sz="1800" dirty="0" smtClean="0"/>
-              <a:t>join, left join , right joint and full join </a:t>
-            </a:r>
-          </a:p>
-          <a:p>
-            <a:pPr marL="0" indent="0" algn="r" rtl="1">
-              <a:buNone/>
-            </a:pPr>
-            <a:r>
-              <a:rPr lang="en-US" sz="1800" dirty="0" smtClean="0"/>
-              <a:t>See this</a:t>
-            </a:r>
-          </a:p>
-          <a:p>
-            <a:pPr marL="0" indent="0" algn="r" rtl="1">
-              <a:buNone/>
-            </a:pPr>
-            <a:r>
-              <a:rPr lang="en-US" sz="1800" dirty="0">
-                <a:hlinkClick r:id="rId2"/>
-              </a:rPr>
-              <a:t>https://</a:t>
-            </a:r>
-            <a:r>
-              <a:rPr lang="en-US" sz="1800" dirty="0" smtClean="0">
-                <a:hlinkClick r:id="rId2"/>
-              </a:rPr>
-              <a:t>www.youtube.com/watch?v=wW4xcQ3FFp4</a:t>
-            </a:r>
-            <a:endParaRPr lang="en-US" sz="1800" dirty="0" smtClean="0"/>
-          </a:p>
-          <a:p>
-            <a:pPr marL="0" indent="0" algn="r" rtl="1">
-              <a:buNone/>
-            </a:pPr>
-            <a:r>
-              <a:rPr lang="en-US" sz="1800" dirty="0">
-                <a:hlinkClick r:id="rId3"/>
-              </a:rPr>
-              <a:t>https://</a:t>
-            </a:r>
-            <a:r>
-              <a:rPr lang="en-US" sz="1800" dirty="0" smtClean="0">
-                <a:hlinkClick r:id="rId3"/>
-              </a:rPr>
-              <a:t>www.youtube.com/watch?v=GKGtOABAO9s&amp;index=13&amp;list=PL08903FB7ACA1C2FB</a:t>
-            </a:r>
-            <a:endParaRPr lang="en-US" sz="1800" dirty="0" smtClean="0"/>
-          </a:p>
-          <a:p>
-            <a:pPr marL="0" indent="0" algn="r" rtl="1">
-              <a:buNone/>
-            </a:pPr>
-            <a:r>
-              <a:rPr lang="en-US" sz="1800" dirty="0">
-                <a:hlinkClick r:id="rId4"/>
-              </a:rPr>
-              <a:t>https://</a:t>
-            </a:r>
-            <a:r>
-              <a:rPr lang="en-US" sz="1800" dirty="0" smtClean="0">
-                <a:hlinkClick r:id="rId4"/>
-              </a:rPr>
-              <a:t>www.youtube.com/watch?v=qnYSN_7qwgg&amp;index=14&amp;list=PL08903FB7ACA1C2FB</a:t>
-            </a:r>
-            <a:endParaRPr lang="en-US" sz="1800" dirty="0" smtClean="0"/>
-          </a:p>
-          <a:p>
-            <a:pPr marL="0" indent="0" algn="r" rtl="1">
-              <a:buNone/>
-            </a:pPr>
-            <a:endParaRPr lang="en-US" sz="1800" dirty="0"/>
-          </a:p>
-        </p:txBody>
-      </p:sp>
-    </p:spTree>
-    <p:extLst>
-      <p:ext uri="{BB962C8B-B14F-4D97-AF65-F5344CB8AC3E}">
-        <p14:creationId xmlns:p14="http://schemas.microsoft.com/office/powerpoint/2010/main" val="3564192107"/>
       </p:ext>
     </p:extLst>
   </p:cSld>
@@ -23746,12 +23756,25 @@
         </p:nvSpPr>
         <p:spPr/>
         <p:txBody>
-          <a:bodyPr/>
+          <a:bodyPr>
+            <a:normAutofit fontScale="90000"/>
+          </a:bodyPr>
           <a:lstStyle/>
           <a:p>
             <a:r>
+              <a:rPr lang="en-US" dirty="0"/>
+              <a:t>Chapter 4</a:t>
+            </a:r>
+            <a:r>
               <a:rPr lang="en-US" dirty="0" smtClean="0"/>
-              <a:t>SQL Views</a:t>
+              <a:t/>
+            </a:r>
+            <a:br>
+              <a:rPr lang="en-US" dirty="0" smtClean="0"/>
+            </a:br>
+            <a:r>
+              <a:rPr lang="en-US" dirty="0" smtClean="0"/>
+              <a:t>Intermediate SQL</a:t>
             </a:r>
             <a:endParaRPr lang="en-US" dirty="0"/>
           </a:p>
@@ -23770,276 +23793,106 @@
         <p:spPr/>
         <p:txBody>
           <a:bodyPr>
-            <a:normAutofit fontScale="92500" lnSpcReduction="20000"/>
+            <a:normAutofit/>
           </a:bodyPr>
           <a:lstStyle/>
           <a:p>
-            <a:pPr marL="0" indent="0">
-              <a:buNone/>
-            </a:pPr>
-            <a:r>
-              <a:rPr lang="en-US" sz="2400" dirty="0"/>
-              <a:t>Learn from this </a:t>
-            </a:r>
-            <a:r>
-              <a:rPr lang="en-US" sz="2400" dirty="0" smtClean="0"/>
-              <a:t>link:</a:t>
-            </a:r>
-            <a:endParaRPr lang="en-US" sz="2400" dirty="0"/>
-          </a:p>
-          <a:p>
-            <a:pPr marL="0" indent="0">
-              <a:buNone/>
-            </a:pPr>
-            <a:r>
-              <a:rPr lang="en-US" sz="2400" dirty="0" smtClean="0">
+            <a:pPr marL="0" indent="0" algn="r" rtl="1">
+              <a:buNone/>
+            </a:pPr>
+            <a:r>
+              <a:rPr lang="he-IL" sz="1800" dirty="0" smtClean="0"/>
+              <a:t>לא אומר שההסבר קשה </a:t>
+            </a:r>
+          </a:p>
+          <a:p>
+            <a:pPr marL="0" indent="0" algn="r" rtl="1">
+              <a:buNone/>
+            </a:pPr>
+            <a:r>
+              <a:rPr lang="he-IL" sz="1800" dirty="0" smtClean="0"/>
+              <a:t>אבל בשביל להבין הכי טוב </a:t>
+            </a:r>
+            <a:r>
+              <a:rPr lang="en-US" sz="1800" dirty="0" smtClean="0"/>
+              <a:t>join, left join , right joint and full join </a:t>
+            </a:r>
+          </a:p>
+          <a:p>
+            <a:pPr marL="0" indent="0" algn="r" rtl="1">
+              <a:buNone/>
+            </a:pPr>
+            <a:r>
+              <a:rPr lang="en-US" sz="1800" dirty="0" smtClean="0"/>
+              <a:t>See this</a:t>
+            </a:r>
+          </a:p>
+          <a:p>
+            <a:pPr marL="0" indent="0" algn="r" rtl="1">
+              <a:buNone/>
+            </a:pPr>
+            <a:r>
+              <a:rPr lang="en-US" sz="1800" dirty="0">
                 <a:hlinkClick r:id="rId2"/>
               </a:rPr>
-              <a:t>https</a:t>
-            </a:r>
-            <a:r>
-              <a:rPr lang="en-US" sz="2400" dirty="0">
+              <a:t>https://</a:t>
+            </a:r>
+            <a:r>
+              <a:rPr lang="en-US" sz="1800" dirty="0" smtClean="0">
                 <a:hlinkClick r:id="rId2"/>
               </a:rPr>
-              <a:t>://</a:t>
-            </a:r>
-            <a:r>
-              <a:rPr lang="en-US" sz="2400" dirty="0" smtClean="0">
-                <a:hlinkClick r:id="rId2"/>
+              <a:t>www.youtube.com/watch?v=wW4xcQ3FFp4</a:t>
+            </a:r>
+            <a:endParaRPr lang="en-US" sz="1800" dirty="0" smtClean="0"/>
+          </a:p>
+          <a:p>
+            <a:pPr marL="0" indent="0" algn="r" rtl="1">
+              <a:buNone/>
+            </a:pPr>
+            <a:r>
+              <a:rPr lang="en-US" sz="1800" dirty="0">
+                <a:hlinkClick r:id="rId3"/>
               </a:rPr>
-              <a:t>www.youtube.com/watch?v=VQpmOmZO2mo</a:t>
-            </a:r>
-            <a:endParaRPr lang="en-US" sz="2400" dirty="0" smtClean="0"/>
-          </a:p>
-          <a:p>
-            <a:pPr marL="0" indent="0">
-              <a:buNone/>
-            </a:pPr>
-            <a:r>
-              <a:rPr lang="en-US" sz="2400" dirty="0" smtClean="0"/>
-              <a:t>create </a:t>
-            </a:r>
-            <a:r>
-              <a:rPr lang="en-US" sz="2400" dirty="0"/>
-              <a:t>view v as &lt;query expression</a:t>
-            </a:r>
-            <a:r>
-              <a:rPr lang="en-US" sz="2400" dirty="0" smtClean="0"/>
-              <a:t>&gt;</a:t>
-            </a:r>
-          </a:p>
-          <a:p>
-            <a:pPr marL="0" indent="0">
-              <a:buNone/>
-            </a:pPr>
-            <a:r>
-              <a:rPr lang="en-US" sz="1500" dirty="0"/>
-              <a:t>create view physics fall 2009 as</a:t>
-            </a:r>
-          </a:p>
-          <a:p>
-            <a:pPr marL="0" indent="0">
-              <a:buNone/>
-            </a:pPr>
-            <a:r>
-              <a:rPr lang="en-US" sz="1500" dirty="0" smtClean="0"/>
-              <a:t>select course.course_id</a:t>
-            </a:r>
-            <a:r>
-              <a:rPr lang="en-US" sz="1500" dirty="0"/>
-              <a:t>, sec id, building, room number</a:t>
-            </a:r>
-          </a:p>
-          <a:p>
-            <a:pPr marL="0" indent="0">
-              <a:buNone/>
-            </a:pPr>
-            <a:r>
-              <a:rPr lang="en-US" sz="1500" dirty="0" smtClean="0"/>
-              <a:t>from </a:t>
-            </a:r>
-            <a:r>
-              <a:rPr lang="en-US" sz="1500" dirty="0"/>
-              <a:t>course, section</a:t>
-            </a:r>
-          </a:p>
-          <a:p>
-            <a:pPr marL="0" indent="0">
-              <a:buNone/>
-            </a:pPr>
-            <a:r>
-              <a:rPr lang="en-US" sz="1500" dirty="0" smtClean="0"/>
-              <a:t>where course.course_id </a:t>
-            </a:r>
-            <a:r>
-              <a:rPr lang="en-US" sz="1500" dirty="0"/>
-              <a:t>= </a:t>
-            </a:r>
-            <a:r>
-              <a:rPr lang="en-US" sz="1500" dirty="0" smtClean="0"/>
-              <a:t>section.course_id</a:t>
-            </a:r>
-            <a:endParaRPr lang="en-US" sz="1500" dirty="0"/>
-          </a:p>
-          <a:p>
-            <a:pPr marL="0" indent="0">
-              <a:buNone/>
-            </a:pPr>
-            <a:r>
-              <a:rPr lang="en-US" sz="1500" dirty="0" smtClean="0"/>
-              <a:t>and </a:t>
-            </a:r>
-            <a:r>
-              <a:rPr lang="en-US" sz="1500" dirty="0"/>
-              <a:t>course.dept name = ’Physics’</a:t>
-            </a:r>
-          </a:p>
-          <a:p>
-            <a:pPr marL="0" indent="0">
-              <a:buNone/>
-            </a:pPr>
-            <a:r>
-              <a:rPr lang="en-US" sz="1500" dirty="0" smtClean="0"/>
-              <a:t>and </a:t>
-            </a:r>
-            <a:r>
-              <a:rPr lang="en-US" sz="1500" dirty="0"/>
-              <a:t>section.semester = ’Fall’</a:t>
-            </a:r>
-          </a:p>
-          <a:p>
-            <a:pPr marL="0" indent="0">
-              <a:buNone/>
-            </a:pPr>
-            <a:r>
-              <a:rPr lang="en-US" sz="1500" dirty="0" smtClean="0"/>
-              <a:t>and </a:t>
-            </a:r>
-            <a:r>
-              <a:rPr lang="en-US" sz="1500" dirty="0"/>
-              <a:t>section.year = ’2009’;</a:t>
-            </a:r>
-            <a:endParaRPr lang="en-US" sz="1500" dirty="0" smtClean="0"/>
-          </a:p>
-          <a:p>
-            <a:pPr marL="0" indent="0">
-              <a:buNone/>
-            </a:pPr>
-            <a:endParaRPr lang="en-US" sz="1200" dirty="0" smtClean="0"/>
-          </a:p>
-          <a:p>
-            <a:pPr marL="0" indent="0">
-              <a:buNone/>
-            </a:pPr>
-            <a:r>
-              <a:rPr lang="en-US" sz="1200" dirty="0" smtClean="0"/>
-              <a:t>Using </a:t>
-            </a:r>
-            <a:r>
-              <a:rPr lang="en-US" sz="1200" dirty="0"/>
-              <a:t>Views in SQL Queries</a:t>
-            </a:r>
-          </a:p>
-          <a:p>
-            <a:pPr marL="0" indent="0">
-              <a:buNone/>
-            </a:pPr>
-            <a:r>
-              <a:rPr lang="en-US" sz="1200" dirty="0" smtClean="0"/>
-              <a:t>Once </a:t>
-            </a:r>
-            <a:r>
-              <a:rPr lang="en-US" sz="1200" dirty="0"/>
-              <a:t>we have defined a view, we can use the view name to refer to the virtual</a:t>
-            </a:r>
-          </a:p>
-          <a:p>
-            <a:pPr marL="0" indent="0">
-              <a:buNone/>
-            </a:pPr>
-            <a:r>
-              <a:rPr lang="en-US" sz="1200" dirty="0" smtClean="0"/>
-              <a:t>relation </a:t>
-            </a:r>
-            <a:r>
-              <a:rPr lang="en-US" sz="1200" dirty="0"/>
-              <a:t>that the view generates. Using the view physics fall 2009, we can find</a:t>
-            </a:r>
-          </a:p>
-          <a:p>
-            <a:pPr marL="0" indent="0">
-              <a:buNone/>
-            </a:pPr>
-            <a:r>
-              <a:rPr lang="en-US" sz="1200" dirty="0" smtClean="0"/>
-              <a:t>all </a:t>
-            </a:r>
-            <a:r>
-              <a:rPr lang="en-US" sz="1200" dirty="0"/>
-              <a:t>Physics courses offered in the Fall 2009 semester in the Watson building by</a:t>
-            </a:r>
-          </a:p>
-          <a:p>
-            <a:pPr marL="0" indent="0">
-              <a:buNone/>
-            </a:pPr>
-            <a:r>
-              <a:rPr lang="en-US" sz="1200" dirty="0" smtClean="0"/>
-              <a:t>writing</a:t>
-            </a:r>
-            <a:r>
-              <a:rPr lang="en-US" sz="1200" dirty="0"/>
-              <a:t>:</a:t>
-            </a:r>
-          </a:p>
-          <a:p>
-            <a:pPr marL="0" indent="0">
-              <a:buNone/>
-            </a:pPr>
-            <a:endParaRPr lang="en-US" sz="1200" dirty="0"/>
-          </a:p>
-          <a:p>
-            <a:pPr marL="0" indent="0">
-              <a:buNone/>
-            </a:pPr>
-            <a:r>
-              <a:rPr lang="en-US" sz="1200" dirty="0"/>
-              <a:t>select course id</a:t>
-            </a:r>
-          </a:p>
-          <a:p>
-            <a:pPr marL="0" indent="0">
-              <a:buNone/>
-            </a:pPr>
-            <a:r>
-              <a:rPr lang="en-US" sz="1200" dirty="0" smtClean="0"/>
-              <a:t>from </a:t>
-            </a:r>
-            <a:r>
-              <a:rPr lang="en-US" sz="1200" dirty="0"/>
-              <a:t>physics fall 2009</a:t>
-            </a:r>
-          </a:p>
-          <a:p>
-            <a:pPr marL="0" indent="0">
-              <a:buNone/>
-            </a:pPr>
-            <a:r>
-              <a:rPr lang="en-US" sz="1200" dirty="0" smtClean="0"/>
-              <a:t>where </a:t>
-            </a:r>
-            <a:r>
-              <a:rPr lang="en-US" sz="1200" dirty="0"/>
-              <a:t>building= ’Watson’;</a:t>
-            </a:r>
-            <a:endParaRPr lang="en-US" sz="1200" dirty="0" smtClean="0"/>
+              <a:t>https://</a:t>
+            </a:r>
+            <a:r>
+              <a:rPr lang="en-US" sz="1800" dirty="0" smtClean="0">
+                <a:hlinkClick r:id="rId3"/>
+              </a:rPr>
+              <a:t>www.youtube.com/watch?v=GKGtOABAO9s&amp;index=13&amp;list=PL08903FB7ACA1C2FB</a:t>
+            </a:r>
+            <a:endParaRPr lang="en-US" sz="1800" dirty="0" smtClean="0"/>
+          </a:p>
+          <a:p>
+            <a:pPr marL="0" indent="0" algn="r" rtl="1">
+              <a:buNone/>
+            </a:pPr>
+            <a:r>
+              <a:rPr lang="en-US" sz="1800" dirty="0">
+                <a:hlinkClick r:id="rId4"/>
+              </a:rPr>
+              <a:t>https://</a:t>
+            </a:r>
+            <a:r>
+              <a:rPr lang="en-US" sz="1800" dirty="0" smtClean="0">
+                <a:hlinkClick r:id="rId4"/>
+              </a:rPr>
+              <a:t>www.youtube.com/watch?v=qnYSN_7qwgg&amp;index=14&amp;list=PL08903FB7ACA1C2FB</a:t>
+            </a:r>
+            <a:endParaRPr lang="en-US" sz="1800" dirty="0" smtClean="0"/>
+          </a:p>
+          <a:p>
+            <a:pPr marL="0" indent="0" algn="r" rtl="1">
+              <a:buNone/>
+            </a:pPr>
+            <a:endParaRPr lang="en-US" sz="1800" dirty="0"/>
           </a:p>
         </p:txBody>
       </p:sp>
     </p:spTree>
     <p:extLst>
       <p:ext uri="{BB962C8B-B14F-4D97-AF65-F5344CB8AC3E}">
-        <p14:creationId xmlns:p14="http://schemas.microsoft.com/office/powerpoint/2010/main" val="3456527759"/>
+        <p14:creationId xmlns:p14="http://schemas.microsoft.com/office/powerpoint/2010/main" val="3564192107"/>
       </p:ext>
     </p:extLst>
   </p:cSld>
@@ -24090,20 +23943,9 @@
           <a:p>
             <a:r>
               <a:rPr lang="en-US" dirty="0" smtClean="0"/>
-              <a:t>4.2.3</a:t>
-            </a:r>
-            <a:r>
-              <a:rPr lang="he-IL" dirty="0" smtClean="0"/>
-              <a:t> </a:t>
-            </a:r>
-            <a:r>
-              <a:rPr lang="en-US" dirty="0" smtClean="0"/>
-              <a:t>Materialized </a:t>
-            </a:r>
-            <a:r>
-              <a:rPr lang="en-US" dirty="0"/>
-              <a:t>Views</a:t>
-            </a:r>
+              <a:t>SQL Views</a:t>
+            </a:r>
+            <a:endParaRPr lang="en-US" dirty="0"/>
           </a:p>
         </p:txBody>
       </p:sp>
@@ -24120,87 +23962,276 @@
         <p:spPr/>
         <p:txBody>
           <a:bodyPr>
-            <a:normAutofit/>
+            <a:normAutofit fontScale="92500" lnSpcReduction="20000"/>
           </a:bodyPr>
           <a:lstStyle/>
           <a:p>
-            <a:pPr algn="r" rtl="1"/>
-            <a:r>
-              <a:rPr lang="he-IL" sz="2800" dirty="0" smtClean="0"/>
-              <a:t>יש </a:t>
-            </a:r>
-            <a:r>
-              <a:rPr lang="en-US" sz="2800" dirty="0" smtClean="0"/>
-              <a:t>databases </a:t>
-            </a:r>
-            <a:r>
-              <a:rPr lang="he-IL" sz="2800" dirty="0"/>
-              <a:t> </a:t>
-            </a:r>
-            <a:r>
-              <a:rPr lang="he-IL" sz="2800" dirty="0" smtClean="0"/>
-              <a:t>שמאפשרים לשמור </a:t>
-            </a:r>
-            <a:r>
-              <a:rPr lang="en-US" sz="2800" dirty="0" smtClean="0"/>
-              <a:t>views </a:t>
-            </a:r>
-            <a:r>
-              <a:rPr lang="he-IL" sz="2800" dirty="0" smtClean="0"/>
-              <a:t> וגם דואגים לעדכן אותן אם הם הרשומות שבהן משתנות.</a:t>
-            </a:r>
-          </a:p>
-          <a:p>
-            <a:pPr algn="r" rtl="1"/>
-            <a:endParaRPr lang="he-IL" sz="2800" dirty="0"/>
-          </a:p>
-          <a:p>
-            <a:pPr marL="0" indent="0" algn="l">
-              <a:buNone/>
-            </a:pPr>
-            <a:r>
-              <a:rPr lang="en-US" sz="2800" dirty="0"/>
-              <a:t>The process of keeping the materialized view up-to-date is called </a:t>
-            </a:r>
-            <a:r>
-              <a:rPr lang="en-US" sz="2800" dirty="0" smtClean="0">
-                <a:solidFill>
-                  <a:srgbClr val="FF0000"/>
-                </a:solidFill>
+            <a:pPr marL="0" indent="0">
+              <a:buNone/>
+            </a:pPr>
+            <a:r>
+              <a:rPr lang="en-US" sz="2400" dirty="0"/>
+              <a:t>Learn from this </a:t>
+            </a:r>
+            <a:r>
+              <a:rPr lang="en-US" sz="2400" dirty="0" smtClean="0"/>
+              <a:t>link:</a:t>
+            </a:r>
+            <a:endParaRPr lang="en-US" sz="2400" dirty="0"/>
+          </a:p>
+          <a:p>
+            <a:pPr marL="0" indent="0">
+              <a:buNone/>
+            </a:pPr>
+            <a:r>
+              <a:rPr lang="en-US" sz="2400" dirty="0" smtClean="0">
+                <a:hlinkClick r:id="rId2"/>
               </a:rPr>
-              <a:t>materialized </a:t>
-            </a:r>
-            <a:r>
-              <a:rPr lang="en-US" sz="2800" dirty="0">
-                <a:solidFill>
-                  <a:srgbClr val="FF0000"/>
-                </a:solidFill>
+              <a:t>https</a:t>
+            </a:r>
+            <a:r>
+              <a:rPr lang="en-US" sz="2400" dirty="0">
+                <a:hlinkClick r:id="rId2"/>
               </a:rPr>
-              <a:t>view maintenance </a:t>
-            </a:r>
-            <a:r>
-              <a:rPr lang="en-US" sz="2800" dirty="0"/>
-              <a:t>(or often, just </a:t>
-            </a:r>
-            <a:r>
-              <a:rPr lang="en-US" sz="2800" dirty="0">
-                <a:solidFill>
-                  <a:srgbClr val="FF0000"/>
-                </a:solidFill>
+              <a:t>://</a:t>
+            </a:r>
+            <a:r>
+              <a:rPr lang="en-US" sz="2400" dirty="0" smtClean="0">
+                <a:hlinkClick r:id="rId2"/>
               </a:rPr>
-              <a:t>view maintenance</a:t>
-            </a:r>
-            <a:r>
-              <a:rPr lang="en-US" sz="2800" dirty="0"/>
-              <a:t>)</a:t>
-            </a:r>
+              <a:t>www.youtube.com/watch?v=VQpmOmZO2mo</a:t>
+            </a:r>
+            <a:endParaRPr lang="en-US" sz="2400" dirty="0" smtClean="0"/>
+          </a:p>
+          <a:p>
+            <a:pPr marL="0" indent="0">
+              <a:buNone/>
+            </a:pPr>
+            <a:r>
+              <a:rPr lang="en-US" sz="2400" dirty="0" smtClean="0"/>
+              <a:t>create </a:t>
+            </a:r>
+            <a:r>
+              <a:rPr lang="en-US" sz="2400" dirty="0"/>
+              <a:t>view v as &lt;query expression</a:t>
+            </a:r>
+            <a:r>
+              <a:rPr lang="en-US" sz="2400" dirty="0" smtClean="0"/>
+              <a:t>&gt;</a:t>
+            </a:r>
+          </a:p>
+          <a:p>
+            <a:pPr marL="0" indent="0">
+              <a:buNone/>
+            </a:pPr>
+            <a:r>
+              <a:rPr lang="en-US" sz="1500" dirty="0"/>
+              <a:t>create view physics fall 2009 as</a:t>
+            </a:r>
+          </a:p>
+          <a:p>
+            <a:pPr marL="0" indent="0">
+              <a:buNone/>
+            </a:pPr>
+            <a:r>
+              <a:rPr lang="en-US" sz="1500" dirty="0" smtClean="0"/>
+              <a:t>select course.course_id</a:t>
+            </a:r>
+            <a:r>
+              <a:rPr lang="en-US" sz="1500" dirty="0"/>
+              <a:t>, sec id, building, room number</a:t>
+            </a:r>
+          </a:p>
+          <a:p>
+            <a:pPr marL="0" indent="0">
+              <a:buNone/>
+            </a:pPr>
+            <a:r>
+              <a:rPr lang="en-US" sz="1500" dirty="0" smtClean="0"/>
+              <a:t>from </a:t>
+            </a:r>
+            <a:r>
+              <a:rPr lang="en-US" sz="1500" dirty="0"/>
+              <a:t>course, section</a:t>
+            </a:r>
+          </a:p>
+          <a:p>
+            <a:pPr marL="0" indent="0">
+              <a:buNone/>
+            </a:pPr>
+            <a:r>
+              <a:rPr lang="en-US" sz="1500" dirty="0" smtClean="0"/>
+              <a:t>where course.course_id </a:t>
+            </a:r>
+            <a:r>
+              <a:rPr lang="en-US" sz="1500" dirty="0"/>
+              <a:t>= </a:t>
+            </a:r>
+            <a:r>
+              <a:rPr lang="en-US" sz="1500" dirty="0" smtClean="0"/>
+              <a:t>section.course_id</a:t>
+            </a:r>
+            <a:endParaRPr lang="en-US" sz="1500" dirty="0"/>
+          </a:p>
+          <a:p>
+            <a:pPr marL="0" indent="0">
+              <a:buNone/>
+            </a:pPr>
+            <a:r>
+              <a:rPr lang="en-US" sz="1500" dirty="0" smtClean="0"/>
+              <a:t>and </a:t>
+            </a:r>
+            <a:r>
+              <a:rPr lang="en-US" sz="1500" dirty="0"/>
+              <a:t>course.dept name = ’Physics’</a:t>
+            </a:r>
+          </a:p>
+          <a:p>
+            <a:pPr marL="0" indent="0">
+              <a:buNone/>
+            </a:pPr>
+            <a:r>
+              <a:rPr lang="en-US" sz="1500" dirty="0" smtClean="0"/>
+              <a:t>and </a:t>
+            </a:r>
+            <a:r>
+              <a:rPr lang="en-US" sz="1500" dirty="0"/>
+              <a:t>section.semester = ’Fall’</a:t>
+            </a:r>
+          </a:p>
+          <a:p>
+            <a:pPr marL="0" indent="0">
+              <a:buNone/>
+            </a:pPr>
+            <a:r>
+              <a:rPr lang="en-US" sz="1500" dirty="0" smtClean="0"/>
+              <a:t>and </a:t>
+            </a:r>
+            <a:r>
+              <a:rPr lang="en-US" sz="1500" dirty="0"/>
+              <a:t>section.year = ’2009’;</a:t>
+            </a:r>
+            <a:endParaRPr lang="en-US" sz="1500" dirty="0" smtClean="0"/>
+          </a:p>
+          <a:p>
+            <a:pPr marL="0" indent="0">
+              <a:buNone/>
+            </a:pPr>
+            <a:endParaRPr lang="en-US" sz="1200" dirty="0" smtClean="0"/>
+          </a:p>
+          <a:p>
+            <a:pPr marL="0" indent="0">
+              <a:buNone/>
+            </a:pPr>
+            <a:r>
+              <a:rPr lang="en-US" sz="1200" dirty="0" smtClean="0"/>
+              <a:t>Using </a:t>
+            </a:r>
+            <a:r>
+              <a:rPr lang="en-US" sz="1200" dirty="0"/>
+              <a:t>Views in SQL Queries</a:t>
+            </a:r>
+          </a:p>
+          <a:p>
+            <a:pPr marL="0" indent="0">
+              <a:buNone/>
+            </a:pPr>
+            <a:r>
+              <a:rPr lang="en-US" sz="1200" dirty="0" smtClean="0"/>
+              <a:t>Once </a:t>
+            </a:r>
+            <a:r>
+              <a:rPr lang="en-US" sz="1200" dirty="0"/>
+              <a:t>we have defined a view, we can use the view name to refer to the virtual</a:t>
+            </a:r>
+          </a:p>
+          <a:p>
+            <a:pPr marL="0" indent="0">
+              <a:buNone/>
+            </a:pPr>
+            <a:r>
+              <a:rPr lang="en-US" sz="1200" dirty="0" smtClean="0"/>
+              <a:t>relation </a:t>
+            </a:r>
+            <a:r>
+              <a:rPr lang="en-US" sz="1200" dirty="0"/>
+              <a:t>that the view generates. Using the view physics fall 2009, we can find</a:t>
+            </a:r>
+          </a:p>
+          <a:p>
+            <a:pPr marL="0" indent="0">
+              <a:buNone/>
+            </a:pPr>
+            <a:r>
+              <a:rPr lang="en-US" sz="1200" dirty="0" smtClean="0"/>
+              <a:t>all </a:t>
+            </a:r>
+            <a:r>
+              <a:rPr lang="en-US" sz="1200" dirty="0"/>
+              <a:t>Physics courses offered in the Fall 2009 semester in the Watson building by</a:t>
+            </a:r>
+          </a:p>
+          <a:p>
+            <a:pPr marL="0" indent="0">
+              <a:buNone/>
+            </a:pPr>
+            <a:r>
+              <a:rPr lang="en-US" sz="1200" dirty="0" smtClean="0"/>
+              <a:t>writing</a:t>
+            </a:r>
+            <a:r>
+              <a:rPr lang="en-US" sz="1200" dirty="0"/>
+              <a:t>:</a:t>
+            </a:r>
+          </a:p>
+          <a:p>
+            <a:pPr marL="0" indent="0">
+              <a:buNone/>
+            </a:pPr>
+            <a:endParaRPr lang="en-US" sz="1200" dirty="0"/>
+          </a:p>
+          <a:p>
+            <a:pPr marL="0" indent="0">
+              <a:buNone/>
+            </a:pPr>
+            <a:r>
+              <a:rPr lang="en-US" sz="1200" dirty="0"/>
+              <a:t>select course id</a:t>
+            </a:r>
+          </a:p>
+          <a:p>
+            <a:pPr marL="0" indent="0">
+              <a:buNone/>
+            </a:pPr>
+            <a:r>
+              <a:rPr lang="en-US" sz="1200" dirty="0" smtClean="0"/>
+              <a:t>from </a:t>
+            </a:r>
+            <a:r>
+              <a:rPr lang="en-US" sz="1200" dirty="0"/>
+              <a:t>physics fall 2009</a:t>
+            </a:r>
+          </a:p>
+          <a:p>
+            <a:pPr marL="0" indent="0">
+              <a:buNone/>
+            </a:pPr>
+            <a:r>
+              <a:rPr lang="en-US" sz="1200" dirty="0" smtClean="0"/>
+              <a:t>where </a:t>
+            </a:r>
+            <a:r>
+              <a:rPr lang="en-US" sz="1200" dirty="0"/>
+              <a:t>building= ’Watson’;</a:t>
+            </a:r>
+            <a:endParaRPr lang="en-US" sz="1200" dirty="0" smtClean="0"/>
           </a:p>
         </p:txBody>
       </p:sp>
     </p:spTree>
     <p:extLst>
       <p:ext uri="{BB962C8B-B14F-4D97-AF65-F5344CB8AC3E}">
-        <p14:creationId xmlns:p14="http://schemas.microsoft.com/office/powerpoint/2010/main" val="3404165112"/>
+        <p14:creationId xmlns:p14="http://schemas.microsoft.com/office/powerpoint/2010/main" val="3456527759"/>
       </p:ext>
     </p:extLst>
   </p:cSld>
@@ -24250,8 +24281,20 @@
           <a:lstStyle/>
           <a:p>
             <a:r>
+              <a:rPr lang="en-US" dirty="0" smtClean="0"/>
+              <a:t>4.2.3</a:t>
+            </a:r>
+            <a:r>
+              <a:rPr lang="he-IL" dirty="0" smtClean="0"/>
+              <a:t> </a:t>
+            </a:r>
+            <a:r>
+              <a:rPr lang="en-US" dirty="0" smtClean="0"/>
+              <a:t>Materialized </a:t>
+            </a:r>
+            <a:r>
               <a:rPr lang="en-US" dirty="0"/>
-              <a:t>4.4 Integrity Constraints</a:t>
+              <a:t>Views</a:t>
             </a:r>
           </a:p>
         </p:txBody>
@@ -24266,309 +24309,90 @@
             <p:ph idx="1"/>
           </p:nvPr>
         </p:nvSpPr>
-        <p:spPr>
-          <a:xfrm>
-            <a:off x="457200" y="1600200"/>
-            <a:ext cx="8229600" cy="5029200"/>
-          </a:xfrm>
-        </p:spPr>
+        <p:spPr/>
         <p:txBody>
           <a:bodyPr>
             <a:normAutofit/>
           </a:bodyPr>
           <a:lstStyle/>
           <a:p>
-            <a:pPr marL="0" indent="0">
-              <a:buNone/>
-            </a:pPr>
-            <a:r>
-              <a:rPr lang="en-US" sz="1100" dirty="0"/>
-              <a:t>In general, an integrity constraint can be an arbitrary predicate pertaining</a:t>
-            </a:r>
-          </a:p>
-          <a:p>
-            <a:pPr marL="0" indent="0">
-              <a:buNone/>
-            </a:pPr>
-            <a:r>
-              <a:rPr lang="en-US" sz="1100" dirty="0" smtClean="0"/>
-              <a:t>to </a:t>
-            </a:r>
-            <a:r>
-              <a:rPr lang="en-US" sz="1100" dirty="0"/>
-              <a:t>the database. However, arbitrary predicates </a:t>
-            </a:r>
-            <a:r>
-              <a:rPr lang="en-US" sz="1100" b="1" u="sng" dirty="0"/>
-              <a:t>may be costly to test</a:t>
-            </a:r>
-            <a:r>
-              <a:rPr lang="en-US" sz="1100" dirty="0"/>
-              <a:t>. Thus, most</a:t>
-            </a:r>
-          </a:p>
-          <a:p>
-            <a:pPr marL="0" indent="0">
-              <a:buNone/>
-            </a:pPr>
-            <a:r>
-              <a:rPr lang="en-US" sz="1100" dirty="0" smtClean="0"/>
-              <a:t>database </a:t>
-            </a:r>
-            <a:r>
-              <a:rPr lang="en-US" sz="1100" dirty="0"/>
-              <a:t>systems allow one to specify integrity constraints that can be tested with</a:t>
-            </a:r>
-          </a:p>
-          <a:p>
-            <a:pPr marL="0" indent="0">
-              <a:buNone/>
-            </a:pPr>
-            <a:r>
-              <a:rPr lang="en-US" sz="1100" dirty="0" smtClean="0"/>
-              <a:t>minimal </a:t>
-            </a:r>
-            <a:r>
-              <a:rPr lang="en-US" sz="1100" dirty="0"/>
-              <a:t>overhead</a:t>
-            </a:r>
-            <a:r>
-              <a:rPr lang="en-US" sz="1100" dirty="0" smtClean="0"/>
-              <a:t>.</a:t>
-            </a:r>
-            <a:endParaRPr lang="he-IL" sz="1100" dirty="0" smtClean="0"/>
-          </a:p>
-          <a:p>
-            <a:pPr marL="0" indent="0">
-              <a:buNone/>
-            </a:pPr>
-            <a:endParaRPr lang="he-IL" sz="1100" dirty="0"/>
-          </a:p>
-          <a:p>
-            <a:pPr marL="0" indent="0">
-              <a:buNone/>
-            </a:pPr>
-            <a:r>
-              <a:rPr lang="en-US" sz="1100" b="1" i="1" dirty="0" smtClean="0"/>
-              <a:t>Functional dependencies</a:t>
-            </a:r>
-            <a:r>
-              <a:rPr lang="he-IL" sz="1100" b="1" i="1" dirty="0" smtClean="0"/>
+            <a:pPr algn="r" rtl="1"/>
+            <a:r>
+              <a:rPr lang="he-IL" sz="2800" dirty="0" smtClean="0"/>
+              <a:t>יש </a:t>
+            </a:r>
+            <a:r>
+              <a:rPr lang="en-US" sz="2800" dirty="0" smtClean="0"/>
+              <a:t>databases </a:t>
+            </a:r>
+            <a:r>
+              <a:rPr lang="he-IL" sz="2800" dirty="0"/>
               <a:t> </a:t>
             </a:r>
             <a:r>
-              <a:rPr lang="he-IL" sz="1100" dirty="0" smtClean="0"/>
-              <a:t> </a:t>
-            </a:r>
-            <a:r>
-              <a:rPr lang="en-US" sz="1100" dirty="0" smtClean="0"/>
-              <a:t> which we will learn on chapter 8</a:t>
-            </a:r>
-          </a:p>
-          <a:p>
-            <a:pPr marL="0" indent="0">
-              <a:buNone/>
-            </a:pPr>
-            <a:endParaRPr lang="en-US" sz="1100" dirty="0"/>
-          </a:p>
-          <a:p>
-            <a:pPr marL="0" indent="0">
-              <a:buNone/>
-            </a:pPr>
-            <a:r>
-              <a:rPr lang="en-US" sz="1100" dirty="0"/>
-              <a:t>4.4.1 Constraints on a Single </a:t>
-            </a:r>
-            <a:r>
-              <a:rPr lang="en-US" sz="1100" dirty="0" smtClean="0"/>
-              <a:t>Relation</a:t>
-            </a:r>
-          </a:p>
-          <a:p>
-            <a:pPr marL="0" indent="0">
-              <a:buNone/>
-            </a:pPr>
-            <a:r>
-              <a:rPr lang="en-US" sz="1100" dirty="0"/>
-              <a:t>The create table command may also include integrity-constraint statements</a:t>
-            </a:r>
-            <a:r>
-              <a:rPr lang="en-US" sz="1100" dirty="0" smtClean="0"/>
-              <a:t>.</a:t>
-            </a:r>
-          </a:p>
-          <a:p>
-            <a:pPr marL="0" indent="0">
-              <a:buNone/>
-            </a:pPr>
-            <a:r>
-              <a:rPr lang="en-US" sz="1100" dirty="0"/>
-              <a:t>The allowed integrity </a:t>
-            </a:r>
-            <a:r>
-              <a:rPr lang="en-US" sz="1100" dirty="0" smtClean="0"/>
-              <a:t>constraints include:</a:t>
-            </a:r>
-          </a:p>
-          <a:p>
-            <a:pPr marL="0" indent="0">
-              <a:buNone/>
-            </a:pPr>
-            <a:r>
-              <a:rPr lang="en-US" sz="1100" dirty="0" smtClean="0"/>
-              <a:t>1.not null</a:t>
-            </a:r>
-            <a:endParaRPr lang="en-US" sz="1100" dirty="0"/>
-          </a:p>
-          <a:p>
-            <a:pPr marL="0" indent="0">
-              <a:buNone/>
-            </a:pPr>
-            <a:r>
-              <a:rPr lang="en-US" sz="1100" dirty="0" smtClean="0"/>
-              <a:t>2.unique</a:t>
-            </a:r>
-            <a:endParaRPr lang="en-US" sz="1100" dirty="0"/>
-          </a:p>
-          <a:p>
-            <a:pPr marL="0" indent="0">
-              <a:buNone/>
-            </a:pPr>
-            <a:r>
-              <a:rPr lang="en-US" sz="1100" dirty="0" smtClean="0"/>
-              <a:t>3. </a:t>
-            </a:r>
-            <a:r>
-              <a:rPr lang="en-US" sz="1100" dirty="0"/>
-              <a:t>check(&lt;predicate</a:t>
-            </a:r>
-            <a:r>
-              <a:rPr lang="en-US" sz="1100" dirty="0" smtClean="0"/>
-              <a:t>&gt;)</a:t>
-            </a:r>
-          </a:p>
-          <a:p>
-            <a:pPr marL="0" indent="0">
-              <a:buNone/>
-            </a:pPr>
-            <a:endParaRPr lang="en-US" sz="1100" dirty="0"/>
-          </a:p>
-          <a:p>
-            <a:pPr marL="0" indent="0">
-              <a:buNone/>
-            </a:pPr>
-            <a:r>
-              <a:rPr lang="en-US" sz="1100" dirty="0"/>
-              <a:t>name </a:t>
-            </a:r>
-            <a:r>
-              <a:rPr lang="en-US" sz="1100" dirty="0" err="1"/>
-              <a:t>varchar</a:t>
-            </a:r>
-            <a:r>
-              <a:rPr lang="en-US" sz="1100" dirty="0"/>
-              <a:t>(20) not null</a:t>
-            </a:r>
-          </a:p>
-          <a:p>
-            <a:pPr marL="0" indent="0">
-              <a:buNone/>
-            </a:pPr>
-            <a:r>
-              <a:rPr lang="en-US" sz="1100" dirty="0" smtClean="0"/>
-              <a:t>budget numeric(12,2</a:t>
-            </a:r>
-            <a:r>
-              <a:rPr lang="en-US" sz="1100" dirty="0"/>
-              <a:t>) not </a:t>
-            </a:r>
-            <a:r>
-              <a:rPr lang="en-US" sz="1100" dirty="0" smtClean="0"/>
-              <a:t>null</a:t>
-            </a:r>
-          </a:p>
-          <a:p>
-            <a:pPr marL="0" indent="0">
-              <a:buNone/>
-            </a:pPr>
-            <a:endParaRPr lang="en-US" sz="1100" dirty="0"/>
-          </a:p>
-          <a:p>
-            <a:pPr marL="0" indent="0">
-              <a:buNone/>
-            </a:pPr>
-            <a:r>
-              <a:rPr lang="en-US" sz="1100" dirty="0"/>
-              <a:t>unique (Aj1 , Aj2 ,..., </a:t>
-            </a:r>
-            <a:r>
-              <a:rPr lang="en-US" sz="1100" dirty="0" err="1"/>
-              <a:t>Ajm</a:t>
-            </a:r>
-            <a:r>
-              <a:rPr lang="en-US" sz="1100" dirty="0"/>
-              <a:t> )</a:t>
-            </a:r>
-          </a:p>
-          <a:p>
-            <a:pPr marL="0" indent="0">
-              <a:buNone/>
-            </a:pPr>
-            <a:r>
-              <a:rPr lang="en-US" sz="1100" dirty="0" smtClean="0"/>
-              <a:t>The </a:t>
-            </a:r>
-            <a:r>
-              <a:rPr lang="en-US" sz="1100" dirty="0"/>
-              <a:t>unique specification says that attributes Aj1 , Aj2 ,..., </a:t>
-            </a:r>
-            <a:r>
-              <a:rPr lang="en-US" sz="1100" dirty="0" err="1"/>
-              <a:t>Ajm</a:t>
-            </a:r>
-            <a:r>
-              <a:rPr lang="en-US" sz="1100" dirty="0"/>
-              <a:t> form a candidate</a:t>
-            </a:r>
-          </a:p>
-          <a:p>
-            <a:pPr marL="0" indent="0">
-              <a:buNone/>
-            </a:pPr>
-            <a:r>
-              <a:rPr lang="en-US" sz="1100" dirty="0" smtClean="0"/>
-              <a:t>key</a:t>
-            </a:r>
-            <a:r>
-              <a:rPr lang="en-US" sz="1100" dirty="0"/>
-              <a:t>; that is, no two tuples in the relation can be equal on all the listed attributes</a:t>
-            </a:r>
-            <a:r>
-              <a:rPr lang="en-US" sz="1100" dirty="0" smtClean="0"/>
-              <a:t>.</a:t>
-            </a:r>
-          </a:p>
-          <a:p>
-            <a:pPr marL="0" indent="0">
-              <a:buNone/>
-            </a:pPr>
-            <a:r>
-              <a:rPr lang="en-US" sz="1100" dirty="0" smtClean="0"/>
-              <a:t>Null not consider as unique, it is allow two null if not null is not set.</a:t>
-            </a:r>
-          </a:p>
-          <a:p>
-            <a:pPr marL="0" indent="0">
-              <a:buNone/>
-            </a:pPr>
-            <a:endParaRPr lang="en-US" sz="1100" dirty="0"/>
+              <a:rPr lang="he-IL" sz="2800" dirty="0" smtClean="0"/>
+              <a:t>שמאפשרים לשמור </a:t>
+            </a:r>
+            <a:r>
+              <a:rPr lang="en-US" sz="2800" dirty="0" smtClean="0"/>
+              <a:t>views </a:t>
+            </a:r>
+            <a:r>
+              <a:rPr lang="he-IL" sz="2800" dirty="0" smtClean="0"/>
+              <a:t> וגם דואגים לעדכן אותן אם הם הרשומות שבהן משתנות.</a:t>
+            </a:r>
+          </a:p>
+          <a:p>
+            <a:pPr algn="r" rtl="1"/>
+            <a:endParaRPr lang="he-IL" sz="2800" dirty="0"/>
+          </a:p>
+          <a:p>
+            <a:pPr marL="0" indent="0" algn="l">
+              <a:buNone/>
+            </a:pPr>
+            <a:r>
+              <a:rPr lang="en-US" sz="2800" dirty="0"/>
+              <a:t>The process of keeping the materialized view up-to-date is called </a:t>
+            </a:r>
+            <a:r>
+              <a:rPr lang="en-US" sz="2800" dirty="0" smtClean="0">
+                <a:solidFill>
+                  <a:srgbClr val="FF0000"/>
+                </a:solidFill>
+              </a:rPr>
+              <a:t>materialized </a:t>
+            </a:r>
+            <a:r>
+              <a:rPr lang="en-US" sz="2800" dirty="0">
+                <a:solidFill>
+                  <a:srgbClr val="FF0000"/>
+                </a:solidFill>
+              </a:rPr>
+              <a:t>view maintenance </a:t>
+            </a:r>
+            <a:r>
+              <a:rPr lang="en-US" sz="2800" dirty="0"/>
+              <a:t>(or often, just </a:t>
+            </a:r>
+            <a:r>
+              <a:rPr lang="en-US" sz="2800" dirty="0">
+                <a:solidFill>
+                  <a:srgbClr val="FF0000"/>
+                </a:solidFill>
+              </a:rPr>
+              <a:t>view maintenance</a:t>
+            </a:r>
+            <a:r>
+              <a:rPr lang="en-US" sz="2800" dirty="0"/>
+              <a:t>)</a:t>
+            </a:r>
           </a:p>
         </p:txBody>
       </p:sp>
     </p:spTree>
     <p:extLst>
       <p:ext uri="{BB962C8B-B14F-4D97-AF65-F5344CB8AC3E}">
-        <p14:creationId xmlns:p14="http://schemas.microsoft.com/office/powerpoint/2010/main" val="846260035"/>
+        <p14:creationId xmlns:p14="http://schemas.microsoft.com/office/powerpoint/2010/main" val="3404165112"/>
       </p:ext>
     </p:extLst>
   </p:cSld>
@@ -24619,7 +24443,7 @@
           <a:p>
             <a:r>
               <a:rPr lang="en-US" dirty="0"/>
-              <a:t>4.4.4 The check Clause</a:t>
+              <a:t>4.4 Integrity Constraints</a:t>
             </a:r>
           </a:p>
         </p:txBody>
@@ -24634,177 +24458,309 @@
             <p:ph idx="1"/>
           </p:nvPr>
         </p:nvSpPr>
-        <p:spPr/>
+        <p:spPr>
+          <a:xfrm>
+            <a:off x="457200" y="1600200"/>
+            <a:ext cx="8229600" cy="5029200"/>
+          </a:xfrm>
+        </p:spPr>
         <p:txBody>
           <a:bodyPr>
             <a:normAutofit/>
           </a:bodyPr>
           <a:lstStyle/>
           <a:p>
-            <a:pPr marL="0" indent="0" algn="r" rtl="1">
-              <a:buNone/>
-            </a:pPr>
-            <a:r>
-              <a:rPr lang="he-IL" sz="1600" dirty="0" smtClean="0"/>
-              <a:t>יש אפשרות לבצע בידוק בזמן </a:t>
-            </a:r>
-            <a:r>
-              <a:rPr lang="en-US" sz="1600" dirty="0" smtClean="0"/>
-              <a:t>create table </a:t>
-            </a:r>
-            <a:r>
-              <a:rPr lang="he-IL" sz="1600" dirty="0" smtClean="0"/>
-              <a:t> שיבדוק האם שדה מסויים עומד בדרישה מסויימת</a:t>
-            </a:r>
-          </a:p>
-          <a:p>
-            <a:pPr marL="0" indent="0" algn="r" rtl="1">
-              <a:buNone/>
-            </a:pPr>
-            <a:r>
-              <a:rPr lang="he-IL" sz="1600" dirty="0" smtClean="0"/>
-              <a:t>למשל:</a:t>
-            </a:r>
-          </a:p>
-          <a:p>
-            <a:pPr marL="0" indent="0" algn="r" rtl="1">
-              <a:buNone/>
-            </a:pPr>
-            <a:endParaRPr lang="he-IL" sz="1600" dirty="0"/>
-          </a:p>
-          <a:p>
-            <a:pPr marL="0" indent="0" algn="r" rtl="1">
-              <a:buNone/>
-            </a:pPr>
-            <a:endParaRPr lang="he-IL" sz="1600" dirty="0" smtClean="0"/>
-          </a:p>
-          <a:p>
-            <a:pPr marL="0" indent="0" algn="r" rtl="1">
-              <a:buNone/>
-            </a:pPr>
-            <a:endParaRPr lang="he-IL" sz="1600" dirty="0"/>
-          </a:p>
-          <a:p>
-            <a:pPr marL="0" indent="0" algn="r" rtl="1">
-              <a:buNone/>
-            </a:pPr>
-            <a:endParaRPr lang="he-IL" sz="1600" dirty="0" smtClean="0"/>
-          </a:p>
-          <a:p>
-            <a:pPr marL="0" indent="0" algn="r" rtl="1">
-              <a:buNone/>
-            </a:pPr>
-            <a:endParaRPr lang="he-IL" sz="1600" dirty="0"/>
-          </a:p>
-          <a:p>
-            <a:pPr marL="0" indent="0" algn="r" rtl="1">
-              <a:buNone/>
-            </a:pPr>
-            <a:endParaRPr lang="he-IL" sz="1600" dirty="0" smtClean="0"/>
-          </a:p>
-          <a:p>
-            <a:pPr marL="0" indent="0" algn="r" rtl="1">
-              <a:buNone/>
-            </a:pPr>
-            <a:endParaRPr lang="he-IL" sz="1600" dirty="0"/>
-          </a:p>
-          <a:p>
-            <a:pPr marL="0" indent="0" algn="r" rtl="1">
-              <a:buNone/>
-            </a:pPr>
-            <a:r>
-              <a:rPr lang="he-IL" sz="1600" dirty="0" smtClean="0"/>
-              <a:t>או </a:t>
-            </a:r>
-            <a:r>
-              <a:rPr lang="en-US" sz="1600" dirty="0"/>
-              <a:t>check (budget &gt; 0</a:t>
-            </a:r>
-            <a:r>
-              <a:rPr lang="en-US" sz="1600" dirty="0" smtClean="0"/>
-              <a:t>)</a:t>
-            </a:r>
-            <a:r>
-              <a:rPr lang="he-IL" sz="1600" dirty="0" smtClean="0"/>
-              <a:t>  </a:t>
-            </a:r>
-          </a:p>
-          <a:p>
-            <a:pPr marL="0" indent="0" algn="r" rtl="1">
-              <a:buNone/>
-            </a:pPr>
-            <a:endParaRPr lang="en-US" sz="1600" dirty="0"/>
+            <a:pPr marL="0" indent="0">
+              <a:buNone/>
+            </a:pPr>
+            <a:r>
+              <a:rPr lang="en-US" sz="1100" dirty="0"/>
+              <a:t>In general, an integrity constraint can be an arbitrary predicate pertaining</a:t>
+            </a:r>
+          </a:p>
+          <a:p>
+            <a:pPr marL="0" indent="0">
+              <a:buNone/>
+            </a:pPr>
+            <a:r>
+              <a:rPr lang="en-US" sz="1100" dirty="0" smtClean="0"/>
+              <a:t>to </a:t>
+            </a:r>
+            <a:r>
+              <a:rPr lang="en-US" sz="1100" dirty="0"/>
+              <a:t>the database. However, arbitrary predicates </a:t>
+            </a:r>
+            <a:r>
+              <a:rPr lang="en-US" sz="1100" b="1" u="sng" dirty="0"/>
+              <a:t>may be costly to test</a:t>
+            </a:r>
+            <a:r>
+              <a:rPr lang="en-US" sz="1100" dirty="0"/>
+              <a:t>. Thus, most</a:t>
+            </a:r>
+          </a:p>
+          <a:p>
+            <a:pPr marL="0" indent="0">
+              <a:buNone/>
+            </a:pPr>
+            <a:r>
+              <a:rPr lang="en-US" sz="1100" dirty="0" smtClean="0"/>
+              <a:t>database </a:t>
+            </a:r>
+            <a:r>
+              <a:rPr lang="en-US" sz="1100" dirty="0"/>
+              <a:t>systems allow one to specify integrity constraints that can be tested with</a:t>
+            </a:r>
+          </a:p>
+          <a:p>
+            <a:pPr marL="0" indent="0">
+              <a:buNone/>
+            </a:pPr>
+            <a:r>
+              <a:rPr lang="en-US" sz="1100" dirty="0" smtClean="0"/>
+              <a:t>minimal </a:t>
+            </a:r>
+            <a:r>
+              <a:rPr lang="en-US" sz="1100" dirty="0"/>
+              <a:t>overhead</a:t>
+            </a:r>
+            <a:r>
+              <a:rPr lang="en-US" sz="1100" dirty="0" smtClean="0"/>
+              <a:t>.</a:t>
+            </a:r>
+            <a:endParaRPr lang="he-IL" sz="1100" dirty="0" smtClean="0"/>
+          </a:p>
+          <a:p>
+            <a:pPr marL="0" indent="0">
+              <a:buNone/>
+            </a:pPr>
+            <a:endParaRPr lang="he-IL" sz="1100" dirty="0"/>
+          </a:p>
+          <a:p>
+            <a:pPr marL="0" indent="0">
+              <a:buNone/>
+            </a:pPr>
+            <a:r>
+              <a:rPr lang="en-US" sz="1100" b="1" i="1" dirty="0" smtClean="0"/>
+              <a:t>Functional dependencies</a:t>
+            </a:r>
+            <a:r>
+              <a:rPr lang="he-IL" sz="1100" b="1" i="1" dirty="0" smtClean="0"/>
+              <a:t> </a:t>
+            </a:r>
+            <a:r>
+              <a:rPr lang="he-IL" sz="1100" dirty="0" smtClean="0"/>
+              <a:t> </a:t>
+            </a:r>
+            <a:r>
+              <a:rPr lang="en-US" sz="1100" dirty="0" smtClean="0"/>
+              <a:t> which we will learn on chapter 8</a:t>
+            </a:r>
+          </a:p>
+          <a:p>
+            <a:pPr marL="0" indent="0">
+              <a:buNone/>
+            </a:pPr>
+            <a:endParaRPr lang="en-US" sz="1100" dirty="0"/>
+          </a:p>
+          <a:p>
+            <a:pPr marL="0" indent="0">
+              <a:buNone/>
+            </a:pPr>
+            <a:r>
+              <a:rPr lang="en-US" sz="1100" dirty="0"/>
+              <a:t>4.4.1 Constraints on a Single </a:t>
+            </a:r>
+            <a:r>
+              <a:rPr lang="en-US" sz="1100" dirty="0" smtClean="0"/>
+              <a:t>Relation</a:t>
+            </a:r>
+          </a:p>
+          <a:p>
+            <a:pPr marL="0" indent="0">
+              <a:buNone/>
+            </a:pPr>
+            <a:r>
+              <a:rPr lang="en-US" sz="1100" dirty="0"/>
+              <a:t>The create table command may also include integrity-constraint statements</a:t>
+            </a:r>
+            <a:r>
+              <a:rPr lang="en-US" sz="1100" dirty="0" smtClean="0"/>
+              <a:t>.</a:t>
+            </a:r>
+          </a:p>
+          <a:p>
+            <a:pPr marL="0" indent="0">
+              <a:buNone/>
+            </a:pPr>
+            <a:r>
+              <a:rPr lang="en-US" sz="1100" dirty="0"/>
+              <a:t>The allowed integrity </a:t>
+            </a:r>
+            <a:r>
+              <a:rPr lang="en-US" sz="1100" dirty="0" smtClean="0"/>
+              <a:t>constraints include:</a:t>
+            </a:r>
+          </a:p>
+          <a:p>
+            <a:pPr marL="0" indent="0">
+              <a:buNone/>
+            </a:pPr>
+            <a:r>
+              <a:rPr lang="en-US" sz="1100" dirty="0" smtClean="0"/>
+              <a:t>1.not null</a:t>
+            </a:r>
+            <a:endParaRPr lang="en-US" sz="1100" dirty="0"/>
+          </a:p>
+          <a:p>
+            <a:pPr marL="0" indent="0">
+              <a:buNone/>
+            </a:pPr>
+            <a:r>
+              <a:rPr lang="en-US" sz="1100" dirty="0" smtClean="0"/>
+              <a:t>2.unique</a:t>
+            </a:r>
+            <a:endParaRPr lang="en-US" sz="1100" dirty="0"/>
+          </a:p>
+          <a:p>
+            <a:pPr marL="0" indent="0">
+              <a:buNone/>
+            </a:pPr>
+            <a:r>
+              <a:rPr lang="en-US" sz="1100" dirty="0" smtClean="0"/>
+              <a:t>3. </a:t>
+            </a:r>
+            <a:r>
+              <a:rPr lang="en-US" sz="1100" dirty="0"/>
+              <a:t>check(&lt;predicate</a:t>
+            </a:r>
+            <a:r>
+              <a:rPr lang="en-US" sz="1100" dirty="0" smtClean="0"/>
+              <a:t>&gt;)</a:t>
+            </a:r>
+          </a:p>
+          <a:p>
+            <a:pPr marL="0" indent="0">
+              <a:buNone/>
+            </a:pPr>
+            <a:endParaRPr lang="en-US" sz="1100" dirty="0"/>
+          </a:p>
+          <a:p>
+            <a:pPr marL="0" indent="0">
+              <a:buNone/>
+            </a:pPr>
+            <a:r>
+              <a:rPr lang="en-US" sz="1100" dirty="0"/>
+              <a:t>name </a:t>
+            </a:r>
+            <a:r>
+              <a:rPr lang="en-US" sz="1100" dirty="0" err="1"/>
+              <a:t>varchar</a:t>
+            </a:r>
+            <a:r>
+              <a:rPr lang="en-US" sz="1100" dirty="0"/>
+              <a:t>(20) not null</a:t>
+            </a:r>
+          </a:p>
+          <a:p>
+            <a:pPr marL="0" indent="0">
+              <a:buNone/>
+            </a:pPr>
+            <a:r>
+              <a:rPr lang="en-US" sz="1100" dirty="0" smtClean="0"/>
+              <a:t>budget numeric(12,2</a:t>
+            </a:r>
+            <a:r>
+              <a:rPr lang="en-US" sz="1100" dirty="0"/>
+              <a:t>) not </a:t>
+            </a:r>
+            <a:r>
+              <a:rPr lang="en-US" sz="1100" dirty="0" smtClean="0"/>
+              <a:t>null</a:t>
+            </a:r>
+          </a:p>
+          <a:p>
+            <a:pPr marL="0" indent="0">
+              <a:buNone/>
+            </a:pPr>
+            <a:endParaRPr lang="en-US" sz="1100" dirty="0"/>
+          </a:p>
+          <a:p>
+            <a:pPr marL="0" indent="0">
+              <a:buNone/>
+            </a:pPr>
+            <a:r>
+              <a:rPr lang="en-US" sz="1100" dirty="0"/>
+              <a:t>unique (Aj1 , Aj2 ,..., </a:t>
+            </a:r>
+            <a:r>
+              <a:rPr lang="en-US" sz="1100" dirty="0" err="1"/>
+              <a:t>Ajm</a:t>
+            </a:r>
+            <a:r>
+              <a:rPr lang="en-US" sz="1100" dirty="0"/>
+              <a:t> )</a:t>
+            </a:r>
+          </a:p>
+          <a:p>
+            <a:pPr marL="0" indent="0">
+              <a:buNone/>
+            </a:pPr>
+            <a:r>
+              <a:rPr lang="en-US" sz="1100" dirty="0" smtClean="0"/>
+              <a:t>The </a:t>
+            </a:r>
+            <a:r>
+              <a:rPr lang="en-US" sz="1100" dirty="0"/>
+              <a:t>unique specification says that attributes Aj1 , Aj2 ,..., </a:t>
+            </a:r>
+            <a:r>
+              <a:rPr lang="en-US" sz="1100" dirty="0" err="1"/>
+              <a:t>Ajm</a:t>
+            </a:r>
+            <a:r>
+              <a:rPr lang="en-US" sz="1100" dirty="0"/>
+              <a:t> form a candidate</a:t>
+            </a:r>
+          </a:p>
+          <a:p>
+            <a:pPr marL="0" indent="0">
+              <a:buNone/>
+            </a:pPr>
+            <a:r>
+              <a:rPr lang="en-US" sz="1100" dirty="0" smtClean="0"/>
+              <a:t>key</a:t>
+            </a:r>
+            <a:r>
+              <a:rPr lang="en-US" sz="1100" dirty="0"/>
+              <a:t>; that is, no two tuples in the relation can be equal on all the listed attributes</a:t>
+            </a:r>
+            <a:r>
+              <a:rPr lang="en-US" sz="1100" dirty="0" smtClean="0"/>
+              <a:t>.</a:t>
+            </a:r>
+          </a:p>
+          <a:p>
+            <a:pPr marL="0" indent="0">
+              <a:buNone/>
+            </a:pPr>
+            <a:r>
+              <a:rPr lang="en-US" sz="1100" dirty="0" smtClean="0"/>
+              <a:t>Null not consider as unique, it is allow two null if not null is not set.</a:t>
+            </a:r>
+          </a:p>
+          <a:p>
+            <a:pPr marL="0" indent="0">
+              <a:buNone/>
+            </a:pPr>
+            <a:endParaRPr lang="en-US" sz="1100" dirty="0"/>
           </a:p>
         </p:txBody>
       </p:sp>
-      <p:pic>
-        <p:nvPicPr>
-          <p:cNvPr id="25602" name="Picture 2"/>
-          <p:cNvPicPr>
-            <a:picLocks noChangeAspect="1" noChangeArrowheads="1"/>
-          </p:cNvPicPr>
-          <p:nvPr/>
-        </p:nvPicPr>
-        <p:blipFill>
-          <a:blip r:embed="rId2">
-            <a:extLst>
-              <a:ext uri="{28A0092B-C50C-407E-A947-70E740481C1C}">
-                <a14:useLocalDpi xmlns:a14="http://schemas.microsoft.com/office/drawing/2010/main" val="0"/>
-              </a:ext>
-            </a:extLst>
-          </a:blip>
-          <a:srcRect/>
-          <a:stretch>
-            <a:fillRect/>
-          </a:stretch>
-        </p:blipFill>
-        <p:spPr bwMode="auto">
-          <a:xfrm>
-            <a:off x="2286000" y="1981200"/>
-            <a:ext cx="5143500" cy="2133600"/>
-          </a:xfrm>
-          <a:prstGeom prst="rect">
-            <a:avLst/>
-          </a:prstGeom>
-          <a:noFill/>
-          <a:ln>
-            <a:noFill/>
-          </a:ln>
-          <a:effectLst/>
-          <a:extLst>
-            <a:ext uri="{909E8E84-426E-40DD-AFC4-6F175D3DCCD1}">
-              <a14:hiddenFill xmlns:a14="http://schemas.microsoft.com/office/drawing/2010/main">
-                <a:solidFill>
-                  <a:schemeClr val="accent1"/>
-                </a:solidFill>
-              </a14:hiddenFill>
-            </a:ext>
-            <a:ext uri="{91240B29-F687-4F45-9708-019B960494DF}">
-              <a14:hiddenLine xmlns:a14="http://schemas.microsoft.com/office/drawing/2010/main" w="9525">
-                <a:solidFill>
-                  <a:schemeClr val="tx1"/>
-                </a:solidFill>
-                <a:miter lim="800000"/>
-                <a:headEnd/>
-                <a:tailEnd/>
-              </a14:hiddenLine>
-            </a:ext>
-            <a:ext uri="{AF507438-7753-43E0-B8FC-AC1667EBCBE1}">
-              <a14:hiddenEffects xmlns:a14="http://schemas.microsoft.com/office/drawing/2010/main">
-                <a:effectLst>
-                  <a:outerShdw dist="35921" dir="2700000" algn="ctr" rotWithShape="0">
-                    <a:schemeClr val="bg2"/>
-                  </a:outerShdw>
-                </a:effectLst>
-              </a14:hiddenEffects>
-            </a:ext>
-          </a:extLst>
-        </p:spPr>
-      </p:pic>
     </p:spTree>
     <p:extLst>
       <p:ext uri="{BB962C8B-B14F-4D97-AF65-F5344CB8AC3E}">
-        <p14:creationId xmlns:p14="http://schemas.microsoft.com/office/powerpoint/2010/main" val="601056514"/>
+        <p14:creationId xmlns:p14="http://schemas.microsoft.com/office/powerpoint/2010/main" val="846260035"/>
       </p:ext>
     </p:extLst>
   </p:cSld>
@@ -24855,7 +24811,7 @@
           <a:p>
             <a:r>
               <a:rPr lang="en-US" dirty="0"/>
-              <a:t>4.5.1 Date and Time Types in SQL</a:t>
+              <a:t>4.4.4 The check Clause</a:t>
             </a:r>
           </a:p>
         </p:txBody>
@@ -24872,193 +24828,175 @@
         </p:nvSpPr>
         <p:spPr/>
         <p:txBody>
-          <a:bodyPr/>
+          <a:bodyPr>
+            <a:normAutofit/>
+          </a:bodyPr>
           <a:lstStyle/>
           <a:p>
-            <a:r>
-              <a:rPr lang="en-US" sz="1400" dirty="0"/>
-              <a:t>date ’2001-04-25’</a:t>
-            </a:r>
-          </a:p>
-          <a:p>
-            <a:r>
-              <a:rPr lang="en-US" sz="1400" dirty="0" smtClean="0"/>
-              <a:t>time </a:t>
-            </a:r>
-            <a:r>
-              <a:rPr lang="en-US" sz="1400" dirty="0"/>
-              <a:t>’09:30:00’</a:t>
-            </a:r>
-          </a:p>
-          <a:p>
-            <a:r>
-              <a:rPr lang="en-US" sz="1400" dirty="0" smtClean="0"/>
-              <a:t>timestamp </a:t>
-            </a:r>
-            <a:r>
-              <a:rPr lang="en-US" sz="1400" dirty="0"/>
-              <a:t>’2001-04-25 10:29:01.45</a:t>
-            </a:r>
-            <a:r>
-              <a:rPr lang="en-US" sz="1400" dirty="0" smtClean="0"/>
-              <a:t>’</a:t>
-            </a:r>
-            <a:endParaRPr lang="he-IL" sz="1400" dirty="0" smtClean="0"/>
-          </a:p>
-          <a:p>
-            <a:pPr marL="0" indent="0">
-              <a:buNone/>
-            </a:pPr>
-            <a:r>
-              <a:rPr lang="en-US" sz="1200" dirty="0"/>
-              <a:t>SQL defines several functions to get the current date and </a:t>
-            </a:r>
-            <a:r>
-              <a:rPr lang="en-US" sz="1200" dirty="0" smtClean="0"/>
-              <a:t>time</a:t>
-            </a:r>
-            <a:r>
-              <a:rPr lang="he-IL" sz="1200" dirty="0" smtClean="0"/>
-              <a:t>:</a:t>
-            </a:r>
-          </a:p>
-          <a:p>
-            <a:pPr marL="0" indent="0">
-              <a:buNone/>
-            </a:pPr>
-            <a:r>
-              <a:rPr lang="en-US" sz="1200" b="1" dirty="0" smtClean="0"/>
-              <a:t>current</a:t>
-            </a:r>
-            <a:r>
-              <a:rPr lang="he-IL" sz="1200" b="1" dirty="0" smtClean="0"/>
-              <a:t>_</a:t>
-            </a:r>
-            <a:r>
-              <a:rPr lang="en-US" sz="1200" b="1" dirty="0"/>
-              <a:t>date, </a:t>
-            </a:r>
-            <a:r>
-              <a:rPr lang="en-US" sz="1200" b="1" dirty="0" err="1"/>
-              <a:t>current_time</a:t>
-            </a:r>
-            <a:r>
-              <a:rPr lang="en-US" sz="1200" b="1" dirty="0"/>
-              <a:t>, </a:t>
-            </a:r>
-            <a:r>
-              <a:rPr lang="en-US" sz="1200" b="1" dirty="0" err="1"/>
-              <a:t>localtime</a:t>
-            </a:r>
-            <a:r>
-              <a:rPr lang="en-US" sz="1200" b="1" dirty="0"/>
-              <a:t>, current </a:t>
-            </a:r>
-            <a:r>
-              <a:rPr lang="en-US" sz="1200" b="1" dirty="0" smtClean="0"/>
-              <a:t>timestamp</a:t>
-            </a:r>
-          </a:p>
-          <a:p>
             <a:pPr marL="0" indent="0" algn="r" rtl="1">
               <a:buNone/>
             </a:pPr>
-            <a:endParaRPr lang="en-US" sz="1200" b="1" dirty="0"/>
+            <a:r>
+              <a:rPr lang="he-IL" sz="1600" dirty="0" smtClean="0"/>
+              <a:t>יש אפשרות לבצע בידוק בזמן </a:t>
+            </a:r>
+            <a:r>
+              <a:rPr lang="en-US" sz="1600" dirty="0" smtClean="0"/>
+              <a:t>create table </a:t>
+            </a:r>
+            <a:r>
+              <a:rPr lang="he-IL" sz="1600" dirty="0" smtClean="0"/>
+              <a:t> שיבדוק האם שדה מסויים עומד בדרישה מסויימת</a:t>
+            </a:r>
           </a:p>
           <a:p>
             <a:pPr marL="0" indent="0" algn="r" rtl="1">
               <a:buNone/>
             </a:pPr>
             <a:r>
-              <a:rPr lang="he-IL" sz="1200" b="1" dirty="0" smtClean="0"/>
-              <a:t>אפשר לחבר זמנים ותאריכים , להשוות בינהם</a:t>
+              <a:rPr lang="he-IL" sz="1600" dirty="0" smtClean="0"/>
+              <a:t>למשל:</a:t>
             </a:r>
           </a:p>
           <a:p>
             <a:pPr marL="0" indent="0" algn="r" rtl="1">
               <a:buNone/>
             </a:pPr>
-            <a:r>
-              <a:rPr lang="he-IL" sz="1200" b="1" dirty="0" smtClean="0"/>
-              <a:t>לדוגמה:</a:t>
-            </a:r>
-          </a:p>
-          <a:p>
-            <a:pPr marL="0" indent="0" algn="l">
-              <a:buNone/>
-            </a:pPr>
-            <a:r>
-              <a:rPr lang="en-US" sz="1200" b="1" dirty="0"/>
-              <a:t>select </a:t>
-            </a:r>
-            <a:r>
-              <a:rPr lang="en-US" sz="1200" b="1" dirty="0" err="1"/>
-              <a:t>current_timestamp</a:t>
-            </a:r>
-            <a:r>
-              <a:rPr lang="en-US" sz="1200" b="1" dirty="0"/>
-              <a:t> ,*   from </a:t>
-            </a:r>
-            <a:r>
-              <a:rPr lang="en-US" sz="1200" b="1" dirty="0" smtClean="0"/>
-              <a:t>instructor</a:t>
-            </a:r>
-            <a:endParaRPr lang="he-IL" sz="1200" b="1" dirty="0" smtClean="0"/>
-          </a:p>
-          <a:p>
-            <a:pPr marL="0" indent="0" algn="l">
-              <a:buNone/>
-            </a:pPr>
-            <a:endParaRPr lang="he-IL" sz="1200" b="1" dirty="0"/>
+            <a:endParaRPr lang="he-IL" sz="1600" dirty="0"/>
           </a:p>
           <a:p>
             <a:pPr marL="0" indent="0" algn="r" rtl="1">
               <a:buNone/>
             </a:pPr>
-            <a:r>
-              <a:rPr lang="he-IL" sz="1200" b="1" dirty="0" smtClean="0"/>
-              <a:t>עוד פונקציות ב </a:t>
-            </a:r>
-            <a:r>
-              <a:rPr lang="en-US" sz="1200" b="1" dirty="0" smtClean="0"/>
-              <a:t>post </a:t>
-            </a:r>
-            <a:r>
-              <a:rPr lang="en-US" sz="1200" b="1" dirty="0" err="1" smtClean="0"/>
-              <a:t>gres</a:t>
-            </a:r>
-            <a:endParaRPr lang="en-US" sz="1200" b="1" dirty="0" smtClean="0"/>
+            <a:endParaRPr lang="he-IL" sz="1600" dirty="0" smtClean="0"/>
           </a:p>
           <a:p>
             <a:pPr marL="0" indent="0" algn="r" rtl="1">
               <a:buNone/>
             </a:pPr>
-            <a:r>
-              <a:rPr lang="en-US" sz="1200" b="1" dirty="0">
-                <a:hlinkClick r:id="rId2"/>
-              </a:rPr>
-              <a:t>http://</a:t>
-            </a:r>
-            <a:r>
-              <a:rPr lang="en-US" sz="1200" b="1" dirty="0" smtClean="0">
-                <a:hlinkClick r:id="rId2"/>
-              </a:rPr>
-              <a:t>www.postgresql.org/docs/9.1/static/functions-datetime.html</a:t>
-            </a:r>
-            <a:endParaRPr lang="en-US" sz="1200" b="1" dirty="0" smtClean="0"/>
+            <a:endParaRPr lang="he-IL" sz="1600" dirty="0"/>
           </a:p>
           <a:p>
             <a:pPr marL="0" indent="0" algn="r" rtl="1">
               <a:buNone/>
             </a:pPr>
-            <a:endParaRPr lang="he-IL" sz="1200" b="1" dirty="0"/>
+            <a:endParaRPr lang="he-IL" sz="1600" dirty="0" smtClean="0"/>
+          </a:p>
+          <a:p>
+            <a:pPr marL="0" indent="0" algn="r" rtl="1">
+              <a:buNone/>
+            </a:pPr>
+            <a:endParaRPr lang="he-IL" sz="1600" dirty="0"/>
+          </a:p>
+          <a:p>
+            <a:pPr marL="0" indent="0" algn="r" rtl="1">
+              <a:buNone/>
+            </a:pPr>
+            <a:endParaRPr lang="he-IL" sz="1600" dirty="0" smtClean="0"/>
+          </a:p>
+          <a:p>
+            <a:pPr marL="0" indent="0" algn="r" rtl="1">
+              <a:buNone/>
+            </a:pPr>
+            <a:endParaRPr lang="he-IL" sz="1600" dirty="0"/>
+          </a:p>
+          <a:p>
+            <a:pPr marL="0" indent="0" algn="r" rtl="1">
+              <a:buNone/>
+            </a:pPr>
+            <a:r>
+              <a:rPr lang="he-IL" sz="1600" dirty="0" smtClean="0"/>
+              <a:t>או </a:t>
+            </a:r>
+            <a:r>
+              <a:rPr lang="en-US" sz="1600" dirty="0"/>
+              <a:t>check (budget &gt; 0</a:t>
+            </a:r>
+            <a:r>
+              <a:rPr lang="en-US" sz="1600" dirty="0" smtClean="0"/>
+              <a:t>)</a:t>
+            </a:r>
+            <a:r>
+              <a:rPr lang="he-IL" sz="1600" dirty="0" smtClean="0"/>
+              <a:t>  </a:t>
+            </a:r>
+          </a:p>
+          <a:p>
+            <a:pPr marL="0" indent="0" algn="r" rtl="1">
+              <a:buNone/>
+            </a:pPr>
+            <a:endParaRPr lang="en-US" sz="1600" dirty="0"/>
           </a:p>
         </p:txBody>
       </p:sp>
+      <p:pic>
+        <p:nvPicPr>
+          <p:cNvPr id="25602" name="Picture 2"/>
+          <p:cNvPicPr>
+            <a:picLocks noChangeAspect="1" noChangeArrowheads="1"/>
+          </p:cNvPicPr>
+          <p:nvPr/>
+        </p:nvPicPr>
+        <p:blipFill>
+          <a:blip r:embed="rId2">
+            <a:extLst>
+              <a:ext uri="{28A0092B-C50C-407E-A947-70E740481C1C}">
+                <a14:useLocalDpi xmlns:a14="http://schemas.microsoft.com/office/drawing/2010/main" val="0"/>
+              </a:ext>
+            </a:extLst>
+          </a:blip>
+          <a:srcRect/>
+          <a:stretch>
+            <a:fillRect/>
+          </a:stretch>
+        </p:blipFill>
+        <p:spPr bwMode="auto">
+          <a:xfrm>
+            <a:off x="2286000" y="1981200"/>
+            <a:ext cx="5143500" cy="2133600"/>
+          </a:xfrm>
+          <a:prstGeom prst="rect">
+            <a:avLst/>
+          </a:prstGeom>
+          <a:noFill/>
+          <a:ln>
+            <a:noFill/>
+          </a:ln>
+          <a:effectLst/>
+          <a:extLst>
+            <a:ext uri="{909E8E84-426E-40DD-AFC4-6F175D3DCCD1}">
+              <a14:hiddenFill xmlns:a14="http://schemas.microsoft.com/office/drawing/2010/main">
+                <a:solidFill>
+                  <a:schemeClr val="accent1"/>
+                </a:solidFill>
+              </a14:hiddenFill>
+            </a:ext>
+            <a:ext uri="{91240B29-F687-4F45-9708-019B960494DF}">
+              <a14:hiddenLine xmlns:a14="http://schemas.microsoft.com/office/drawing/2010/main" w="9525">
+                <a:solidFill>
+                  <a:schemeClr val="tx1"/>
+                </a:solidFill>
+                <a:miter lim="800000"/>
+                <a:headEnd/>
+                <a:tailEnd/>
+              </a14:hiddenLine>
+            </a:ext>
+            <a:ext uri="{AF507438-7753-43E0-B8FC-AC1667EBCBE1}">
+              <a14:hiddenEffects xmlns:a14="http://schemas.microsoft.com/office/drawing/2010/main">
+                <a:effectLst>
+                  <a:outerShdw dist="35921" dir="2700000" algn="ctr" rotWithShape="0">
+                    <a:schemeClr val="bg2"/>
+                  </a:outerShdw>
+                </a:effectLst>
+              </a14:hiddenEffects>
+            </a:ext>
+          </a:extLst>
+        </p:spPr>
+      </p:pic>
     </p:spTree>
     <p:extLst>
       <p:ext uri="{BB962C8B-B14F-4D97-AF65-F5344CB8AC3E}">
-        <p14:creationId xmlns:p14="http://schemas.microsoft.com/office/powerpoint/2010/main" val="1588008673"/>
+        <p14:creationId xmlns:p14="http://schemas.microsoft.com/office/powerpoint/2010/main" val="601056514"/>
       </p:ext>
     </p:extLst>
   </p:cSld>
@@ -25109,7 +25047,7 @@
           <a:p>
             <a:r>
               <a:rPr lang="en-US" dirty="0"/>
-              <a:t>4.5.2 Default Values</a:t>
+              <a:t>4.5.1 Date and Time Types in SQL</a:t>
             </a:r>
           </a:p>
         </p:txBody>
@@ -25126,338 +25064,193 @@
         </p:nvSpPr>
         <p:spPr/>
         <p:txBody>
-          <a:bodyPr>
-            <a:normAutofit fontScale="92500" lnSpcReduction="20000"/>
-          </a:bodyPr>
+          <a:bodyPr/>
           <a:lstStyle/>
           <a:p>
-            <a:pPr algn="r" rtl="1"/>
-            <a:r>
-              <a:rPr lang="he-IL" sz="1800" dirty="0" smtClean="0"/>
-              <a:t>דיי </a:t>
-            </a:r>
-            <a:r>
-              <a:rPr lang="en-US" sz="1800" dirty="0" smtClean="0"/>
-              <a:t>self explanatory </a:t>
-            </a:r>
-            <a:r>
-              <a:rPr lang="he-IL" sz="1800" dirty="0" smtClean="0"/>
-              <a:t> כאן:</a:t>
-            </a:r>
-          </a:p>
-          <a:p>
-            <a:pPr algn="r" rtl="1"/>
-            <a:endParaRPr lang="he-IL" sz="1800" dirty="0"/>
+            <a:r>
+              <a:rPr lang="en-US" sz="1400" dirty="0"/>
+              <a:t>date ’2001-04-25’</a:t>
+            </a:r>
+          </a:p>
+          <a:p>
+            <a:r>
+              <a:rPr lang="en-US" sz="1400" dirty="0" smtClean="0"/>
+              <a:t>time </a:t>
+            </a:r>
+            <a:r>
+              <a:rPr lang="en-US" sz="1400" dirty="0"/>
+              <a:t>’09:30:00’</a:t>
+            </a:r>
+          </a:p>
+          <a:p>
+            <a:r>
+              <a:rPr lang="en-US" sz="1400" dirty="0" smtClean="0"/>
+              <a:t>timestamp </a:t>
+            </a:r>
+            <a:r>
+              <a:rPr lang="en-US" sz="1400" dirty="0"/>
+              <a:t>’2001-04-25 10:29:01.45</a:t>
+            </a:r>
+            <a:r>
+              <a:rPr lang="en-US" sz="1400" dirty="0" smtClean="0"/>
+              <a:t>’</a:t>
+            </a:r>
+            <a:endParaRPr lang="he-IL" sz="1400" dirty="0" smtClean="0"/>
+          </a:p>
+          <a:p>
+            <a:pPr marL="0" indent="0">
+              <a:buNone/>
+            </a:pPr>
+            <a:r>
+              <a:rPr lang="en-US" sz="1200" dirty="0"/>
+              <a:t>SQL defines several functions to get the current date and </a:t>
+            </a:r>
+            <a:r>
+              <a:rPr lang="en-US" sz="1200" dirty="0" smtClean="0"/>
+              <a:t>time</a:t>
+            </a:r>
+            <a:r>
+              <a:rPr lang="he-IL" sz="1200" dirty="0" smtClean="0"/>
+              <a:t>:</a:t>
+            </a:r>
+          </a:p>
+          <a:p>
+            <a:pPr marL="0" indent="0">
+              <a:buNone/>
+            </a:pPr>
+            <a:r>
+              <a:rPr lang="en-US" sz="1200" b="1" dirty="0" smtClean="0"/>
+              <a:t>current</a:t>
+            </a:r>
+            <a:r>
+              <a:rPr lang="he-IL" sz="1200" b="1" dirty="0" smtClean="0"/>
+              <a:t>_</a:t>
+            </a:r>
+            <a:r>
+              <a:rPr lang="en-US" sz="1200" b="1" dirty="0"/>
+              <a:t>date, </a:t>
+            </a:r>
+            <a:r>
+              <a:rPr lang="en-US" sz="1200" b="1" dirty="0" err="1"/>
+              <a:t>current_time</a:t>
+            </a:r>
+            <a:r>
+              <a:rPr lang="en-US" sz="1200" b="1" dirty="0"/>
+              <a:t>, </a:t>
+            </a:r>
+            <a:r>
+              <a:rPr lang="en-US" sz="1200" b="1" dirty="0" err="1"/>
+              <a:t>localtime</a:t>
+            </a:r>
+            <a:r>
+              <a:rPr lang="en-US" sz="1200" b="1" dirty="0"/>
+              <a:t>, current </a:t>
+            </a:r>
+            <a:r>
+              <a:rPr lang="en-US" sz="1200" b="1" dirty="0" smtClean="0"/>
+              <a:t>timestamp</a:t>
+            </a:r>
+          </a:p>
+          <a:p>
+            <a:pPr marL="0" indent="0" algn="r" rtl="1">
+              <a:buNone/>
+            </a:pPr>
+            <a:endParaRPr lang="en-US" sz="1200" b="1" dirty="0"/>
+          </a:p>
+          <a:p>
+            <a:pPr marL="0" indent="0" algn="r" rtl="1">
+              <a:buNone/>
+            </a:pPr>
+            <a:r>
+              <a:rPr lang="he-IL" sz="1200" b="1" dirty="0" smtClean="0"/>
+              <a:t>אפשר לחבר זמנים ותאריכים , להשוות בינהם</a:t>
+            </a:r>
+          </a:p>
+          <a:p>
+            <a:pPr marL="0" indent="0" algn="r" rtl="1">
+              <a:buNone/>
+            </a:pPr>
+            <a:r>
+              <a:rPr lang="he-IL" sz="1200" b="1" dirty="0" smtClean="0"/>
+              <a:t>לדוגמה:</a:t>
+            </a:r>
           </a:p>
           <a:p>
             <a:pPr marL="0" indent="0" algn="l">
               <a:buNone/>
             </a:pPr>
             <a:r>
-              <a:rPr lang="en-US" sz="1800" dirty="0"/>
-              <a:t>SQL allows a default value to be specified for an attribute as illustrated by the</a:t>
-            </a:r>
+              <a:rPr lang="en-US" sz="1200" b="1" dirty="0"/>
+              <a:t>select </a:t>
+            </a:r>
+            <a:r>
+              <a:rPr lang="en-US" sz="1200" b="1" dirty="0" err="1"/>
+              <a:t>current_timestamp</a:t>
+            </a:r>
+            <a:r>
+              <a:rPr lang="en-US" sz="1200" b="1" dirty="0"/>
+              <a:t> ,*   from </a:t>
+            </a:r>
+            <a:r>
+              <a:rPr lang="en-US" sz="1200" b="1" dirty="0" smtClean="0"/>
+              <a:t>instructor</a:t>
+            </a:r>
+            <a:endParaRPr lang="he-IL" sz="1200" b="1" dirty="0" smtClean="0"/>
           </a:p>
           <a:p>
             <a:pPr marL="0" indent="0" algn="l">
               <a:buNone/>
             </a:pPr>
-            <a:r>
-              <a:rPr lang="en-US" sz="1800" dirty="0" smtClean="0"/>
-              <a:t>following </a:t>
-            </a:r>
-            <a:r>
-              <a:rPr lang="en-US" sz="1800" dirty="0"/>
-              <a:t>create table statement:</a:t>
-            </a:r>
-          </a:p>
-          <a:p>
-            <a:pPr marL="0" indent="0" algn="l">
-              <a:buNone/>
-            </a:pPr>
-            <a:r>
-              <a:rPr lang="en-US" sz="1800" dirty="0" smtClean="0">
-                <a:solidFill>
-                  <a:srgbClr val="FF0000"/>
-                </a:solidFill>
+            <a:endParaRPr lang="he-IL" sz="1200" b="1" dirty="0"/>
+          </a:p>
+          <a:p>
+            <a:pPr marL="0" indent="0" algn="r" rtl="1">
+              <a:buNone/>
+            </a:pPr>
+            <a:r>
+              <a:rPr lang="he-IL" sz="1200" b="1" dirty="0" smtClean="0"/>
+              <a:t>עוד פונקציות ב </a:t>
+            </a:r>
+            <a:r>
+              <a:rPr lang="en-US" sz="1200" b="1" dirty="0" smtClean="0"/>
+              <a:t>post </a:t>
+            </a:r>
+            <a:r>
+              <a:rPr lang="en-US" sz="1200" b="1" dirty="0" err="1" smtClean="0"/>
+              <a:t>gres</a:t>
+            </a:r>
+            <a:endParaRPr lang="en-US" sz="1200" b="1" dirty="0" smtClean="0"/>
+          </a:p>
+          <a:p>
+            <a:pPr marL="0" indent="0" algn="r" rtl="1">
+              <a:buNone/>
+            </a:pPr>
+            <a:r>
+              <a:rPr lang="en-US" sz="1200" b="1" dirty="0">
+                <a:hlinkClick r:id="rId2"/>
               </a:rPr>
-              <a:t>create </a:t>
-            </a:r>
-            <a:r>
-              <a:rPr lang="en-US" sz="1800" dirty="0">
-                <a:solidFill>
-                  <a:srgbClr val="FF0000"/>
-                </a:solidFill>
+              <a:t>http://</a:t>
+            </a:r>
+            <a:r>
+              <a:rPr lang="en-US" sz="1200" b="1" dirty="0" smtClean="0">
+                <a:hlinkClick r:id="rId2"/>
               </a:rPr>
-              <a:t>table student</a:t>
-            </a:r>
-          </a:p>
-          <a:p>
-            <a:pPr marL="0" indent="0" algn="l">
-              <a:buNone/>
-            </a:pPr>
-            <a:r>
-              <a:rPr lang="en-US" sz="1800" dirty="0" smtClean="0">
-                <a:solidFill>
-                  <a:srgbClr val="FF0000"/>
-                </a:solidFill>
-              </a:rPr>
-              <a:t>(</a:t>
-            </a:r>
-            <a:r>
-              <a:rPr lang="en-US" sz="1800" dirty="0">
-                <a:solidFill>
-                  <a:srgbClr val="FF0000"/>
-                </a:solidFill>
-              </a:rPr>
-              <a:t>ID </a:t>
-            </a:r>
-            <a:r>
-              <a:rPr lang="en-US" sz="1800" dirty="0" err="1">
-                <a:solidFill>
-                  <a:srgbClr val="FF0000"/>
-                </a:solidFill>
-              </a:rPr>
-              <a:t>varchar</a:t>
-            </a:r>
-            <a:r>
-              <a:rPr lang="en-US" sz="1800" dirty="0">
-                <a:solidFill>
-                  <a:srgbClr val="FF0000"/>
-                </a:solidFill>
-              </a:rPr>
-              <a:t> (5),</a:t>
-            </a:r>
-          </a:p>
-          <a:p>
-            <a:pPr marL="0" indent="0" algn="l">
-              <a:buNone/>
-            </a:pPr>
-            <a:r>
-              <a:rPr lang="en-US" sz="1800" dirty="0" smtClean="0">
-                <a:solidFill>
-                  <a:srgbClr val="FF0000"/>
-                </a:solidFill>
-              </a:rPr>
-              <a:t>name </a:t>
-            </a:r>
-            <a:r>
-              <a:rPr lang="en-US" sz="1800" dirty="0" err="1">
-                <a:solidFill>
-                  <a:srgbClr val="FF0000"/>
-                </a:solidFill>
-              </a:rPr>
-              <a:t>varchar</a:t>
-            </a:r>
-            <a:r>
-              <a:rPr lang="en-US" sz="1800" dirty="0">
-                <a:solidFill>
-                  <a:srgbClr val="FF0000"/>
-                </a:solidFill>
-              </a:rPr>
-              <a:t> (20) not null,</a:t>
-            </a:r>
-          </a:p>
-          <a:p>
-            <a:pPr marL="0" indent="0" algn="l">
-              <a:buNone/>
-            </a:pPr>
-            <a:r>
-              <a:rPr lang="en-US" sz="1800" dirty="0" err="1" smtClean="0">
-                <a:solidFill>
-                  <a:srgbClr val="FF0000"/>
-                </a:solidFill>
-              </a:rPr>
-              <a:t>dept</a:t>
-            </a:r>
-            <a:r>
-              <a:rPr lang="en-US" sz="1800" dirty="0" smtClean="0">
-                <a:solidFill>
-                  <a:srgbClr val="FF0000"/>
-                </a:solidFill>
-              </a:rPr>
-              <a:t> </a:t>
-            </a:r>
-            <a:r>
-              <a:rPr lang="en-US" sz="1800" dirty="0">
-                <a:solidFill>
-                  <a:srgbClr val="FF0000"/>
-                </a:solidFill>
-              </a:rPr>
-              <a:t>name </a:t>
-            </a:r>
-            <a:r>
-              <a:rPr lang="en-US" sz="1800" dirty="0" err="1">
-                <a:solidFill>
-                  <a:srgbClr val="FF0000"/>
-                </a:solidFill>
-              </a:rPr>
-              <a:t>varchar</a:t>
-            </a:r>
-            <a:r>
-              <a:rPr lang="en-US" sz="1800" dirty="0">
-                <a:solidFill>
-                  <a:srgbClr val="FF0000"/>
-                </a:solidFill>
-              </a:rPr>
-              <a:t> (20),</a:t>
-            </a:r>
-          </a:p>
-          <a:p>
-            <a:pPr marL="0" indent="0" algn="l">
-              <a:buNone/>
-            </a:pPr>
-            <a:r>
-              <a:rPr lang="en-US" sz="1800" dirty="0" smtClean="0">
-                <a:solidFill>
-                  <a:srgbClr val="FF0000"/>
-                </a:solidFill>
-              </a:rPr>
-              <a:t>tot </a:t>
-            </a:r>
-            <a:r>
-              <a:rPr lang="en-US" sz="1800" dirty="0">
-                <a:solidFill>
-                  <a:srgbClr val="FF0000"/>
-                </a:solidFill>
-              </a:rPr>
-              <a:t>cred numeric (3,0) default 0,</a:t>
-            </a:r>
-          </a:p>
-          <a:p>
-            <a:pPr marL="0" indent="0" algn="l">
-              <a:buNone/>
-            </a:pPr>
-            <a:r>
-              <a:rPr lang="en-US" sz="1800" dirty="0" smtClean="0">
-                <a:solidFill>
-                  <a:srgbClr val="FF0000"/>
-                </a:solidFill>
-              </a:rPr>
-              <a:t>primary </a:t>
-            </a:r>
-            <a:r>
-              <a:rPr lang="en-US" sz="1800" dirty="0">
-                <a:solidFill>
-                  <a:srgbClr val="FF0000"/>
-                </a:solidFill>
-              </a:rPr>
-              <a:t>key (ID));</a:t>
-            </a:r>
-          </a:p>
-          <a:p>
-            <a:pPr marL="0" indent="0" algn="l">
-              <a:buNone/>
-            </a:pPr>
-            <a:r>
-              <a:rPr lang="en-US" sz="1800" dirty="0" smtClean="0"/>
-              <a:t>The </a:t>
-            </a:r>
-            <a:r>
-              <a:rPr lang="en-US" sz="1800" dirty="0"/>
-              <a:t>default value of the tot cred attribute is declared to be 0. As a result, when a</a:t>
-            </a:r>
-          </a:p>
-          <a:p>
-            <a:pPr marL="0" indent="0" algn="l">
-              <a:buNone/>
-            </a:pPr>
-            <a:r>
-              <a:rPr lang="en-US" sz="1800" dirty="0" smtClean="0"/>
-              <a:t>tuple </a:t>
-            </a:r>
-            <a:r>
-              <a:rPr lang="en-US" sz="1800" dirty="0"/>
-              <a:t>is inserted into the student relation, if no value is provided for the tot cred</a:t>
-            </a:r>
-          </a:p>
-          <a:p>
-            <a:pPr marL="0" indent="0" algn="l">
-              <a:buNone/>
-            </a:pPr>
-            <a:r>
-              <a:rPr lang="en-US" sz="1800" dirty="0" smtClean="0"/>
-              <a:t>attribute</a:t>
-            </a:r>
-            <a:r>
-              <a:rPr lang="en-US" sz="1800" dirty="0"/>
-              <a:t>, its value is set to 0. The following insert statement illustrates how an</a:t>
-            </a:r>
-          </a:p>
-          <a:p>
-            <a:pPr marL="0" indent="0" algn="l">
-              <a:buNone/>
-            </a:pPr>
-            <a:r>
-              <a:rPr lang="en-US" sz="1800" dirty="0" smtClean="0"/>
-              <a:t>insertion </a:t>
-            </a:r>
-            <a:r>
-              <a:rPr lang="en-US" sz="1800" dirty="0"/>
-              <a:t>can omit the value for the tot cred attribute.</a:t>
-            </a:r>
-          </a:p>
-          <a:p>
-            <a:pPr marL="0" indent="0" algn="l">
-              <a:buNone/>
-            </a:pPr>
-            <a:r>
-              <a:rPr lang="en-US" sz="1800" dirty="0" smtClean="0"/>
-              <a:t>insert </a:t>
-            </a:r>
-            <a:r>
-              <a:rPr lang="en-US" sz="1800" dirty="0"/>
-              <a:t>into student(ID, name, </a:t>
-            </a:r>
-            <a:r>
-              <a:rPr lang="en-US" sz="1800" dirty="0" err="1" smtClean="0"/>
-              <a:t>dept</a:t>
-            </a:r>
-            <a:r>
-              <a:rPr lang="he-IL" sz="1800" dirty="0" smtClean="0"/>
-              <a:t>_</a:t>
-            </a:r>
-            <a:r>
-              <a:rPr lang="en-US" sz="1800" dirty="0" smtClean="0"/>
-              <a:t>name) // see here that total cred is defaulted.</a:t>
-            </a:r>
-            <a:endParaRPr lang="en-US" sz="1800" dirty="0"/>
-          </a:p>
-          <a:p>
-            <a:pPr marL="0" indent="0">
-              <a:buNone/>
-            </a:pPr>
-            <a:r>
-              <a:rPr lang="en-US" sz="1800" dirty="0" smtClean="0"/>
-              <a:t>values </a:t>
-            </a:r>
-            <a:r>
-              <a:rPr lang="en-US" sz="1800" dirty="0"/>
-              <a:t>(’12789’, ’Newman’, ’Comp. Sci</a:t>
-            </a:r>
-            <a:r>
-              <a:rPr lang="en-US" sz="1800" dirty="0" smtClean="0"/>
-              <a:t>.’);</a:t>
-            </a:r>
-            <a:r>
-              <a:rPr lang="en-US" sz="1800" dirty="0"/>
-              <a:t> </a:t>
-            </a:r>
-            <a:r>
-              <a:rPr lang="en-US" sz="1800" dirty="0" smtClean="0"/>
-              <a:t>  </a:t>
-            </a:r>
-            <a:r>
-              <a:rPr lang="en-US" sz="1800" dirty="0"/>
-              <a:t>// see here that total cred is defaulted</a:t>
-            </a:r>
+              <a:t>www.postgresql.org/docs/9.1/static/functions-datetime.html</a:t>
+            </a:r>
+            <a:endParaRPr lang="en-US" sz="1200" b="1" dirty="0" smtClean="0"/>
+          </a:p>
+          <a:p>
+            <a:pPr marL="0" indent="0" algn="r" rtl="1">
+              <a:buNone/>
+            </a:pPr>
+            <a:endParaRPr lang="he-IL" sz="1200" b="1" dirty="0"/>
           </a:p>
         </p:txBody>
       </p:sp>
     </p:spTree>
     <p:extLst>
       <p:ext uri="{BB962C8B-B14F-4D97-AF65-F5344CB8AC3E}">
-        <p14:creationId xmlns:p14="http://schemas.microsoft.com/office/powerpoint/2010/main" val="300195873"/>
+        <p14:creationId xmlns:p14="http://schemas.microsoft.com/office/powerpoint/2010/main" val="1588008673"/>
       </p:ext>
     </p:extLst>
   </p:cSld>
@@ -25508,7 +25301,7 @@
           <a:p>
             <a:r>
               <a:rPr lang="en-US" dirty="0"/>
-              <a:t>4.5.3 Index Creation</a:t>
+              <a:t>4.5.2 Default Values</a:t>
             </a:r>
           </a:p>
         </p:txBody>
@@ -25526,239 +25319,337 @@
         <p:spPr/>
         <p:txBody>
           <a:bodyPr>
-            <a:normAutofit/>
+            <a:normAutofit fontScale="92500" lnSpcReduction="20000"/>
           </a:bodyPr>
           <a:lstStyle/>
           <a:p>
             <a:pPr algn="r" rtl="1"/>
             <a:r>
-              <a:rPr lang="he-IL" sz="1600" dirty="0" smtClean="0"/>
-              <a:t>כל כך חבל לתרגם את הקטע הזה לעברית . הוא כתוב כל כך ברור באנגלית</a:t>
+              <a:rPr lang="he-IL" sz="1800" dirty="0" smtClean="0"/>
+              <a:t>דיי </a:t>
+            </a:r>
+            <a:r>
+              <a:rPr lang="en-US" sz="1800" dirty="0" smtClean="0"/>
+              <a:t>self explanatory </a:t>
+            </a:r>
+            <a:r>
+              <a:rPr lang="he-IL" sz="1800" dirty="0" smtClean="0"/>
+              <a:t> כאן:</a:t>
             </a:r>
           </a:p>
           <a:p>
             <a:pPr algn="r" rtl="1"/>
-            <a:r>
-              <a:rPr lang="he-IL" sz="1600" dirty="0" smtClean="0"/>
-              <a:t>בקצרה : כאשר  מחפשים </a:t>
-            </a:r>
-            <a:r>
-              <a:rPr lang="en-US" sz="1600" dirty="0" smtClean="0"/>
-              <a:t>ID</a:t>
-            </a:r>
-            <a:r>
-              <a:rPr lang="he-IL" sz="1600" dirty="0" smtClean="0"/>
-              <a:t> מסויים או שאילתה שמחזירה מידע ספציפי לסרוק את כל הרשומות אחת אחת לוקח הרבה מאד זמן וזה לא יעיל.</a:t>
-            </a:r>
-          </a:p>
-          <a:p>
-            <a:pPr algn="r" rtl="1"/>
-            <a:r>
-              <a:rPr lang="en-US" sz="1600" dirty="0" smtClean="0"/>
-              <a:t>Index on attribute of relation</a:t>
-            </a:r>
-            <a:r>
-              <a:rPr lang="he-IL" sz="1600" dirty="0" smtClean="0"/>
-              <a:t> הוא מבנה נתונים אשר מאפשר למצוא את המידע בצורה יעילה יותר</a:t>
-            </a:r>
-          </a:p>
-          <a:p>
-            <a:pPr marL="0" indent="0" algn="r" rtl="1">
-              <a:buNone/>
-            </a:pPr>
-            <a:r>
-              <a:rPr lang="he-IL" sz="1600" dirty="0"/>
+            <a:endParaRPr lang="he-IL" sz="1800" dirty="0"/>
+          </a:p>
+          <a:p>
+            <a:pPr marL="0" indent="0" algn="l">
+              <a:buNone/>
+            </a:pPr>
+            <a:r>
+              <a:rPr lang="en-US" sz="1800" dirty="0"/>
+              <a:t>SQL allows a default value to be specified for an attribute as illustrated by the</a:t>
+            </a:r>
+          </a:p>
+          <a:p>
+            <a:pPr marL="0" indent="0" algn="l">
+              <a:buNone/>
+            </a:pPr>
+            <a:r>
+              <a:rPr lang="en-US" sz="1800" dirty="0" smtClean="0"/>
+              <a:t>following </a:t>
+            </a:r>
+            <a:r>
+              <a:rPr lang="en-US" sz="1800" dirty="0"/>
+              <a:t>create table statement:</a:t>
+            </a:r>
+          </a:p>
+          <a:p>
+            <a:pPr marL="0" indent="0" algn="l">
+              <a:buNone/>
+            </a:pPr>
+            <a:r>
+              <a:rPr lang="en-US" sz="1800" dirty="0" smtClean="0">
+                <a:solidFill>
+                  <a:srgbClr val="FF0000"/>
+                </a:solidFill>
+              </a:rPr>
+              <a:t>create </a:t>
+            </a:r>
+            <a:r>
+              <a:rPr lang="en-US" sz="1800" dirty="0">
+                <a:solidFill>
+                  <a:srgbClr val="FF0000"/>
+                </a:solidFill>
+              </a:rPr>
+              <a:t>table student</a:t>
+            </a:r>
+          </a:p>
+          <a:p>
+            <a:pPr marL="0" indent="0" algn="l">
+              <a:buNone/>
+            </a:pPr>
+            <a:r>
+              <a:rPr lang="en-US" sz="1800" dirty="0" smtClean="0">
+                <a:solidFill>
+                  <a:srgbClr val="FF0000"/>
+                </a:solidFill>
+              </a:rPr>
+              <a:t>(</a:t>
+            </a:r>
+            <a:r>
+              <a:rPr lang="en-US" sz="1800" dirty="0">
+                <a:solidFill>
+                  <a:srgbClr val="FF0000"/>
+                </a:solidFill>
+              </a:rPr>
+              <a:t>ID </a:t>
+            </a:r>
+            <a:r>
+              <a:rPr lang="en-US" sz="1800" dirty="0" err="1">
+                <a:solidFill>
+                  <a:srgbClr val="FF0000"/>
+                </a:solidFill>
+              </a:rPr>
+              <a:t>varchar</a:t>
+            </a:r>
+            <a:r>
+              <a:rPr lang="en-US" sz="1800" dirty="0">
+                <a:solidFill>
+                  <a:srgbClr val="FF0000"/>
+                </a:solidFill>
+              </a:rPr>
+              <a:t> (5),</a:t>
+            </a:r>
+          </a:p>
+          <a:p>
+            <a:pPr marL="0" indent="0" algn="l">
+              <a:buNone/>
+            </a:pPr>
+            <a:r>
+              <a:rPr lang="en-US" sz="1800" dirty="0" smtClean="0">
+                <a:solidFill>
+                  <a:srgbClr val="FF0000"/>
+                </a:solidFill>
+              </a:rPr>
+              <a:t>name </a:t>
+            </a:r>
+            <a:r>
+              <a:rPr lang="en-US" sz="1800" dirty="0" err="1">
+                <a:solidFill>
+                  <a:srgbClr val="FF0000"/>
+                </a:solidFill>
+              </a:rPr>
+              <a:t>varchar</a:t>
+            </a:r>
+            <a:r>
+              <a:rPr lang="en-US" sz="1800" dirty="0">
+                <a:solidFill>
+                  <a:srgbClr val="FF0000"/>
+                </a:solidFill>
+              </a:rPr>
+              <a:t> (20) not null,</a:t>
+            </a:r>
+          </a:p>
+          <a:p>
+            <a:pPr marL="0" indent="0" algn="l">
+              <a:buNone/>
+            </a:pPr>
+            <a:r>
+              <a:rPr lang="en-US" sz="1800" dirty="0" err="1" smtClean="0">
+                <a:solidFill>
+                  <a:srgbClr val="FF0000"/>
+                </a:solidFill>
+              </a:rPr>
+              <a:t>dept</a:t>
+            </a:r>
+            <a:r>
+              <a:rPr lang="en-US" sz="1800" dirty="0" smtClean="0">
+                <a:solidFill>
+                  <a:srgbClr val="FF0000"/>
+                </a:solidFill>
+              </a:rPr>
               <a:t> </a:t>
             </a:r>
             <a:r>
-              <a:rPr lang="he-IL" sz="1600" dirty="0" smtClean="0"/>
-              <a:t>     מבלי לסרוק את כל הטבלה.</a:t>
-            </a:r>
+              <a:rPr lang="en-US" sz="1800" dirty="0">
+                <a:solidFill>
+                  <a:srgbClr val="FF0000"/>
+                </a:solidFill>
+              </a:rPr>
+              <a:t>name </a:t>
+            </a:r>
+            <a:r>
+              <a:rPr lang="en-US" sz="1800" dirty="0" err="1">
+                <a:solidFill>
+                  <a:srgbClr val="FF0000"/>
+                </a:solidFill>
+              </a:rPr>
+              <a:t>varchar</a:t>
+            </a:r>
+            <a:r>
+              <a:rPr lang="en-US" sz="1800" dirty="0">
+                <a:solidFill>
+                  <a:srgbClr val="FF0000"/>
+                </a:solidFill>
+              </a:rPr>
+              <a:t> (20),</a:t>
+            </a:r>
+          </a:p>
+          <a:p>
+            <a:pPr marL="0" indent="0" algn="l">
+              <a:buNone/>
+            </a:pPr>
+            <a:r>
+              <a:rPr lang="en-US" sz="1800" dirty="0" smtClean="0">
+                <a:solidFill>
+                  <a:srgbClr val="FF0000"/>
+                </a:solidFill>
+              </a:rPr>
+              <a:t>tot </a:t>
+            </a:r>
+            <a:r>
+              <a:rPr lang="en-US" sz="1800" dirty="0">
+                <a:solidFill>
+                  <a:srgbClr val="FF0000"/>
+                </a:solidFill>
+              </a:rPr>
+              <a:t>cred numeric (3,0) default 0,</a:t>
+            </a:r>
+          </a:p>
+          <a:p>
+            <a:pPr marL="0" indent="0" algn="l">
+              <a:buNone/>
+            </a:pPr>
+            <a:r>
+              <a:rPr lang="en-US" sz="1800" dirty="0" smtClean="0">
+                <a:solidFill>
+                  <a:srgbClr val="FF0000"/>
+                </a:solidFill>
+              </a:rPr>
+              <a:t>primary </a:t>
+            </a:r>
+            <a:r>
+              <a:rPr lang="en-US" sz="1800" dirty="0">
+                <a:solidFill>
+                  <a:srgbClr val="FF0000"/>
+                </a:solidFill>
+              </a:rPr>
+              <a:t>key (ID));</a:t>
+            </a:r>
+          </a:p>
+          <a:p>
+            <a:pPr marL="0" indent="0" algn="l">
+              <a:buNone/>
+            </a:pPr>
+            <a:r>
+              <a:rPr lang="en-US" sz="1800" dirty="0" smtClean="0"/>
+              <a:t>The </a:t>
+            </a:r>
+            <a:r>
+              <a:rPr lang="en-US" sz="1800" dirty="0"/>
+              <a:t>default value of the tot cred attribute is declared to be 0. As a result, when a</a:t>
+            </a:r>
+          </a:p>
+          <a:p>
+            <a:pPr marL="0" indent="0" algn="l">
+              <a:buNone/>
+            </a:pPr>
+            <a:r>
+              <a:rPr lang="en-US" sz="1800" dirty="0" smtClean="0"/>
+              <a:t>tuple </a:t>
+            </a:r>
+            <a:r>
+              <a:rPr lang="en-US" sz="1800" dirty="0"/>
+              <a:t>is inserted into the student relation, if no value is provided for the tot cred</a:t>
+            </a:r>
+          </a:p>
+          <a:p>
+            <a:pPr marL="0" indent="0" algn="l">
+              <a:buNone/>
+            </a:pPr>
+            <a:r>
+              <a:rPr lang="en-US" sz="1800" dirty="0" smtClean="0"/>
+              <a:t>attribute</a:t>
+            </a:r>
+            <a:r>
+              <a:rPr lang="en-US" sz="1800" dirty="0"/>
+              <a:t>, its value is set to 0. The following insert statement illustrates how an</a:t>
+            </a:r>
+          </a:p>
+          <a:p>
+            <a:pPr marL="0" indent="0" algn="l">
+              <a:buNone/>
+            </a:pPr>
+            <a:r>
+              <a:rPr lang="en-US" sz="1800" dirty="0" smtClean="0"/>
+              <a:t>insertion </a:t>
+            </a:r>
+            <a:r>
+              <a:rPr lang="en-US" sz="1800" dirty="0"/>
+              <a:t>can omit the value for the tot cred attribute.</a:t>
+            </a:r>
+          </a:p>
+          <a:p>
+            <a:pPr marL="0" indent="0" algn="l">
+              <a:buNone/>
+            </a:pPr>
+            <a:r>
+              <a:rPr lang="en-US" sz="1800" dirty="0" smtClean="0"/>
+              <a:t>insert </a:t>
+            </a:r>
+            <a:r>
+              <a:rPr lang="en-US" sz="1800" dirty="0"/>
+              <a:t>into student(ID, name, </a:t>
+            </a:r>
+            <a:r>
+              <a:rPr lang="en-US" sz="1800" dirty="0" err="1" smtClean="0"/>
+              <a:t>dept</a:t>
+            </a:r>
+            <a:r>
+              <a:rPr lang="he-IL" sz="1800" dirty="0" smtClean="0"/>
+              <a:t>_</a:t>
+            </a:r>
+            <a:r>
+              <a:rPr lang="en-US" sz="1800" dirty="0" smtClean="0"/>
+              <a:t>name) // see here that total cred is defaulted.</a:t>
+            </a:r>
+            <a:endParaRPr lang="en-US" sz="1800" dirty="0"/>
           </a:p>
           <a:p>
             <a:pPr marL="0" indent="0">
               <a:buNone/>
             </a:pPr>
             <a:r>
-              <a:rPr lang="en-US" sz="1600" dirty="0"/>
-              <a:t>For example, if we create in index on attribute ID of relation student, the database</a:t>
-            </a:r>
-          </a:p>
-          <a:p>
-            <a:pPr marL="0" indent="0">
-              <a:buNone/>
-            </a:pPr>
-            <a:r>
-              <a:rPr lang="en-US" sz="1600" dirty="0" smtClean="0"/>
-              <a:t>system </a:t>
-            </a:r>
-            <a:r>
-              <a:rPr lang="en-US" sz="1600" dirty="0"/>
-              <a:t>can find the record with any specified ID value, such as 22201, or 44553,</a:t>
-            </a:r>
-          </a:p>
-          <a:p>
-            <a:pPr marL="0" indent="0">
-              <a:buNone/>
-            </a:pPr>
-            <a:r>
-              <a:rPr lang="en-US" sz="1600" dirty="0" smtClean="0"/>
-              <a:t>directly</a:t>
-            </a:r>
-            <a:r>
-              <a:rPr lang="en-US" sz="1600" dirty="0"/>
-              <a:t>, without reading all the tuples of the student relation</a:t>
-            </a:r>
-            <a:r>
-              <a:rPr lang="en-US" sz="1600" dirty="0" smtClean="0"/>
-              <a:t>.</a:t>
-            </a:r>
-            <a:endParaRPr lang="he-IL" sz="1600" dirty="0" smtClean="0"/>
-          </a:p>
-          <a:p>
-            <a:pPr marL="0" indent="0">
-              <a:buNone/>
-            </a:pPr>
-            <a:endParaRPr lang="he-IL" sz="1600" dirty="0"/>
-          </a:p>
-          <a:p>
-            <a:pPr marL="0" indent="0">
-              <a:buNone/>
-            </a:pPr>
-            <a:r>
-              <a:rPr lang="en-US" sz="1600" dirty="0"/>
-              <a:t>An index can also be created on a list of attributes, for example on attributes name, and </a:t>
-            </a:r>
-            <a:r>
-              <a:rPr lang="en-US" sz="1600" dirty="0" err="1" smtClean="0"/>
-              <a:t>dept</a:t>
-            </a:r>
-            <a:r>
-              <a:rPr lang="en-US" sz="1600" dirty="0" smtClean="0"/>
-              <a:t> name of</a:t>
-            </a:r>
-            <a:r>
-              <a:rPr lang="he-IL" sz="1600" dirty="0" smtClean="0"/>
+              <a:rPr lang="en-US" sz="1800" dirty="0" smtClean="0"/>
+              <a:t>values </a:t>
+            </a:r>
+            <a:r>
+              <a:rPr lang="en-US" sz="1800" dirty="0"/>
+              <a:t>(’12789’, ’Newman’, ’Comp. Sci</a:t>
+            </a:r>
+            <a:r>
+              <a:rPr lang="en-US" sz="1800" dirty="0" smtClean="0"/>
+              <a:t>.’);</a:t>
+            </a:r>
+            <a:r>
+              <a:rPr lang="en-US" sz="1800" dirty="0"/>
               <a:t> </a:t>
             </a:r>
             <a:r>
-              <a:rPr lang="en-US" sz="1600" dirty="0" smtClean="0"/>
-              <a:t>student.</a:t>
-            </a:r>
-            <a:endParaRPr lang="he-IL" sz="1600" dirty="0" smtClean="0"/>
-          </a:p>
-          <a:p>
-            <a:pPr marL="0" indent="0">
-              <a:buNone/>
-            </a:pPr>
-            <a:endParaRPr lang="he-IL" sz="1600" dirty="0"/>
-          </a:p>
-          <a:p>
-            <a:pPr marL="0" indent="0">
-              <a:buNone/>
-            </a:pPr>
-            <a:r>
-              <a:rPr lang="en-US" sz="1600" dirty="0"/>
-              <a:t>create index </a:t>
-            </a:r>
-            <a:r>
-              <a:rPr lang="en-US" sz="1600" dirty="0" err="1">
-                <a:solidFill>
-                  <a:srgbClr val="FF0000"/>
-                </a:solidFill>
-              </a:rPr>
-              <a:t>idxDeptId</a:t>
-            </a:r>
-            <a:r>
-              <a:rPr lang="en-US" sz="1600" dirty="0"/>
-              <a:t>  on instructor(dept_id</a:t>
-            </a:r>
-            <a:r>
-              <a:rPr lang="en-US" sz="1600" dirty="0" smtClean="0"/>
-              <a:t>);</a:t>
-            </a:r>
-            <a:r>
-              <a:rPr lang="he-IL" sz="1600" dirty="0" smtClean="0"/>
-              <a:t> </a:t>
-            </a:r>
-            <a:r>
-              <a:rPr lang="en-US" sz="1600" dirty="0" smtClean="0"/>
-              <a:t> // </a:t>
-            </a:r>
-            <a:r>
-              <a:rPr lang="he-IL" sz="1600" dirty="0" smtClean="0"/>
-              <a:t>נבדק על </a:t>
-            </a:r>
-            <a:r>
-              <a:rPr lang="en-US" sz="1600" dirty="0"/>
-              <a:t> </a:t>
-            </a:r>
-            <a:r>
-              <a:rPr lang="en-US" sz="1600" dirty="0" err="1" smtClean="0"/>
-              <a:t>postgres</a:t>
-            </a:r>
-            <a:endParaRPr lang="he-IL" sz="1600" dirty="0" smtClean="0"/>
-          </a:p>
-          <a:p>
-            <a:pPr algn="r" rtl="1"/>
-            <a:r>
-              <a:rPr lang="en-US" sz="1600" dirty="0" smtClean="0"/>
-              <a:t>Kudvenkat </a:t>
-            </a:r>
-            <a:r>
-              <a:rPr lang="he-IL" sz="1600" dirty="0"/>
-              <a:t> </a:t>
-            </a:r>
-            <a:r>
-              <a:rPr lang="he-IL" sz="1600" dirty="0" smtClean="0"/>
-              <a:t>מראה </a:t>
-            </a:r>
-            <a:r>
-              <a:rPr lang="he-IL" sz="1600" dirty="0" smtClean="0">
-                <a:hlinkClick r:id="rId2"/>
-              </a:rPr>
-              <a:t>כאן </a:t>
-            </a:r>
-            <a:r>
-              <a:rPr lang="he-IL" sz="1600" dirty="0" smtClean="0"/>
-              <a:t> איך ליצור </a:t>
-            </a:r>
-            <a:r>
-              <a:rPr lang="en-US" sz="1600" dirty="0" smtClean="0"/>
-              <a:t>indexes </a:t>
-            </a:r>
-            <a:r>
-              <a:rPr lang="he-IL" sz="1600" dirty="0" smtClean="0"/>
-              <a:t> אבל זה לא בהכרח אותו </a:t>
-            </a:r>
-            <a:r>
-              <a:rPr lang="en-US" sz="1600" dirty="0" smtClean="0"/>
-              <a:t>syntax </a:t>
-            </a:r>
-            <a:r>
-              <a:rPr lang="he-IL" sz="1600" dirty="0" smtClean="0"/>
-              <a:t> ב </a:t>
-            </a:r>
-            <a:r>
-              <a:rPr lang="en-US" sz="1600" dirty="0" err="1" smtClean="0"/>
-              <a:t>postgres</a:t>
-            </a:r>
-            <a:endParaRPr lang="en-US" sz="1600" dirty="0" smtClean="0"/>
-          </a:p>
-          <a:p>
-            <a:pPr algn="r" rtl="1"/>
-            <a:r>
-              <a:rPr lang="he-IL" sz="1600" dirty="0" smtClean="0"/>
-              <a:t>למרות שזה אמור</a:t>
-            </a:r>
-            <a:endParaRPr lang="en-US" sz="1600" dirty="0" smtClean="0"/>
+              <a:rPr lang="en-US" sz="1800" dirty="0" smtClean="0"/>
+              <a:t>  </a:t>
+            </a:r>
+            <a:r>
+              <a:rPr lang="en-US" sz="1800" dirty="0"/>
+              <a:t>// see here that total cred is defaulted</a:t>
+            </a:r>
           </a:p>
         </p:txBody>
       </p:sp>
     </p:spTree>
     <p:extLst>
       <p:ext uri="{BB962C8B-B14F-4D97-AF65-F5344CB8AC3E}">
-        <p14:creationId xmlns:p14="http://schemas.microsoft.com/office/powerpoint/2010/main" val="3476299736"/>
+        <p14:creationId xmlns:p14="http://schemas.microsoft.com/office/powerpoint/2010/main" val="300195873"/>
       </p:ext>
     </p:extLst>
   </p:cSld>
@@ -25809,7 +25700,7 @@
           <a:p>
             <a:r>
               <a:rPr lang="en-US" dirty="0"/>
-              <a:t>4.5.4 Large-Object Types</a:t>
+              <a:t>4.5.3 Index Creation</a:t>
             </a:r>
           </a:p>
         </p:txBody>
@@ -25833,161 +25724,233 @@
           <a:p>
             <a:pPr algn="r" rtl="1"/>
             <a:r>
-              <a:rPr lang="he-IL" sz="1800" dirty="0" smtClean="0"/>
-              <a:t>יש אפשרות לשמור מידע גדול ב </a:t>
-            </a:r>
-            <a:r>
-              <a:rPr lang="en-US" sz="1800" dirty="0" smtClean="0"/>
-              <a:t>attribute of relation</a:t>
-            </a:r>
-          </a:p>
-          <a:p>
-            <a:pPr algn="l"/>
-            <a:r>
-              <a:rPr lang="en-US" sz="1800" dirty="0"/>
-              <a:t>character data (clob</a:t>
-            </a:r>
-            <a:r>
-              <a:rPr lang="en-US" sz="1800" dirty="0" smtClean="0"/>
-              <a:t>)</a:t>
-            </a:r>
-          </a:p>
-          <a:p>
-            <a:r>
-              <a:rPr lang="en-US" sz="1800" dirty="0" smtClean="0"/>
-              <a:t>binary </a:t>
-            </a:r>
-            <a:r>
-              <a:rPr lang="en-US" sz="1800" dirty="0"/>
-              <a:t>data (blob</a:t>
-            </a:r>
-            <a:r>
-              <a:rPr lang="en-US" sz="1800" dirty="0" smtClean="0"/>
-              <a:t>).</a:t>
-            </a:r>
-          </a:p>
-          <a:p>
-            <a:pPr marL="342900" lvl="1" indent="-342900">
-              <a:buFont typeface="Arial" pitchFamily="34" charset="0"/>
-              <a:buChar char="•"/>
-            </a:pPr>
-            <a:r>
-              <a:rPr lang="en-US" sz="1800" dirty="0"/>
-              <a:t>we may declare </a:t>
-            </a:r>
-            <a:r>
-              <a:rPr lang="en-US" sz="1800" dirty="0" smtClean="0"/>
-              <a:t>attributes:  </a:t>
-            </a:r>
-            <a:r>
-              <a:rPr lang="en-US" sz="1400" dirty="0" smtClean="0"/>
-              <a:t>book </a:t>
-            </a:r>
-            <a:r>
-              <a:rPr lang="en-US" sz="1400" dirty="0"/>
-              <a:t>review clob(10KB)</a:t>
-            </a:r>
-          </a:p>
-          <a:p>
-            <a:pPr marL="400050" lvl="1" indent="0">
-              <a:buNone/>
-            </a:pPr>
-            <a:r>
-              <a:rPr lang="en-US" sz="1400" dirty="0" smtClean="0"/>
-              <a:t>   		 	     image </a:t>
-            </a:r>
-            <a:r>
-              <a:rPr lang="en-US" sz="1400" dirty="0"/>
-              <a:t>blob(10MB)</a:t>
-            </a:r>
-          </a:p>
-          <a:p>
-            <a:pPr marL="400050" lvl="1" indent="0">
-              <a:buNone/>
-            </a:pPr>
-            <a:r>
-              <a:rPr lang="en-US" sz="1400" dirty="0" smtClean="0"/>
-              <a:t>			     movie </a:t>
-            </a:r>
-            <a:r>
-              <a:rPr lang="en-US" sz="1400" dirty="0"/>
-              <a:t>blob(2GB</a:t>
-            </a:r>
-            <a:r>
-              <a:rPr lang="en-US" sz="1400" dirty="0" smtClean="0"/>
-              <a:t>)</a:t>
-            </a:r>
-          </a:p>
-          <a:p>
-            <a:pPr marL="400050" lvl="1" indent="0" algn="r" rtl="1">
-              <a:buNone/>
-            </a:pPr>
-            <a:r>
-              <a:rPr lang="he-IL" sz="1400" dirty="0" smtClean="0"/>
-              <a:t>שקוראים את ה </a:t>
-            </a:r>
-            <a:r>
-              <a:rPr lang="en-US" sz="1400" dirty="0" smtClean="0"/>
-              <a:t>data </a:t>
-            </a:r>
-            <a:r>
-              <a:rPr lang="he-IL" sz="1400" dirty="0" smtClean="0"/>
-              <a:t> מה שנעשה הוא שמחזירים </a:t>
-            </a:r>
-            <a:r>
-              <a:rPr lang="en-US" sz="1400" dirty="0" smtClean="0"/>
-              <a:t>locator </a:t>
-            </a:r>
-            <a:r>
-              <a:rPr lang="he-IL" sz="1400" dirty="0" smtClean="0"/>
-              <a:t> וניתן לקרוא את השדה עם המידע כמו שקוראים מתוך קובץ בחתיכות קטנות מאשר בפעם אחת  </a:t>
-            </a:r>
-          </a:p>
-          <a:p>
-            <a:pPr marL="400050" lvl="1" indent="0" algn="r" rtl="1">
-              <a:buNone/>
-            </a:pPr>
-            <a:r>
-              <a:rPr lang="he-IL" sz="1400" dirty="0" smtClean="0"/>
-              <a:t>כמו שקוראים באמצעות </a:t>
-            </a:r>
-            <a:r>
-              <a:rPr lang="en-US" sz="1400" dirty="0" smtClean="0"/>
-              <a:t>read </a:t>
-            </a:r>
-            <a:r>
-              <a:rPr lang="en-US" sz="1400" dirty="0"/>
+              <a:rPr lang="he-IL" sz="1600" dirty="0" smtClean="0"/>
+              <a:t>כל כך חבל לתרגם את הקטע הזה לעברית . הוא כתוב כל כך ברור באנגלית</a:t>
+            </a:r>
+          </a:p>
+          <a:p>
+            <a:pPr algn="r" rtl="1"/>
+            <a:r>
+              <a:rPr lang="he-IL" sz="1600" dirty="0" smtClean="0"/>
+              <a:t>בקצרה : כאשר  מחפשים </a:t>
+            </a:r>
+            <a:r>
+              <a:rPr lang="en-US" sz="1600" dirty="0" smtClean="0"/>
+              <a:t>ID</a:t>
+            </a:r>
+            <a:r>
+              <a:rPr lang="he-IL" sz="1600" dirty="0" smtClean="0"/>
+              <a:t> מסויים או שאילתה שמחזירה מידע ספציפי לסרוק את כל הרשומות אחת אחת לוקח הרבה מאד זמן וזה לא יעיל.</a:t>
+            </a:r>
+          </a:p>
+          <a:p>
+            <a:pPr algn="r" rtl="1"/>
+            <a:r>
+              <a:rPr lang="en-US" sz="1600" dirty="0" smtClean="0"/>
+              <a:t>Index on attribute of relation</a:t>
+            </a:r>
+            <a:r>
+              <a:rPr lang="he-IL" sz="1600" dirty="0" smtClean="0"/>
+              <a:t> הוא מבנה נתונים אשר מאפשר למצוא את המידע בצורה יעילה יותר</a:t>
+            </a:r>
+          </a:p>
+          <a:p>
+            <a:pPr marL="0" indent="0" algn="r" rtl="1">
+              <a:buNone/>
+            </a:pPr>
+            <a:r>
+              <a:rPr lang="he-IL" sz="1600" dirty="0"/>
               <a:t> </a:t>
             </a:r>
             <a:r>
-              <a:rPr lang="en-US" sz="1400" dirty="0" smtClean="0"/>
-              <a:t>function  call</a:t>
-            </a:r>
-          </a:p>
-          <a:p>
-            <a:pPr marL="400050" lvl="1" indent="0" algn="r" rtl="1">
-              <a:buNone/>
-            </a:pPr>
-            <a:endParaRPr lang="en-US" sz="1400" dirty="0"/>
-          </a:p>
-          <a:p>
-            <a:pPr marL="400050" lvl="1" indent="0" algn="r" rtl="1">
-              <a:buNone/>
-            </a:pPr>
-            <a:endParaRPr lang="en-US" sz="1400" dirty="0" smtClean="0"/>
-          </a:p>
-          <a:p>
-            <a:pPr marL="400050" lvl="1" indent="0">
-              <a:buNone/>
-            </a:pPr>
-            <a:endParaRPr lang="en-US" sz="1400" dirty="0" smtClean="0"/>
+              <a:rPr lang="he-IL" sz="1600" dirty="0" smtClean="0"/>
+              <a:t>     מבלי לסרוק את כל הטבלה.</a:t>
+            </a:r>
+          </a:p>
+          <a:p>
+            <a:pPr marL="0" indent="0">
+              <a:buNone/>
+            </a:pPr>
+            <a:r>
+              <a:rPr lang="en-US" sz="1600" dirty="0"/>
+              <a:t>For example, if we create in index on attribute ID of relation student, the database</a:t>
+            </a:r>
+          </a:p>
+          <a:p>
+            <a:pPr marL="0" indent="0">
+              <a:buNone/>
+            </a:pPr>
+            <a:r>
+              <a:rPr lang="en-US" sz="1600" dirty="0" smtClean="0"/>
+              <a:t>system </a:t>
+            </a:r>
+            <a:r>
+              <a:rPr lang="en-US" sz="1600" dirty="0"/>
+              <a:t>can find the record with any specified ID value, such as 22201, or 44553,</a:t>
+            </a:r>
+          </a:p>
+          <a:p>
+            <a:pPr marL="0" indent="0">
+              <a:buNone/>
+            </a:pPr>
+            <a:r>
+              <a:rPr lang="en-US" sz="1600" dirty="0" smtClean="0"/>
+              <a:t>directly</a:t>
+            </a:r>
+            <a:r>
+              <a:rPr lang="en-US" sz="1600" dirty="0"/>
+              <a:t>, without reading all the tuples of the student relation</a:t>
+            </a:r>
+            <a:r>
+              <a:rPr lang="en-US" sz="1600" dirty="0" smtClean="0"/>
+              <a:t>.</a:t>
+            </a:r>
+            <a:endParaRPr lang="he-IL" sz="1600" dirty="0" smtClean="0"/>
+          </a:p>
+          <a:p>
+            <a:pPr marL="0" indent="0">
+              <a:buNone/>
+            </a:pPr>
+            <a:endParaRPr lang="he-IL" sz="1600" dirty="0"/>
+          </a:p>
+          <a:p>
+            <a:pPr marL="0" indent="0">
+              <a:buNone/>
+            </a:pPr>
+            <a:r>
+              <a:rPr lang="en-US" sz="1600" dirty="0"/>
+              <a:t>An index can also be created on a list of attributes, for example on attributes name, and </a:t>
+            </a:r>
+            <a:r>
+              <a:rPr lang="en-US" sz="1600" dirty="0" err="1" smtClean="0"/>
+              <a:t>dept</a:t>
+            </a:r>
+            <a:r>
+              <a:rPr lang="en-US" sz="1600" dirty="0" smtClean="0"/>
+              <a:t> name of</a:t>
+            </a:r>
+            <a:r>
+              <a:rPr lang="he-IL" sz="1600" dirty="0" smtClean="0"/>
+              <a:t> </a:t>
+            </a:r>
+            <a:r>
+              <a:rPr lang="en-US" sz="1600" dirty="0" smtClean="0"/>
+              <a:t>student.</a:t>
+            </a:r>
+            <a:endParaRPr lang="he-IL" sz="1600" dirty="0" smtClean="0"/>
+          </a:p>
+          <a:p>
+            <a:pPr marL="0" indent="0">
+              <a:buNone/>
+            </a:pPr>
+            <a:endParaRPr lang="he-IL" sz="1600" dirty="0"/>
+          </a:p>
+          <a:p>
+            <a:pPr marL="0" indent="0">
+              <a:buNone/>
+            </a:pPr>
+            <a:r>
+              <a:rPr lang="en-US" sz="1600" dirty="0"/>
+              <a:t>create index </a:t>
+            </a:r>
+            <a:r>
+              <a:rPr lang="en-US" sz="1600" dirty="0" err="1">
+                <a:solidFill>
+                  <a:srgbClr val="FF0000"/>
+                </a:solidFill>
+              </a:rPr>
+              <a:t>idxDeptId</a:t>
+            </a:r>
+            <a:r>
+              <a:rPr lang="en-US" sz="1600" dirty="0"/>
+              <a:t>  on instructor(dept_id</a:t>
+            </a:r>
+            <a:r>
+              <a:rPr lang="en-US" sz="1600" dirty="0" smtClean="0"/>
+              <a:t>);</a:t>
+            </a:r>
+            <a:r>
+              <a:rPr lang="he-IL" sz="1600" dirty="0" smtClean="0"/>
+              <a:t> </a:t>
+            </a:r>
+            <a:r>
+              <a:rPr lang="en-US" sz="1600" dirty="0" smtClean="0"/>
+              <a:t> // </a:t>
+            </a:r>
+            <a:r>
+              <a:rPr lang="he-IL" sz="1600" dirty="0" smtClean="0"/>
+              <a:t>נבדק על </a:t>
+            </a:r>
+            <a:r>
+              <a:rPr lang="en-US" sz="1600" dirty="0"/>
+              <a:t> </a:t>
+            </a:r>
+            <a:r>
+              <a:rPr lang="en-US" sz="1600" dirty="0" err="1" smtClean="0"/>
+              <a:t>postgres</a:t>
+            </a:r>
+            <a:endParaRPr lang="he-IL" sz="1600" dirty="0" smtClean="0"/>
+          </a:p>
+          <a:p>
+            <a:pPr algn="r" rtl="1"/>
+            <a:r>
+              <a:rPr lang="en-US" sz="1600" dirty="0" smtClean="0"/>
+              <a:t>Kudvenkat </a:t>
+            </a:r>
+            <a:r>
+              <a:rPr lang="he-IL" sz="1600" dirty="0"/>
+              <a:t> </a:t>
+            </a:r>
+            <a:r>
+              <a:rPr lang="he-IL" sz="1600" dirty="0" smtClean="0"/>
+              <a:t>מראה </a:t>
+            </a:r>
+            <a:r>
+              <a:rPr lang="he-IL" sz="1600" dirty="0" smtClean="0">
+                <a:hlinkClick r:id="rId2"/>
+              </a:rPr>
+              <a:t>כאן </a:t>
+            </a:r>
+            <a:r>
+              <a:rPr lang="he-IL" sz="1600" dirty="0" smtClean="0"/>
+              <a:t> איך ליצור </a:t>
+            </a:r>
+            <a:r>
+              <a:rPr lang="en-US" sz="1600" dirty="0" smtClean="0"/>
+              <a:t>indexes </a:t>
+            </a:r>
+            <a:r>
+              <a:rPr lang="he-IL" sz="1600" dirty="0" smtClean="0"/>
+              <a:t> אבל זה לא בהכרח אותו </a:t>
+            </a:r>
+            <a:r>
+              <a:rPr lang="en-US" sz="1600" dirty="0" smtClean="0"/>
+              <a:t>syntax </a:t>
+            </a:r>
+            <a:r>
+              <a:rPr lang="he-IL" sz="1600" dirty="0" smtClean="0"/>
+              <a:t> ב </a:t>
+            </a:r>
+            <a:r>
+              <a:rPr lang="en-US" sz="1600" dirty="0" err="1" smtClean="0"/>
+              <a:t>postgres</a:t>
+            </a:r>
+            <a:endParaRPr lang="en-US" sz="1600" dirty="0" smtClean="0"/>
+          </a:p>
+          <a:p>
+            <a:pPr algn="r" rtl="1"/>
+            <a:r>
+              <a:rPr lang="he-IL" sz="1600" dirty="0" smtClean="0"/>
+              <a:t>למרות שזה אמור</a:t>
+            </a:r>
+            <a:endParaRPr lang="en-US" sz="1600" dirty="0" smtClean="0"/>
           </a:p>
         </p:txBody>
       </p:sp>
     </p:spTree>
     <p:extLst>
       <p:ext uri="{BB962C8B-B14F-4D97-AF65-F5344CB8AC3E}">
-        <p14:creationId xmlns:p14="http://schemas.microsoft.com/office/powerpoint/2010/main" val="1538258509"/>
+        <p14:creationId xmlns:p14="http://schemas.microsoft.com/office/powerpoint/2010/main" val="3476299736"/>
       </p:ext>
     </p:extLst>
   </p:cSld>
@@ -26038,7 +26001,7 @@
           <a:p>
             <a:r>
               <a:rPr lang="en-US" dirty="0"/>
-              <a:t>4.5.5 User-Defined Types</a:t>
+              <a:t>4.5.4 Large-Object Types</a:t>
             </a:r>
           </a:p>
         </p:txBody>
@@ -26060,237 +26023,163 @@
           </a:bodyPr>
           <a:lstStyle/>
           <a:p>
+            <a:pPr algn="r" rtl="1"/>
+            <a:r>
+              <a:rPr lang="he-IL" sz="1800" dirty="0" smtClean="0"/>
+              <a:t>יש אפשרות לשמור מידע גדול ב </a:t>
+            </a:r>
+            <a:r>
+              <a:rPr lang="en-US" sz="1800" dirty="0" smtClean="0"/>
+              <a:t>attribute of relation</a:t>
+            </a:r>
+          </a:p>
+          <a:p>
+            <a:pPr algn="l"/>
             <a:r>
               <a:rPr lang="en-US" sz="1800" dirty="0"/>
-              <a:t>create type </a:t>
-            </a:r>
-            <a:r>
-              <a:rPr lang="en-US" sz="1800" dirty="0">
-                <a:solidFill>
-                  <a:srgbClr val="FF0000"/>
-                </a:solidFill>
-              </a:rPr>
-              <a:t>Dollars</a:t>
+              <a:t>character data (clob</a:t>
+            </a:r>
+            <a:r>
+              <a:rPr lang="en-US" sz="1800" dirty="0" smtClean="0"/>
+              <a:t>)</a:t>
+            </a:r>
+          </a:p>
+          <a:p>
+            <a:r>
+              <a:rPr lang="en-US" sz="1800" dirty="0" smtClean="0"/>
+              <a:t>binary </a:t>
             </a:r>
             <a:r>
               <a:rPr lang="en-US" sz="1800" dirty="0"/>
-              <a:t> as numeric(12,2) final;</a:t>
-            </a:r>
-          </a:p>
-          <a:p>
+              <a:t>data (blob</a:t>
+            </a:r>
             <a:r>
               <a:rPr lang="en-US" sz="1800" dirty="0" smtClean="0"/>
-              <a:t>create type </a:t>
-            </a:r>
+              <a:t>).</a:t>
+            </a:r>
+          </a:p>
+          <a:p>
+            <a:pPr marL="342900" lvl="1" indent="-342900">
+              <a:buFont typeface="Arial" pitchFamily="34" charset="0"/>
+              <a:buChar char="•"/>
+            </a:pPr>
             <a:r>
               <a:rPr lang="en-US" sz="1800" dirty="0"/>
-              <a:t>Pounds as numeric(12,2) final</a:t>
+              <a:t>we may declare </a:t>
             </a:r>
             <a:r>
               <a:rPr lang="en-US" sz="1800" dirty="0" smtClean="0"/>
-              <a:t>;</a:t>
-            </a:r>
-          </a:p>
-          <a:p>
-            <a:pPr algn="r" rtl="1"/>
-            <a:r>
-              <a:rPr lang="he-IL" sz="2000" dirty="0" smtClean="0"/>
-              <a:t>ה </a:t>
-            </a:r>
-            <a:r>
-              <a:rPr lang="en-US" sz="2000" dirty="0" smtClean="0"/>
-              <a:t>final </a:t>
-            </a:r>
-            <a:r>
-              <a:rPr lang="he-IL" sz="2000" dirty="0"/>
+              <a:t>attributes:  </a:t>
+            </a:r>
+            <a:r>
+              <a:rPr lang="en-US" sz="1400" dirty="0" smtClean="0"/>
+              <a:t>book </a:t>
+            </a:r>
+            <a:r>
+              <a:rPr lang="en-US" sz="1400" dirty="0"/>
+              <a:t>review clob(10KB)</a:t>
+            </a:r>
+          </a:p>
+          <a:p>
+            <a:pPr marL="400050" lvl="1" indent="0">
+              <a:buNone/>
+            </a:pPr>
+            <a:r>
+              <a:rPr lang="en-US" sz="1400" dirty="0" smtClean="0"/>
+              <a:t>   		 	     image </a:t>
+            </a:r>
+            <a:r>
+              <a:rPr lang="en-US" sz="1400" dirty="0"/>
+              <a:t>blob(10MB)</a:t>
+            </a:r>
+          </a:p>
+          <a:p>
+            <a:pPr marL="400050" lvl="1" indent="0">
+              <a:buNone/>
+            </a:pPr>
+            <a:r>
+              <a:rPr lang="en-US" sz="1400" dirty="0" smtClean="0"/>
+              <a:t>			     movie </a:t>
+            </a:r>
+            <a:r>
+              <a:rPr lang="en-US" sz="1400" dirty="0"/>
+              <a:t>blob(2GB</a:t>
+            </a:r>
+            <a:r>
+              <a:rPr lang="en-US" sz="1400" dirty="0" smtClean="0"/>
+              <a:t>)</a:t>
+            </a:r>
+          </a:p>
+          <a:p>
+            <a:pPr marL="400050" lvl="1" indent="0" algn="r" rtl="1">
+              <a:buNone/>
+            </a:pPr>
+            <a:r>
+              <a:rPr lang="he-IL" sz="1400" dirty="0" smtClean="0"/>
+              <a:t>שקוראים את ה </a:t>
+            </a:r>
+            <a:r>
+              <a:rPr lang="en-US" sz="1400" dirty="0" smtClean="0"/>
+              <a:t>data </a:t>
+            </a:r>
+            <a:r>
+              <a:rPr lang="he-IL" sz="1400" dirty="0" smtClean="0"/>
+              <a:t> מה שנעשה הוא שמחזירים </a:t>
+            </a:r>
+            <a:r>
+              <a:rPr lang="en-US" sz="1400" dirty="0" smtClean="0"/>
+              <a:t>locator </a:t>
+            </a:r>
+            <a:r>
+              <a:rPr lang="he-IL" sz="1400" dirty="0" smtClean="0"/>
+              <a:t> וניתן לקרוא את השדה עם המידע כמו שקוראים מתוך קובץ בחתיכות קטנות מאשר בפעם אחת  </a:t>
+            </a:r>
+          </a:p>
+          <a:p>
+            <a:pPr marL="400050" lvl="1" indent="0" algn="r" rtl="1">
+              <a:buNone/>
+            </a:pPr>
+            <a:r>
+              <a:rPr lang="he-IL" sz="1400" dirty="0" smtClean="0"/>
+              <a:t>כמו שקוראים באמצעות </a:t>
+            </a:r>
+            <a:r>
+              <a:rPr lang="en-US" sz="1400" dirty="0" smtClean="0"/>
+              <a:t>read </a:t>
+            </a:r>
+            <a:r>
+              <a:rPr lang="en-US" sz="1400" dirty="0"/>
               <a:t> </a:t>
             </a:r>
             <a:r>
-              <a:rPr lang="he-IL" sz="2000" dirty="0" smtClean="0"/>
-              <a:t>לא מוסיף – ולפעמים ניתן להשמיטו</a:t>
-            </a:r>
-            <a:endParaRPr lang="en-US" sz="2000" dirty="0"/>
-          </a:p>
-          <a:p>
-            <a:pPr marL="0" indent="0">
-              <a:buNone/>
-            </a:pPr>
-            <a:r>
-              <a:rPr lang="en-US" sz="2100" dirty="0"/>
-              <a:t>create table department</a:t>
-            </a:r>
-          </a:p>
-          <a:p>
-            <a:pPr marL="0" indent="0">
-              <a:buNone/>
-            </a:pPr>
-            <a:r>
-              <a:rPr lang="en-US" sz="2100" dirty="0" smtClean="0"/>
-              <a:t>(</a:t>
-            </a:r>
-            <a:r>
-              <a:rPr lang="en-US" sz="2100" dirty="0" err="1"/>
-              <a:t>dept</a:t>
-            </a:r>
-            <a:r>
-              <a:rPr lang="en-US" sz="2100" dirty="0"/>
-              <a:t> name </a:t>
-            </a:r>
-            <a:r>
-              <a:rPr lang="en-US" sz="2100" dirty="0" err="1"/>
-              <a:t>varchar</a:t>
-            </a:r>
-            <a:r>
-              <a:rPr lang="en-US" sz="2100" dirty="0"/>
-              <a:t> (20),</a:t>
-            </a:r>
-          </a:p>
-          <a:p>
-            <a:pPr marL="0" indent="0">
-              <a:buNone/>
-            </a:pPr>
-            <a:r>
-              <a:rPr lang="en-US" sz="2100" dirty="0" smtClean="0"/>
-              <a:t>building </a:t>
-            </a:r>
-            <a:r>
-              <a:rPr lang="en-US" sz="2100" dirty="0" err="1"/>
-              <a:t>varchar</a:t>
-            </a:r>
-            <a:r>
-              <a:rPr lang="en-US" sz="2100" dirty="0"/>
-              <a:t> (15),</a:t>
-            </a:r>
-          </a:p>
-          <a:p>
-            <a:pPr marL="0" indent="0">
-              <a:buNone/>
-            </a:pPr>
-            <a:r>
-              <a:rPr lang="en-US" sz="2100" dirty="0" smtClean="0"/>
-              <a:t>budget </a:t>
-            </a:r>
-            <a:r>
-              <a:rPr lang="en-US" sz="2100" dirty="0" smtClean="0">
-                <a:solidFill>
-                  <a:srgbClr val="FF0000"/>
-                </a:solidFill>
-              </a:rPr>
-              <a:t>Dollars</a:t>
-            </a:r>
-            <a:r>
-              <a:rPr lang="en-US" sz="2100" dirty="0" smtClean="0"/>
-              <a:t>);</a:t>
-            </a:r>
-            <a:endParaRPr lang="he-IL" sz="2100" dirty="0" smtClean="0"/>
-          </a:p>
-          <a:p>
-            <a:pPr marL="0" indent="0">
-              <a:buNone/>
-            </a:pPr>
-            <a:r>
-              <a:rPr lang="en-US" sz="1200" dirty="0"/>
-              <a:t>As a result of strong type checking, the expression (department.budget+20)</a:t>
-            </a:r>
-          </a:p>
-          <a:p>
-            <a:pPr marL="0" indent="0">
-              <a:buNone/>
-            </a:pPr>
-            <a:r>
-              <a:rPr lang="en-US" sz="1200" dirty="0" smtClean="0"/>
-              <a:t>would </a:t>
-            </a:r>
-            <a:r>
-              <a:rPr lang="en-US" sz="1200" b="1" dirty="0"/>
-              <a:t>not</a:t>
-            </a:r>
-            <a:r>
-              <a:rPr lang="en-US" sz="1200" dirty="0"/>
-              <a:t> be accepted since the attribute and the integer constant 20 have </a:t>
-            </a:r>
-            <a:r>
-              <a:rPr lang="en-US" sz="1200" dirty="0" smtClean="0"/>
-              <a:t>different </a:t>
-            </a:r>
-            <a:r>
-              <a:rPr lang="en-US" sz="1200" dirty="0"/>
-              <a:t>types. Values of one type can be cast (that is, converted) to another </a:t>
-            </a:r>
-            <a:r>
-              <a:rPr lang="en-US" sz="1200" dirty="0" smtClean="0"/>
-              <a:t>domain, as illustrated</a:t>
-            </a:r>
-            <a:r>
-              <a:rPr lang="he-IL" sz="1200" dirty="0" smtClean="0"/>
-              <a:t> </a:t>
-            </a:r>
-            <a:r>
-              <a:rPr lang="en-US" sz="1200" dirty="0" smtClean="0"/>
-              <a:t>:</a:t>
-            </a:r>
-            <a:r>
-              <a:rPr lang="he-IL" sz="1200" dirty="0" smtClean="0"/>
-              <a:t> </a:t>
-            </a:r>
-            <a:r>
-              <a:rPr lang="en-US" sz="1200" dirty="0" smtClean="0">
-                <a:solidFill>
-                  <a:srgbClr val="FF0000"/>
-                </a:solidFill>
-              </a:rPr>
-              <a:t>cast</a:t>
-            </a:r>
-            <a:r>
-              <a:rPr lang="en-US" sz="1200" dirty="0" smtClean="0"/>
-              <a:t> </a:t>
-            </a:r>
-            <a:r>
-              <a:rPr lang="en-US" sz="1200" dirty="0"/>
-              <a:t>(</a:t>
-            </a:r>
-            <a:r>
-              <a:rPr lang="en-US" sz="1200" dirty="0" smtClean="0"/>
-              <a:t>department.budget </a:t>
-            </a:r>
-            <a:r>
-              <a:rPr lang="en-US" sz="1200" dirty="0"/>
-              <a:t>to numeric(12,2</a:t>
-            </a:r>
-            <a:r>
-              <a:rPr lang="en-US" sz="1200" dirty="0" smtClean="0"/>
-              <a:t>))</a:t>
-            </a:r>
-            <a:endParaRPr lang="he-IL" sz="1200" dirty="0" smtClean="0"/>
-          </a:p>
-          <a:p>
-            <a:pPr marL="0" indent="0">
-              <a:buNone/>
-            </a:pPr>
-            <a:endParaRPr lang="he-IL" sz="1200" dirty="0"/>
-          </a:p>
-          <a:p>
-            <a:pPr marL="0" indent="0" algn="r" rtl="1">
-              <a:buNone/>
-            </a:pPr>
-            <a:r>
-              <a:rPr lang="he-IL" sz="1200" dirty="0" smtClean="0"/>
-              <a:t>לא כל הנושא מועבר כאן :  יש לקרוא את הפיסקה הזו מתוך </a:t>
-            </a:r>
-            <a:r>
-              <a:rPr lang="he-IL" sz="1200" dirty="0" smtClean="0">
-                <a:hlinkClick r:id="rId2"/>
-              </a:rPr>
-              <a:t>הספר</a:t>
-            </a:r>
-            <a:endParaRPr lang="en-US" sz="1200" dirty="0"/>
+              <a:rPr lang="en-US" sz="1400" dirty="0" smtClean="0"/>
+              <a:t>function  call</a:t>
+            </a:r>
+          </a:p>
+          <a:p>
+            <a:pPr marL="400050" lvl="1" indent="0" algn="r" rtl="1">
+              <a:buNone/>
+            </a:pPr>
+            <a:endParaRPr lang="en-US" sz="1400" dirty="0"/>
+          </a:p>
+          <a:p>
+            <a:pPr marL="400050" lvl="1" indent="0" algn="r" rtl="1">
+              <a:buNone/>
+            </a:pPr>
+            <a:endParaRPr lang="en-US" sz="1400" dirty="0" smtClean="0"/>
+          </a:p>
+          <a:p>
+            <a:pPr marL="400050" lvl="1" indent="0">
+              <a:buNone/>
+            </a:pPr>
+            <a:endParaRPr lang="en-US" sz="1400" dirty="0" smtClean="0"/>
           </a:p>
         </p:txBody>
       </p:sp>
     </p:spTree>
     <p:extLst>
       <p:ext uri="{BB962C8B-B14F-4D97-AF65-F5344CB8AC3E}">
-        <p14:creationId xmlns:p14="http://schemas.microsoft.com/office/powerpoint/2010/main" val="2496902327"/>
+        <p14:creationId xmlns:p14="http://schemas.microsoft.com/office/powerpoint/2010/main" val="1538258509"/>
       </p:ext>
     </p:extLst>
   </p:cSld>
@@ -26341,7 +26230,7 @@
           <a:p>
             <a:r>
               <a:rPr lang="en-US" dirty="0"/>
-              <a:t>4.5.6 Create Table Extensions</a:t>
+              <a:t>4.5.5 User-Defined Types</a:t>
             </a:r>
           </a:p>
         </p:txBody>
@@ -26363,12 +26252,64 @@
           </a:bodyPr>
           <a:lstStyle/>
           <a:p>
+            <a:r>
+              <a:rPr lang="en-US" sz="1800" dirty="0"/>
+              <a:t>create type </a:t>
+            </a:r>
+            <a:r>
+              <a:rPr lang="en-US" sz="1800" dirty="0">
+                <a:solidFill>
+                  <a:srgbClr val="FF0000"/>
+                </a:solidFill>
+              </a:rPr>
+              <a:t>Dollars</a:t>
+            </a:r>
+            <a:r>
+              <a:rPr lang="en-US" sz="1800" dirty="0"/>
+              <a:t> as numeric(12,2) final;</a:t>
+            </a:r>
+          </a:p>
+          <a:p>
+            <a:r>
+              <a:rPr lang="en-US" sz="1800" dirty="0" smtClean="0"/>
+              <a:t>create type </a:t>
+            </a:r>
+            <a:r>
+              <a:rPr lang="en-US" sz="1800" dirty="0"/>
+              <a:t>Pounds as numeric(12,2) final</a:t>
+            </a:r>
+            <a:r>
+              <a:rPr lang="en-US" sz="1800" dirty="0" smtClean="0"/>
+              <a:t>;</a:t>
+            </a:r>
+          </a:p>
+          <a:p>
+            <a:pPr algn="r" rtl="1"/>
+            <a:r>
+              <a:rPr lang="he-IL" sz="2000" dirty="0" smtClean="0"/>
+              <a:t>ה </a:t>
+            </a:r>
+            <a:r>
+              <a:rPr lang="en-US" sz="2000" dirty="0" smtClean="0"/>
+              <a:t>final </a:t>
+            </a:r>
+            <a:r>
+              <a:rPr lang="he-IL" sz="2000" dirty="0"/>
+              <a:t> </a:t>
+            </a:r>
+            <a:r>
+              <a:rPr lang="he-IL" sz="2000" dirty="0" smtClean="0"/>
+              <a:t>לא מוסיף – ולפעמים ניתן להשמיטו</a:t>
+            </a:r>
+            <a:endParaRPr lang="en-US" sz="2000" dirty="0"/>
+          </a:p>
+          <a:p>
             <a:pPr marL="0" indent="0">
               <a:buNone/>
             </a:pPr>
             <a:r>
-              <a:rPr lang="en-US" sz="1800" dirty="0"/>
-              <a:t>Applications often require creation of tables that have the same schema as an</a:t>
+              <a:rPr lang="en-US" sz="2100" dirty="0"/>
+              <a:t>create table department</a:t>
             </a:r>
           </a:p>
           <a:p>
@@ -26376,12 +26317,24 @@
               <a:buNone/>
             </a:pPr>
             <a:r>
-              <a:rPr lang="en-US" sz="1800" dirty="0" smtClean="0"/>
-              <a:t>existing </a:t>
-            </a:r>
-            <a:r>
-              <a:rPr lang="en-US" sz="1800" dirty="0"/>
-              <a:t>table. SQL provides a create table like extension to support this task:</a:t>
+              <a:rPr lang="en-US" sz="2100" dirty="0" smtClean="0"/>
+              <a:t>(</a:t>
+            </a:r>
+            <a:r>
+              <a:rPr lang="en-US" sz="2100" dirty="0" err="1"/>
+              <a:t>dept</a:t>
+            </a:r>
+            <a:r>
+              <a:rPr lang="en-US" sz="2100" dirty="0"/>
+              <a:t> name </a:t>
+            </a:r>
+            <a:r>
+              <a:rPr lang="en-US" sz="2100" dirty="0" err="1"/>
+              <a:t>varchar</a:t>
+            </a:r>
+            <a:r>
+              <a:rPr lang="en-US" sz="2100" dirty="0"/>
+              <a:t> (20),</a:t>
             </a:r>
           </a:p>
           <a:p>
@@ -26389,65 +26342,147 @@
               <a:buNone/>
             </a:pPr>
             <a:r>
-              <a:rPr lang="en-US" sz="1800" dirty="0" smtClean="0">
+              <a:rPr lang="en-US" sz="2100" dirty="0" smtClean="0"/>
+              <a:t>building </a:t>
+            </a:r>
+            <a:r>
+              <a:rPr lang="en-US" sz="2100" dirty="0" err="1"/>
+              <a:t>varchar</a:t>
+            </a:r>
+            <a:r>
+              <a:rPr lang="en-US" sz="2100" dirty="0"/>
+              <a:t> (15),</a:t>
+            </a:r>
+          </a:p>
+          <a:p>
+            <a:pPr marL="0" indent="0">
+              <a:buNone/>
+            </a:pPr>
+            <a:r>
+              <a:rPr lang="en-US" sz="2100" dirty="0" smtClean="0"/>
+              <a:t>budget </a:t>
+            </a:r>
+            <a:r>
+              <a:rPr lang="en-US" sz="2100" dirty="0" smtClean="0">
                 <a:solidFill>
                   <a:srgbClr val="FF0000"/>
                 </a:solidFill>
               </a:rPr>
-              <a:t>create </a:t>
-            </a:r>
-            <a:r>
-              <a:rPr lang="en-US" sz="1800" dirty="0">
+              <a:t>Dollars</a:t>
+            </a:r>
+            <a:r>
+              <a:rPr lang="en-US" sz="2100" dirty="0" smtClean="0"/>
+              <a:t>);</a:t>
+            </a:r>
+            <a:endParaRPr lang="he-IL" sz="2100" dirty="0" smtClean="0"/>
+          </a:p>
+          <a:p>
+            <a:pPr marL="0" indent="0">
+              <a:buNone/>
+            </a:pPr>
+            <a:r>
+              <a:rPr lang="en-US" sz="1200" dirty="0"/>
+              <a:t>As a result of strong type checking, the expression (department.budget+20)</a:t>
+            </a:r>
+          </a:p>
+          <a:p>
+            <a:pPr marL="0" indent="0">
+              <a:buNone/>
+            </a:pPr>
+            <a:r>
+              <a:rPr lang="en-US" sz="1200" dirty="0" smtClean="0"/>
+              <a:t>would </a:t>
+            </a:r>
+            <a:r>
+              <a:rPr lang="en-US" sz="1200" b="1" dirty="0"/>
+              <a:t>not</a:t>
+            </a:r>
+            <a:r>
+              <a:rPr lang="en-US" sz="1200" dirty="0"/>
+              <a:t> be accepted since the attribute and the integer constant 20 have </a:t>
+            </a:r>
+            <a:r>
+              <a:rPr lang="en-US" sz="1200" dirty="0" smtClean="0"/>
+              <a:t>different </a:t>
+            </a:r>
+            <a:r>
+              <a:rPr lang="en-US" sz="1200" dirty="0"/>
+              <a:t>types. Values of one type can be cast (that is, converted) to another </a:t>
+            </a:r>
+            <a:r>
+              <a:rPr lang="en-US" sz="1200" dirty="0" smtClean="0"/>
+              <a:t>domain, as illustrated</a:t>
+            </a:r>
+            <a:r>
+              <a:rPr lang="he-IL" sz="1200" dirty="0" smtClean="0"/>
+              <a:t> </a:t>
+            </a:r>
+            <a:r>
+              <a:rPr lang="en-US" sz="1200" dirty="0" smtClean="0"/>
+              <a:t>:</a:t>
+            </a:r>
+            <a:r>
+              <a:rPr lang="he-IL" sz="1200" dirty="0" smtClean="0"/>
+              <a:t> </a:t>
+            </a:r>
+            <a:r>
+              <a:rPr lang="en-US" sz="1200" dirty="0" smtClean="0">
                 <a:solidFill>
                   <a:srgbClr val="FF0000"/>
                 </a:solidFill>
               </a:rPr>
-              <a:t>table temp instructor like </a:t>
-            </a:r>
-            <a:r>
-              <a:rPr lang="en-US" sz="1800" dirty="0" smtClean="0">
-                <a:solidFill>
-                  <a:srgbClr val="FF0000"/>
-                </a:solidFill>
+              <a:t>cast</a:t>
+            </a:r>
+            <a:r>
+              <a:rPr lang="en-US" sz="1200" dirty="0" smtClean="0"/>
+              <a:t> </a:t>
+            </a:r>
+            <a:r>
+              <a:rPr lang="en-US" sz="1200" dirty="0"/>
+              <a:t>(</a:t>
+            </a:r>
+            <a:r>
+              <a:rPr lang="en-US" sz="1200" dirty="0" smtClean="0"/>
+              <a:t>department.budget </a:t>
+            </a:r>
+            <a:r>
+              <a:rPr lang="en-US" sz="1200" dirty="0"/>
+              <a:t>to numeric(12,2</a:t>
+            </a:r>
+            <a:r>
+              <a:rPr lang="en-US" sz="1200" dirty="0" smtClean="0"/>
+              <a:t>))</a:t>
+            </a:r>
+            <a:endParaRPr lang="he-IL" sz="1200" dirty="0" smtClean="0"/>
+          </a:p>
+          <a:p>
+            <a:pPr marL="0" indent="0">
+              <a:buNone/>
+            </a:pPr>
+            <a:endParaRPr lang="he-IL" sz="1200" dirty="0"/>
+          </a:p>
+          <a:p>
+            <a:pPr marL="0" indent="0" algn="r" rtl="1">
+              <a:buNone/>
+            </a:pPr>
+            <a:r>
+              <a:rPr lang="he-IL" sz="1200" dirty="0" smtClean="0"/>
+              <a:t>לא כל הנושא מועבר כאן :  יש לקרוא את הפיסקה הזו מתוך </a:t>
+            </a:r>
+            <a:r>
+              <a:rPr lang="he-IL" sz="1200" dirty="0" smtClean="0">
+                <a:hlinkClick r:id="rId2"/>
               </a:rPr>
-              <a:t>instructor</a:t>
-            </a:r>
-            <a:endParaRPr lang="he-IL" sz="1800" dirty="0" smtClean="0">
-              <a:solidFill>
-                <a:srgbClr val="FF0000"/>
-              </a:solidFill>
-            </a:endParaRPr>
-          </a:p>
-          <a:p>
-            <a:pPr marL="0" indent="0">
-              <a:buNone/>
-            </a:pPr>
-            <a:endParaRPr lang="en-US" sz="1800" dirty="0">
-              <a:solidFill>
-                <a:srgbClr val="FF0000"/>
-              </a:solidFill>
-            </a:endParaRPr>
-          </a:p>
-          <a:p>
-            <a:pPr marL="0" indent="0">
-              <a:buNone/>
-            </a:pPr>
-            <a:r>
-              <a:rPr lang="he-IL" sz="1800" dirty="0" smtClean="0"/>
-              <a:t>להשלים..</a:t>
-            </a:r>
-            <a:endParaRPr lang="en-US" sz="1800" dirty="0">
-              <a:solidFill>
-                <a:srgbClr val="FF0000"/>
-              </a:solidFill>
-            </a:endParaRPr>
+              <a:t>הספר</a:t>
+            </a:r>
+            <a:endParaRPr lang="en-US" sz="1200" dirty="0"/>
           </a:p>
         </p:txBody>
       </p:sp>
     </p:spTree>
     <p:extLst>
       <p:ext uri="{BB962C8B-B14F-4D97-AF65-F5344CB8AC3E}">
-        <p14:creationId xmlns:p14="http://schemas.microsoft.com/office/powerpoint/2010/main" val="3961716970"/>
+        <p14:creationId xmlns:p14="http://schemas.microsoft.com/office/powerpoint/2010/main" val="2496902327"/>
       </p:ext>
     </p:extLst>
   </p:cSld>
@@ -26958,14 +26993,12 @@
         </p:nvSpPr>
         <p:spPr/>
         <p:txBody>
-          <a:bodyPr>
-            <a:normAutofit fontScale="90000"/>
-          </a:bodyPr>
+          <a:bodyPr/>
           <a:lstStyle/>
           <a:p>
             <a:r>
               <a:rPr lang="en-US" dirty="0"/>
-              <a:t>4.5.7 Schemas, Catalogs, and Environments</a:t>
+              <a:t>4.5.6 Create Table Extensions</a:t>
             </a:r>
           </a:p>
         </p:txBody>
@@ -26982,21 +27015,96 @@
         </p:nvSpPr>
         <p:spPr/>
         <p:txBody>
-          <a:bodyPr/>
+          <a:bodyPr>
+            <a:normAutofit/>
+          </a:bodyPr>
           <a:lstStyle/>
           <a:p>
-            <a:r>
-              <a:rPr lang="he-IL" dirty="0" smtClean="0"/>
+            <a:pPr marL="0" indent="0">
+              <a:buNone/>
+            </a:pPr>
+            <a:r>
+              <a:rPr lang="en-US" sz="1800" dirty="0"/>
+              <a:t>Applications often require creation of tables that have the same schema as an</a:t>
+            </a:r>
+          </a:p>
+          <a:p>
+            <a:pPr marL="0" indent="0">
+              <a:buNone/>
+            </a:pPr>
+            <a:r>
+              <a:rPr lang="en-US" sz="1800" dirty="0" smtClean="0"/>
+              <a:t>existing </a:t>
+            </a:r>
+            <a:r>
+              <a:rPr lang="en-US" sz="1800" dirty="0"/>
+              <a:t>table. SQL provides a create table like extension to support this task:</a:t>
+            </a:r>
+          </a:p>
+          <a:p>
+            <a:pPr marL="0" indent="0">
+              <a:buNone/>
+            </a:pPr>
+            <a:r>
+              <a:rPr lang="en-US" sz="1800" dirty="0" smtClean="0">
+                <a:solidFill>
+                  <a:srgbClr val="FF0000"/>
+                </a:solidFill>
+              </a:rPr>
+              <a:t>create </a:t>
+            </a:r>
+            <a:r>
+              <a:rPr lang="en-US" sz="1800" dirty="0">
+                <a:solidFill>
+                  <a:srgbClr val="FF0000"/>
+                </a:solidFill>
+              </a:rPr>
+              <a:t>table temp instructor like </a:t>
+            </a:r>
+            <a:r>
+              <a:rPr lang="en-US" sz="1800" dirty="0" smtClean="0">
+                <a:solidFill>
+                  <a:srgbClr val="FF0000"/>
+                </a:solidFill>
+              </a:rPr>
+              <a:t>instructor</a:t>
+            </a:r>
+            <a:endParaRPr lang="he-IL" sz="1800" dirty="0" smtClean="0">
+              <a:solidFill>
+                <a:srgbClr val="FF0000"/>
+              </a:solidFill>
+            </a:endParaRPr>
+          </a:p>
+          <a:p>
+            <a:pPr marL="0" indent="0">
+              <a:buNone/>
+            </a:pPr>
+            <a:endParaRPr lang="en-US" sz="1800" dirty="0">
+              <a:solidFill>
+                <a:srgbClr val="FF0000"/>
+              </a:solidFill>
+            </a:endParaRPr>
+          </a:p>
+          <a:p>
+            <a:pPr marL="0" indent="0">
+              <a:buNone/>
+            </a:pPr>
+            <a:r>
+              <a:rPr lang="he-IL" sz="1800" dirty="0" smtClean="0"/>
               <a:t>להשלים..</a:t>
             </a:r>
-            <a:endParaRPr lang="en-US" dirty="0"/>
+            <a:endParaRPr lang="en-US" sz="1800" dirty="0">
+              <a:solidFill>
+                <a:srgbClr val="FF0000"/>
+              </a:solidFill>
+            </a:endParaRPr>
           </a:p>
         </p:txBody>
       </p:sp>
     </p:spTree>
     <p:extLst>
       <p:ext uri="{BB962C8B-B14F-4D97-AF65-F5344CB8AC3E}">
-        <p14:creationId xmlns:p14="http://schemas.microsoft.com/office/powerpoint/2010/main" val="4069695566"/>
+        <p14:creationId xmlns:p14="http://schemas.microsoft.com/office/powerpoint/2010/main" val="3961716970"/>
       </p:ext>
     </p:extLst>
   </p:cSld>
@@ -27042,12 +27150,14 @@
         </p:nvSpPr>
         <p:spPr/>
         <p:txBody>
-          <a:bodyPr/>
+          <a:bodyPr>
+            <a:normAutofit fontScale="90000"/>
+          </a:bodyPr>
           <a:lstStyle/>
           <a:p>
             <a:r>
               <a:rPr lang="en-US" dirty="0"/>
-              <a:t>4.6 Authorization</a:t>
+              <a:t>4.5.7 Schemas, Catalogs, and Environments</a:t>
             </a:r>
           </a:p>
         </p:txBody>
@@ -27067,14 +27177,18 @@
           <a:bodyPr/>
           <a:lstStyle/>
           <a:p>
-            <a:endParaRPr lang="en-US"/>
+            <a:r>
+              <a:rPr lang="he-IL" dirty="0" smtClean="0"/>
+              <a:t>להשלים..</a:t>
+            </a:r>
+            <a:endParaRPr lang="en-US" dirty="0"/>
           </a:p>
         </p:txBody>
       </p:sp>
     </p:spTree>
     <p:extLst>
       <p:ext uri="{BB962C8B-B14F-4D97-AF65-F5344CB8AC3E}">
-        <p14:creationId xmlns:p14="http://schemas.microsoft.com/office/powerpoint/2010/main" val="1633271686"/>
+        <p14:creationId xmlns:p14="http://schemas.microsoft.com/office/powerpoint/2010/main" val="4069695566"/>
       </p:ext>
     </p:extLst>
   </p:cSld>
@@ -27120,14 +27234,12 @@
         </p:nvSpPr>
         <p:spPr/>
         <p:txBody>
-          <a:bodyPr>
-            <a:normAutofit fontScale="90000"/>
-          </a:bodyPr>
+          <a:bodyPr/>
           <a:lstStyle/>
           <a:p>
             <a:r>
               <a:rPr lang="en-US" dirty="0"/>
-              <a:t>4.6.1 Granting and Revoking of Privileges</a:t>
+              <a:t>4.6 Authorization</a:t>
             </a:r>
           </a:p>
         </p:txBody>
@@ -27147,14 +27259,14 @@
           <a:bodyPr/>
           <a:lstStyle/>
           <a:p>
-            <a:endParaRPr lang="en-US" dirty="0"/>
+            <a:endParaRPr lang="en-US"/>
           </a:p>
         </p:txBody>
       </p:sp>
     </p:spTree>
     <p:extLst>
       <p:ext uri="{BB962C8B-B14F-4D97-AF65-F5344CB8AC3E}">
-        <p14:creationId xmlns:p14="http://schemas.microsoft.com/office/powerpoint/2010/main" val="4167169764"/>
+        <p14:creationId xmlns:p14="http://schemas.microsoft.com/office/powerpoint/2010/main" val="1633271686"/>
       </p:ext>
     </p:extLst>
   </p:cSld>
@@ -27200,12 +27312,14 @@
         </p:nvSpPr>
         <p:spPr/>
         <p:txBody>
-          <a:bodyPr/>
+          <a:bodyPr>
+            <a:normAutofit fontScale="90000"/>
+          </a:bodyPr>
           <a:lstStyle/>
           <a:p>
             <a:r>
               <a:rPr lang="en-US" dirty="0"/>
-              <a:t>4.6.2 Roles</a:t>
+              <a:t>4.6.1 Granting and Revoking of Privileges</a:t>
             </a:r>
           </a:p>
         </p:txBody>
@@ -27225,14 +27339,14 @@
           <a:bodyPr/>
           <a:lstStyle/>
           <a:p>
-            <a:endParaRPr lang="en-US"/>
+            <a:endParaRPr lang="en-US" dirty="0"/>
           </a:p>
         </p:txBody>
       </p:sp>
     </p:spTree>
     <p:extLst>
       <p:ext uri="{BB962C8B-B14F-4D97-AF65-F5344CB8AC3E}">
-        <p14:creationId xmlns:p14="http://schemas.microsoft.com/office/powerpoint/2010/main" val="1472047665"/>
+        <p14:creationId xmlns:p14="http://schemas.microsoft.com/office/powerpoint/2010/main" val="4167169764"/>
       </p:ext>
     </p:extLst>
   </p:cSld>
@@ -27281,7 +27395,10 @@
           <a:bodyPr/>
           <a:lstStyle/>
           <a:p>
-            <a:endParaRPr lang="en-US"/>
+            <a:r>
+              <a:rPr lang="en-US" dirty="0"/>
+              <a:t>4.6.2 Roles</a:t>
+            </a:r>
           </a:p>
         </p:txBody>
       </p:sp>
@@ -27307,7 +27424,7 @@
     </p:spTree>
     <p:extLst>
       <p:ext uri="{BB962C8B-B14F-4D97-AF65-F5344CB8AC3E}">
-        <p14:creationId xmlns:p14="http://schemas.microsoft.com/office/powerpoint/2010/main" val="20814986"/>
+        <p14:creationId xmlns:p14="http://schemas.microsoft.com/office/powerpoint/2010/main" val="1472047665"/>
       </p:ext>
     </p:extLst>
   </p:cSld>
@@ -27356,10 +27473,7 @@
           <a:bodyPr/>
           <a:lstStyle/>
           <a:p>
-            <a:r>
-              <a:rPr lang="en-US" dirty="0"/>
-              <a:t>4.6.3 Authorization on Views</a:t>
-            </a:r>
+            <a:endParaRPr lang="en-US"/>
           </a:p>
         </p:txBody>
       </p:sp>
@@ -27385,7 +27499,7 @@
     </p:spTree>
     <p:extLst>
       <p:ext uri="{BB962C8B-B14F-4D97-AF65-F5344CB8AC3E}">
-        <p14:creationId xmlns:p14="http://schemas.microsoft.com/office/powerpoint/2010/main" val="1400443782"/>
+        <p14:creationId xmlns:p14="http://schemas.microsoft.com/office/powerpoint/2010/main" val="20814986"/>
       </p:ext>
     </p:extLst>
   </p:cSld>
@@ -27436,7 +27550,7 @@
           <a:p>
             <a:r>
               <a:rPr lang="en-US" dirty="0"/>
-              <a:t>4.6.4 Authorizations on Schema</a:t>
+              <a:t>4.6.3 Authorization on Views</a:t>
             </a:r>
           </a:p>
         </p:txBody>
@@ -27463,7 +27577,7 @@
     </p:spTree>
     <p:extLst>
       <p:ext uri="{BB962C8B-B14F-4D97-AF65-F5344CB8AC3E}">
-        <p14:creationId xmlns:p14="http://schemas.microsoft.com/office/powerpoint/2010/main" val="780861989"/>
+        <p14:creationId xmlns:p14="http://schemas.microsoft.com/office/powerpoint/2010/main" val="1400443782"/>
       </p:ext>
     </p:extLst>
   </p:cSld>
@@ -27514,6 +27628,84 @@
           <a:p>
             <a:r>
               <a:rPr lang="en-US" dirty="0"/>
+              <a:t>4.6.4 Authorizations on Schema</a:t>
+            </a:r>
+          </a:p>
+        </p:txBody>
+      </p:sp>
+      <p:sp>
+        <p:nvSpPr>
+          <p:cNvPr id="3" name="Content Placeholder 2"/>
+          <p:cNvSpPr>
+            <a:spLocks noGrp="1"/>
+          </p:cNvSpPr>
+          <p:nvPr>
+            <p:ph idx="1"/>
+          </p:nvPr>
+        </p:nvSpPr>
+        <p:spPr/>
+        <p:txBody>
+          <a:bodyPr/>
+          <a:lstStyle/>
+          <a:p>
+            <a:endParaRPr lang="en-US"/>
+          </a:p>
+        </p:txBody>
+      </p:sp>
+    </p:spTree>
+    <p:extLst>
+      <p:ext uri="{BB962C8B-B14F-4D97-AF65-F5344CB8AC3E}">
+        <p14:creationId xmlns:p14="http://schemas.microsoft.com/office/powerpoint/2010/main" val="780861989"/>
+      </p:ext>
+    </p:extLst>
+  </p:cSld>
+  <p:clrMapOvr>
+    <a:masterClrMapping/>
+  </p:clrMapOvr>
+  <p:timing>
+    <p:tnLst>
+      <p:par>
+        <p:cTn id="1" dur="indefinite" restart="never" nodeType="tmRoot"/>
+      </p:par>
+    </p:tnLst>
+  </p:timing>
+</p:sld>
+</file>
+
+<file path=ppt/slides/slide88.xml><?xml version="1.0" encoding="utf-8"?>
+<p:sld xmlns:a="http://schemas.openxmlformats.org/drawingml/2006/main" xmlns:r="http://schemas.openxmlformats.org/officeDocument/2006/relationships" xmlns:p="http://schemas.openxmlformats.org/presentationml/2006/main">
+  <p:cSld>
+    <p:spTree>
+      <p:nvGrpSpPr>
+        <p:cNvPr id="1" name=""/>
+        <p:cNvGrpSpPr/>
+        <p:nvPr/>
+      </p:nvGrpSpPr>
+      <p:grpSpPr>
+        <a:xfrm>
+          <a:off x="0" y="0"/>
+          <a:ext cx="0" cy="0"/>
+          <a:chOff x="0" y="0"/>
+          <a:chExt cx="0" cy="0"/>
+        </a:xfrm>
+      </p:grpSpPr>
+      <p:sp>
+        <p:nvSpPr>
+          <p:cNvPr id="2" name="Title 1"/>
+          <p:cNvSpPr>
+            <a:spLocks noGrp="1"/>
+          </p:cNvSpPr>
+          <p:nvPr>
+            <p:ph type="title"/>
+          </p:nvPr>
+        </p:nvSpPr>
+        <p:spPr/>
+        <p:txBody>
+          <a:bodyPr/>
+          <a:lstStyle/>
+          <a:p>
+            <a:r>
+              <a:rPr lang="en-US" dirty="0"/>
               <a:t>4.6.5 Transfer of Privileges</a:t>
             </a:r>
           </a:p>
@@ -27558,7 +27750,7 @@
 </p:sld>
 </file>
 
-<file path=ppt/slides/slide88.xml><?xml version="1.0" encoding="utf-8"?>
+<file path=ppt/slides/slide89.xml><?xml version="1.0" encoding="utf-8"?>
 <p:sld xmlns:a="http://schemas.openxmlformats.org/drawingml/2006/main" xmlns:r="http://schemas.openxmlformats.org/officeDocument/2006/relationships" xmlns:p="http://schemas.openxmlformats.org/presentationml/2006/main">
   <p:cSld>
     <p:spTree>

--- a/20277 Database systems/Presentation.pptx
+++ b/20277 Database systems/Presentation.pptx
@@ -506,7 +506,7 @@
           <a:p>
             <a:fld id="{FDB15017-C9AD-4905-8B61-6B0066E9A51C}" type="datetimeFigureOut">
               <a:rPr lang="en-US" smtClean="0"/>
-              <a:t>5/17/2016</a:t>
+              <a:t>7/1/2016</a:t>
             </a:fld>
             <a:endParaRPr lang="en-US"/>
           </a:p>
@@ -676,7 +676,7 @@
           <a:p>
             <a:fld id="{FDB15017-C9AD-4905-8B61-6B0066E9A51C}" type="datetimeFigureOut">
               <a:rPr lang="en-US" smtClean="0"/>
-              <a:t>5/17/2016</a:t>
+              <a:t>7/1/2016</a:t>
             </a:fld>
             <a:endParaRPr lang="en-US"/>
           </a:p>
@@ -856,7 +856,7 @@
           <a:p>
             <a:fld id="{FDB15017-C9AD-4905-8B61-6B0066E9A51C}" type="datetimeFigureOut">
               <a:rPr lang="en-US" smtClean="0"/>
-              <a:t>5/17/2016</a:t>
+              <a:t>7/1/2016</a:t>
             </a:fld>
             <a:endParaRPr lang="en-US"/>
           </a:p>
@@ -1026,7 +1026,7 @@
           <a:p>
             <a:fld id="{FDB15017-C9AD-4905-8B61-6B0066E9A51C}" type="datetimeFigureOut">
               <a:rPr lang="en-US" smtClean="0"/>
-              <a:t>5/17/2016</a:t>
+              <a:t>7/1/2016</a:t>
             </a:fld>
             <a:endParaRPr lang="en-US"/>
           </a:p>
@@ -1272,7 +1272,7 @@
           <a:p>
             <a:fld id="{FDB15017-C9AD-4905-8B61-6B0066E9A51C}" type="datetimeFigureOut">
               <a:rPr lang="en-US" smtClean="0"/>
-              <a:t>5/17/2016</a:t>
+              <a:t>7/1/2016</a:t>
             </a:fld>
             <a:endParaRPr lang="en-US"/>
           </a:p>
@@ -1560,7 +1560,7 @@
           <a:p>
             <a:fld id="{FDB15017-C9AD-4905-8B61-6B0066E9A51C}" type="datetimeFigureOut">
               <a:rPr lang="en-US" smtClean="0"/>
-              <a:t>5/17/2016</a:t>
+              <a:t>7/1/2016</a:t>
             </a:fld>
             <a:endParaRPr lang="en-US"/>
           </a:p>
@@ -1982,7 +1982,7 @@
           <a:p>
             <a:fld id="{FDB15017-C9AD-4905-8B61-6B0066E9A51C}" type="datetimeFigureOut">
               <a:rPr lang="en-US" smtClean="0"/>
-              <a:t>5/17/2016</a:t>
+              <a:t>7/1/2016</a:t>
             </a:fld>
             <a:endParaRPr lang="en-US"/>
           </a:p>
@@ -2100,7 +2100,7 @@
           <a:p>
             <a:fld id="{FDB15017-C9AD-4905-8B61-6B0066E9A51C}" type="datetimeFigureOut">
               <a:rPr lang="en-US" smtClean="0"/>
-              <a:t>5/17/2016</a:t>
+              <a:t>7/1/2016</a:t>
             </a:fld>
             <a:endParaRPr lang="en-US"/>
           </a:p>
@@ -2195,7 +2195,7 @@
           <a:p>
             <a:fld id="{FDB15017-C9AD-4905-8B61-6B0066E9A51C}" type="datetimeFigureOut">
               <a:rPr lang="en-US" smtClean="0"/>
-              <a:t>5/17/2016</a:t>
+              <a:t>7/1/2016</a:t>
             </a:fld>
             <a:endParaRPr lang="en-US"/>
           </a:p>
@@ -2472,7 +2472,7 @@
           <a:p>
             <a:fld id="{FDB15017-C9AD-4905-8B61-6B0066E9A51C}" type="datetimeFigureOut">
               <a:rPr lang="en-US" smtClean="0"/>
-              <a:t>5/17/2016</a:t>
+              <a:t>7/1/2016</a:t>
             </a:fld>
             <a:endParaRPr lang="en-US"/>
           </a:p>
@@ -2725,7 +2725,7 @@
           <a:p>
             <a:fld id="{FDB15017-C9AD-4905-8B61-6B0066E9A51C}" type="datetimeFigureOut">
               <a:rPr lang="en-US" smtClean="0"/>
-              <a:t>5/17/2016</a:t>
+              <a:t>7/1/2016</a:t>
             </a:fld>
             <a:endParaRPr lang="en-US"/>
           </a:p>
@@ -2938,7 +2938,7 @@
           <a:p>
             <a:fld id="{FDB15017-C9AD-4905-8B61-6B0066E9A51C}" type="datetimeFigureOut">
               <a:rPr lang="en-US" smtClean="0"/>
-              <a:t>5/17/2016</a:t>
+              <a:t>7/1/2016</a:t>
             </a:fld>
             <a:endParaRPr lang="en-US"/>
           </a:p>
@@ -8920,45 +8920,21 @@
           <a:p>
             <a:pPr algn="r" rtl="1"/>
             <a:r>
+              <a:rPr lang="en-US" dirty="0" smtClean="0"/>
+              <a:t> </a:t>
+            </a:r>
+            <a:r>
               <a:rPr lang="he-IL" dirty="0" smtClean="0"/>
-              <a:t>עדיף לא לקרוא – זה יהרוס לכם את ההבנה </a:t>
+              <a:t>אני מצאתי שחוברת הקורס עוזרת אחרי שקוראים את החומר בספר ובאינטרנט כהשלמה מצויינת</a:t>
             </a:r>
           </a:p>
           <a:p>
             <a:pPr algn="r" rtl="1"/>
+            <a:r>
+              <a:rPr lang="he-IL" smtClean="0"/>
+              <a:t>ספר הלמידה מכוון למבחן וזה טוב</a:t>
+            </a:r>
             <a:endParaRPr lang="he-IL" dirty="0"/>
-          </a:p>
-          <a:p>
-            <a:pPr algn="r" rtl="1"/>
-            <a:r>
-              <a:rPr lang="he-IL" dirty="0" smtClean="0"/>
-              <a:t>לא מתרגמים ספר עם אנגלית ברורה מאד לעברית. </a:t>
-            </a:r>
-            <a:endParaRPr lang="he-IL" dirty="0"/>
-          </a:p>
-          <a:p>
-            <a:pPr algn="r" rtl="1"/>
-            <a:r>
-              <a:rPr lang="he-IL" dirty="0" smtClean="0"/>
-              <a:t>עדיף לקרוא את הספר באנגלית וכך גם לחפש מקורות באינטרנט למושגים שכתובים בספר אם לא מבינים כולל </a:t>
-            </a:r>
-            <a:r>
-              <a:rPr lang="en-US" dirty="0" err="1" smtClean="0"/>
-              <a:t>youtube</a:t>
-            </a:r>
-            <a:r>
-              <a:rPr lang="en-US" dirty="0" smtClean="0"/>
-              <a:t> , </a:t>
-            </a:r>
-            <a:r>
-              <a:rPr lang="en-US" dirty="0" err="1" smtClean="0"/>
-              <a:t>wikipedia</a:t>
-            </a:r>
-            <a:r>
-              <a:rPr lang="en-US" dirty="0" smtClean="0"/>
-              <a:t> and more</a:t>
-            </a:r>
-            <a:endParaRPr lang="en-US" dirty="0"/>
           </a:p>
         </p:txBody>
       </p:sp>
